--- a/paper/fig-ppt/simulation_1d.pptx
+++ b/paper/fig-ppt/simulation_1d.pptx
@@ -2,13 +2,15 @@
 <file path=ppt/presentation.xml><?xml version="1.0" encoding="utf-8"?>
 <p:presentation xmlns:a="http://schemas.openxmlformats.org/drawingml/2006/main" xmlns:r="http://schemas.openxmlformats.org/officeDocument/2006/relationships" xmlns:p="http://schemas.openxmlformats.org/presentationml/2006/main" saveSubsetFonts="1">
   <p:sldMasterIdLst>
-    <p:sldMasterId id="2147483684" r:id="rId1"/>
+    <p:sldMasterId id="2147483696" r:id="rId1"/>
   </p:sldMasterIdLst>
   <p:sldIdLst>
-    <p:sldId id="261" r:id="rId2"/>
-    <p:sldId id="260" r:id="rId3"/>
+    <p:sldId id="262" r:id="rId2"/>
+    <p:sldId id="263" r:id="rId3"/>
+    <p:sldId id="261" r:id="rId4"/>
+    <p:sldId id="260" r:id="rId5"/>
   </p:sldIdLst>
-  <p:sldSz cx="13320713" cy="8459788"/>
+  <p:sldSz cx="9104313" cy="7246938"/>
   <p:notesSz cx="6858000" cy="9144000"/>
   <p:defaultTextStyle>
     <a:defPPr>
@@ -142,15 +144,15 @@
         </p:nvSpPr>
         <p:spPr>
           <a:xfrm>
-            <a:off x="1665089" y="1384507"/>
-            <a:ext cx="9990535" cy="2945260"/>
+            <a:off x="682824" y="1186016"/>
+            <a:ext cx="7738666" cy="2523008"/>
           </a:xfrm>
         </p:spPr>
         <p:txBody>
           <a:bodyPr anchor="b"/>
           <a:lstStyle>
             <a:lvl1pPr algn="ctr">
-              <a:defRPr sz="6556"/>
+              <a:defRPr sz="5974"/>
             </a:lvl1pPr>
           </a:lstStyle>
           <a:p>
@@ -174,8 +176,8 @@
         </p:nvSpPr>
         <p:spPr>
           <a:xfrm>
-            <a:off x="1665089" y="4443348"/>
-            <a:ext cx="9990535" cy="2042490"/>
+            <a:off x="1138039" y="3806321"/>
+            <a:ext cx="6828235" cy="1749665"/>
           </a:xfrm>
         </p:spPr>
         <p:txBody>
@@ -183,39 +185,39 @@
           <a:lstStyle>
             <a:lvl1pPr marL="0" indent="0" algn="ctr">
               <a:buNone/>
-              <a:defRPr sz="2622"/>
+              <a:defRPr sz="2390"/>
             </a:lvl1pPr>
-            <a:lvl2pPr marL="499537" indent="0" algn="ctr">
+            <a:lvl2pPr marL="455234" indent="0" algn="ctr">
               <a:buNone/>
-              <a:defRPr sz="2185"/>
+              <a:defRPr sz="1991"/>
             </a:lvl2pPr>
-            <a:lvl3pPr marL="999073" indent="0" algn="ctr">
+            <a:lvl3pPr marL="910468" indent="0" algn="ctr">
               <a:buNone/>
-              <a:defRPr sz="1967"/>
+              <a:defRPr sz="1792"/>
             </a:lvl3pPr>
-            <a:lvl4pPr marL="1498610" indent="0" algn="ctr">
+            <a:lvl4pPr marL="1365702" indent="0" algn="ctr">
               <a:buNone/>
-              <a:defRPr sz="1748"/>
+              <a:defRPr sz="1593"/>
             </a:lvl4pPr>
-            <a:lvl5pPr marL="1998147" indent="0" algn="ctr">
+            <a:lvl5pPr marL="1820936" indent="0" algn="ctr">
               <a:buNone/>
-              <a:defRPr sz="1748"/>
+              <a:defRPr sz="1593"/>
             </a:lvl5pPr>
-            <a:lvl6pPr marL="2497684" indent="0" algn="ctr">
+            <a:lvl6pPr marL="2276170" indent="0" algn="ctr">
               <a:buNone/>
-              <a:defRPr sz="1748"/>
+              <a:defRPr sz="1593"/>
             </a:lvl6pPr>
-            <a:lvl7pPr marL="2997220" indent="0" algn="ctr">
+            <a:lvl7pPr marL="2731404" indent="0" algn="ctr">
               <a:buNone/>
-              <a:defRPr sz="1748"/>
+              <a:defRPr sz="1593"/>
             </a:lvl7pPr>
-            <a:lvl8pPr marL="3496757" indent="0" algn="ctr">
+            <a:lvl8pPr marL="3186638" indent="0" algn="ctr">
               <a:buNone/>
-              <a:defRPr sz="1748"/>
+              <a:defRPr sz="1593"/>
             </a:lvl8pPr>
-            <a:lvl9pPr marL="3996294" indent="0" algn="ctr">
+            <a:lvl9pPr marL="3641872" indent="0" algn="ctr">
               <a:buNone/>
-              <a:defRPr sz="1748"/>
+              <a:defRPr sz="1593"/>
             </a:lvl9pPr>
           </a:lstStyle>
           <a:p>
@@ -244,7 +246,7 @@
           <a:p>
             <a:fld id="{BE6E867C-90FD-4EAD-88A4-6CF01D9E62A0}" type="datetimeFigureOut">
               <a:rPr lang="zh-CN" altLang="en-US" smtClean="0"/>
-              <a:t>2022/8/18</a:t>
+              <a:t>2022/8/30</a:t>
             </a:fld>
             <a:endParaRPr lang="zh-CN" altLang="en-US"/>
           </a:p>
@@ -295,7 +297,7 @@
     </p:spTree>
     <p:extLst>
       <p:ext uri="{BB962C8B-B14F-4D97-AF65-F5344CB8AC3E}">
-        <p14:creationId xmlns:p14="http://schemas.microsoft.com/office/powerpoint/2010/main" val="805753489"/>
+        <p14:creationId xmlns:p14="http://schemas.microsoft.com/office/powerpoint/2010/main" val="4046765216"/>
       </p:ext>
     </p:extLst>
   </p:cSld>
@@ -414,7 +416,7 @@
           <a:p>
             <a:fld id="{BE6E867C-90FD-4EAD-88A4-6CF01D9E62A0}" type="datetimeFigureOut">
               <a:rPr lang="zh-CN" altLang="en-US" smtClean="0"/>
-              <a:t>2022/8/18</a:t>
+              <a:t>2022/8/30</a:t>
             </a:fld>
             <a:endParaRPr lang="zh-CN" altLang="en-US"/>
           </a:p>
@@ -465,7 +467,7 @@
     </p:spTree>
     <p:extLst>
       <p:ext uri="{BB962C8B-B14F-4D97-AF65-F5344CB8AC3E}">
-        <p14:creationId xmlns:p14="http://schemas.microsoft.com/office/powerpoint/2010/main" val="1794592798"/>
+        <p14:creationId xmlns:p14="http://schemas.microsoft.com/office/powerpoint/2010/main" val="60421993"/>
       </p:ext>
     </p:extLst>
   </p:cSld>
@@ -504,8 +506,8 @@
         </p:nvSpPr>
         <p:spPr>
           <a:xfrm>
-            <a:off x="9532635" y="450406"/>
-            <a:ext cx="2872279" cy="7169279"/>
+            <a:off x="6515275" y="385832"/>
+            <a:ext cx="1963117" cy="6141445"/>
           </a:xfrm>
         </p:spPr>
         <p:txBody>
@@ -532,8 +534,8 @@
         </p:nvSpPr>
         <p:spPr>
           <a:xfrm>
-            <a:off x="915799" y="450406"/>
-            <a:ext cx="8450327" cy="7169279"/>
+            <a:off x="625922" y="385832"/>
+            <a:ext cx="5775549" cy="6141445"/>
           </a:xfrm>
         </p:spPr>
         <p:txBody>
@@ -594,7 +596,7 @@
           <a:p>
             <a:fld id="{BE6E867C-90FD-4EAD-88A4-6CF01D9E62A0}" type="datetimeFigureOut">
               <a:rPr lang="zh-CN" altLang="en-US" smtClean="0"/>
-              <a:t>2022/8/18</a:t>
+              <a:t>2022/8/30</a:t>
             </a:fld>
             <a:endParaRPr lang="zh-CN" altLang="en-US"/>
           </a:p>
@@ -645,7 +647,7 @@
     </p:spTree>
     <p:extLst>
       <p:ext uri="{BB962C8B-B14F-4D97-AF65-F5344CB8AC3E}">
-        <p14:creationId xmlns:p14="http://schemas.microsoft.com/office/powerpoint/2010/main" val="235967917"/>
+        <p14:creationId xmlns:p14="http://schemas.microsoft.com/office/powerpoint/2010/main" val="1483767276"/>
       </p:ext>
     </p:extLst>
   </p:cSld>
@@ -764,7 +766,7 @@
           <a:p>
             <a:fld id="{BE6E867C-90FD-4EAD-88A4-6CF01D9E62A0}" type="datetimeFigureOut">
               <a:rPr lang="zh-CN" altLang="en-US" smtClean="0"/>
-              <a:t>2022/8/18</a:t>
+              <a:t>2022/8/30</a:t>
             </a:fld>
             <a:endParaRPr lang="zh-CN" altLang="en-US"/>
           </a:p>
@@ -815,7 +817,7 @@
     </p:spTree>
     <p:extLst>
       <p:ext uri="{BB962C8B-B14F-4D97-AF65-F5344CB8AC3E}">
-        <p14:creationId xmlns:p14="http://schemas.microsoft.com/office/powerpoint/2010/main" val="4177064577"/>
+        <p14:creationId xmlns:p14="http://schemas.microsoft.com/office/powerpoint/2010/main" val="2664458736"/>
       </p:ext>
     </p:extLst>
   </p:cSld>
@@ -854,15 +856,15 @@
         </p:nvSpPr>
         <p:spPr>
           <a:xfrm>
-            <a:off x="908861" y="2109073"/>
-            <a:ext cx="11489115" cy="3519036"/>
+            <a:off x="621180" y="1806704"/>
+            <a:ext cx="7852470" cy="3014524"/>
           </a:xfrm>
         </p:spPr>
         <p:txBody>
           <a:bodyPr anchor="b"/>
           <a:lstStyle>
             <a:lvl1pPr>
-              <a:defRPr sz="6556"/>
+              <a:defRPr sz="5974"/>
             </a:lvl1pPr>
           </a:lstStyle>
           <a:p>
@@ -886,8 +888,8 @@
         </p:nvSpPr>
         <p:spPr>
           <a:xfrm>
-            <a:off x="908861" y="5661401"/>
-            <a:ext cx="11489115" cy="1850578"/>
+            <a:off x="621180" y="4849747"/>
+            <a:ext cx="7852470" cy="1585267"/>
           </a:xfrm>
         </p:spPr>
         <p:txBody>
@@ -895,17 +897,15 @@
           <a:lstStyle>
             <a:lvl1pPr marL="0" indent="0">
               <a:buNone/>
-              <a:defRPr sz="2622">
+              <a:defRPr sz="2390">
                 <a:solidFill>
-                  <a:schemeClr val="tx1">
-                    <a:tint val="75000"/>
-                  </a:schemeClr>
+                  <a:schemeClr val="tx1"/>
                 </a:solidFill>
               </a:defRPr>
             </a:lvl1pPr>
-            <a:lvl2pPr marL="499537" indent="0">
+            <a:lvl2pPr marL="455234" indent="0">
               <a:buNone/>
-              <a:defRPr sz="2185">
+              <a:defRPr sz="1991">
                 <a:solidFill>
                   <a:schemeClr val="tx1">
                     <a:tint val="75000"/>
@@ -913,9 +913,9 @@
                 </a:solidFill>
               </a:defRPr>
             </a:lvl2pPr>
-            <a:lvl3pPr marL="999073" indent="0">
+            <a:lvl3pPr marL="910468" indent="0">
               <a:buNone/>
-              <a:defRPr sz="1967">
+              <a:defRPr sz="1792">
                 <a:solidFill>
                   <a:schemeClr val="tx1">
                     <a:tint val="75000"/>
@@ -923,9 +923,9 @@
                 </a:solidFill>
               </a:defRPr>
             </a:lvl3pPr>
-            <a:lvl4pPr marL="1498610" indent="0">
+            <a:lvl4pPr marL="1365702" indent="0">
               <a:buNone/>
-              <a:defRPr sz="1748">
+              <a:defRPr sz="1593">
                 <a:solidFill>
                   <a:schemeClr val="tx1">
                     <a:tint val="75000"/>
@@ -933,9 +933,9 @@
                 </a:solidFill>
               </a:defRPr>
             </a:lvl4pPr>
-            <a:lvl5pPr marL="1998147" indent="0">
+            <a:lvl5pPr marL="1820936" indent="0">
               <a:buNone/>
-              <a:defRPr sz="1748">
+              <a:defRPr sz="1593">
                 <a:solidFill>
                   <a:schemeClr val="tx1">
                     <a:tint val="75000"/>
@@ -943,9 +943,9 @@
                 </a:solidFill>
               </a:defRPr>
             </a:lvl5pPr>
-            <a:lvl6pPr marL="2497684" indent="0">
+            <a:lvl6pPr marL="2276170" indent="0">
               <a:buNone/>
-              <a:defRPr sz="1748">
+              <a:defRPr sz="1593">
                 <a:solidFill>
                   <a:schemeClr val="tx1">
                     <a:tint val="75000"/>
@@ -953,9 +953,9 @@
                 </a:solidFill>
               </a:defRPr>
             </a:lvl6pPr>
-            <a:lvl7pPr marL="2997220" indent="0">
+            <a:lvl7pPr marL="2731404" indent="0">
               <a:buNone/>
-              <a:defRPr sz="1748">
+              <a:defRPr sz="1593">
                 <a:solidFill>
                   <a:schemeClr val="tx1">
                     <a:tint val="75000"/>
@@ -963,9 +963,9 @@
                 </a:solidFill>
               </a:defRPr>
             </a:lvl7pPr>
-            <a:lvl8pPr marL="3496757" indent="0">
+            <a:lvl8pPr marL="3186638" indent="0">
               <a:buNone/>
-              <a:defRPr sz="1748">
+              <a:defRPr sz="1593">
                 <a:solidFill>
                   <a:schemeClr val="tx1">
                     <a:tint val="75000"/>
@@ -973,9 +973,9 @@
                 </a:solidFill>
               </a:defRPr>
             </a:lvl8pPr>
-            <a:lvl9pPr marL="3996294" indent="0">
+            <a:lvl9pPr marL="3641872" indent="0">
               <a:buNone/>
-              <a:defRPr sz="1748">
+              <a:defRPr sz="1593">
                 <a:solidFill>
                   <a:schemeClr val="tx1">
                     <a:tint val="75000"/>
@@ -1010,7 +1010,7 @@
           <a:p>
             <a:fld id="{BE6E867C-90FD-4EAD-88A4-6CF01D9E62A0}" type="datetimeFigureOut">
               <a:rPr lang="zh-CN" altLang="en-US" smtClean="0"/>
-              <a:t>2022/8/18</a:t>
+              <a:t>2022/8/30</a:t>
             </a:fld>
             <a:endParaRPr lang="zh-CN" altLang="en-US"/>
           </a:p>
@@ -1061,7 +1061,7 @@
     </p:spTree>
     <p:extLst>
       <p:ext uri="{BB962C8B-B14F-4D97-AF65-F5344CB8AC3E}">
-        <p14:creationId xmlns:p14="http://schemas.microsoft.com/office/powerpoint/2010/main" val="2797241121"/>
+        <p14:creationId xmlns:p14="http://schemas.microsoft.com/office/powerpoint/2010/main" val="2611393945"/>
       </p:ext>
     </p:extLst>
   </p:cSld>
@@ -1123,8 +1123,8 @@
         </p:nvSpPr>
         <p:spPr>
           <a:xfrm>
-            <a:off x="915799" y="2252027"/>
-            <a:ext cx="5661303" cy="5367658"/>
+            <a:off x="625922" y="1929162"/>
+            <a:ext cx="3869333" cy="4598116"/>
           </a:xfrm>
         </p:spPr>
         <p:txBody>
@@ -1180,8 +1180,8 @@
         </p:nvSpPr>
         <p:spPr>
           <a:xfrm>
-            <a:off x="6743611" y="2252027"/>
-            <a:ext cx="5661303" cy="5367658"/>
+            <a:off x="4609058" y="1929162"/>
+            <a:ext cx="3869333" cy="4598116"/>
           </a:xfrm>
         </p:spPr>
         <p:txBody>
@@ -1242,7 +1242,7 @@
           <a:p>
             <a:fld id="{BE6E867C-90FD-4EAD-88A4-6CF01D9E62A0}" type="datetimeFigureOut">
               <a:rPr lang="zh-CN" altLang="en-US" smtClean="0"/>
-              <a:t>2022/8/18</a:t>
+              <a:t>2022/8/30</a:t>
             </a:fld>
             <a:endParaRPr lang="zh-CN" altLang="en-US"/>
           </a:p>
@@ -1293,7 +1293,7 @@
     </p:spTree>
     <p:extLst>
       <p:ext uri="{BB962C8B-B14F-4D97-AF65-F5344CB8AC3E}">
-        <p14:creationId xmlns:p14="http://schemas.microsoft.com/office/powerpoint/2010/main" val="140140366"/>
+        <p14:creationId xmlns:p14="http://schemas.microsoft.com/office/powerpoint/2010/main" val="1133693106"/>
       </p:ext>
     </p:extLst>
   </p:cSld>
@@ -1332,8 +1332,8 @@
         </p:nvSpPr>
         <p:spPr>
           <a:xfrm>
-            <a:off x="917534" y="450406"/>
-            <a:ext cx="11489115" cy="1635168"/>
+            <a:off x="627107" y="385834"/>
+            <a:ext cx="7852470" cy="1400740"/>
           </a:xfrm>
         </p:spPr>
         <p:txBody>
@@ -1360,8 +1360,8 @@
         </p:nvSpPr>
         <p:spPr>
           <a:xfrm>
-            <a:off x="917535" y="2073824"/>
-            <a:ext cx="5635285" cy="1016349"/>
+            <a:off x="627108" y="1776507"/>
+            <a:ext cx="3851551" cy="870639"/>
           </a:xfrm>
         </p:spPr>
         <p:txBody>
@@ -1369,39 +1369,39 @@
           <a:lstStyle>
             <a:lvl1pPr marL="0" indent="0">
               <a:buNone/>
-              <a:defRPr sz="2622" b="1"/>
+              <a:defRPr sz="2390" b="1"/>
             </a:lvl1pPr>
-            <a:lvl2pPr marL="499537" indent="0">
+            <a:lvl2pPr marL="455234" indent="0">
               <a:buNone/>
-              <a:defRPr sz="2185" b="1"/>
+              <a:defRPr sz="1991" b="1"/>
             </a:lvl2pPr>
-            <a:lvl3pPr marL="999073" indent="0">
+            <a:lvl3pPr marL="910468" indent="0">
               <a:buNone/>
-              <a:defRPr sz="1967" b="1"/>
+              <a:defRPr sz="1792" b="1"/>
             </a:lvl3pPr>
-            <a:lvl4pPr marL="1498610" indent="0">
+            <a:lvl4pPr marL="1365702" indent="0">
               <a:buNone/>
-              <a:defRPr sz="1748" b="1"/>
+              <a:defRPr sz="1593" b="1"/>
             </a:lvl4pPr>
-            <a:lvl5pPr marL="1998147" indent="0">
+            <a:lvl5pPr marL="1820936" indent="0">
               <a:buNone/>
-              <a:defRPr sz="1748" b="1"/>
+              <a:defRPr sz="1593" b="1"/>
             </a:lvl5pPr>
-            <a:lvl6pPr marL="2497684" indent="0">
+            <a:lvl6pPr marL="2276170" indent="0">
               <a:buNone/>
-              <a:defRPr sz="1748" b="1"/>
+              <a:defRPr sz="1593" b="1"/>
             </a:lvl6pPr>
-            <a:lvl7pPr marL="2997220" indent="0">
+            <a:lvl7pPr marL="2731404" indent="0">
               <a:buNone/>
-              <a:defRPr sz="1748" b="1"/>
+              <a:defRPr sz="1593" b="1"/>
             </a:lvl7pPr>
-            <a:lvl8pPr marL="3496757" indent="0">
+            <a:lvl8pPr marL="3186638" indent="0">
               <a:buNone/>
-              <a:defRPr sz="1748" b="1"/>
+              <a:defRPr sz="1593" b="1"/>
             </a:lvl8pPr>
-            <a:lvl9pPr marL="3996294" indent="0">
+            <a:lvl9pPr marL="3641872" indent="0">
               <a:buNone/>
-              <a:defRPr sz="1748" b="1"/>
+              <a:defRPr sz="1593" b="1"/>
             </a:lvl9pPr>
           </a:lstStyle>
           <a:p>
@@ -1425,8 +1425,8 @@
         </p:nvSpPr>
         <p:spPr>
           <a:xfrm>
-            <a:off x="917535" y="3090173"/>
-            <a:ext cx="5635285" cy="4545178"/>
+            <a:off x="627108" y="2647145"/>
+            <a:ext cx="3851551" cy="3893552"/>
           </a:xfrm>
         </p:spPr>
         <p:txBody>
@@ -1482,8 +1482,8 @@
         </p:nvSpPr>
         <p:spPr>
           <a:xfrm>
-            <a:off x="6743611" y="2073824"/>
-            <a:ext cx="5663038" cy="1016349"/>
+            <a:off x="4609059" y="1776507"/>
+            <a:ext cx="3870519" cy="870639"/>
           </a:xfrm>
         </p:spPr>
         <p:txBody>
@@ -1491,39 +1491,39 @@
           <a:lstStyle>
             <a:lvl1pPr marL="0" indent="0">
               <a:buNone/>
-              <a:defRPr sz="2622" b="1"/>
+              <a:defRPr sz="2390" b="1"/>
             </a:lvl1pPr>
-            <a:lvl2pPr marL="499537" indent="0">
+            <a:lvl2pPr marL="455234" indent="0">
               <a:buNone/>
-              <a:defRPr sz="2185" b="1"/>
+              <a:defRPr sz="1991" b="1"/>
             </a:lvl2pPr>
-            <a:lvl3pPr marL="999073" indent="0">
+            <a:lvl3pPr marL="910468" indent="0">
               <a:buNone/>
-              <a:defRPr sz="1967" b="1"/>
+              <a:defRPr sz="1792" b="1"/>
             </a:lvl3pPr>
-            <a:lvl4pPr marL="1498610" indent="0">
+            <a:lvl4pPr marL="1365702" indent="0">
               <a:buNone/>
-              <a:defRPr sz="1748" b="1"/>
+              <a:defRPr sz="1593" b="1"/>
             </a:lvl4pPr>
-            <a:lvl5pPr marL="1998147" indent="0">
+            <a:lvl5pPr marL="1820936" indent="0">
               <a:buNone/>
-              <a:defRPr sz="1748" b="1"/>
+              <a:defRPr sz="1593" b="1"/>
             </a:lvl5pPr>
-            <a:lvl6pPr marL="2497684" indent="0">
+            <a:lvl6pPr marL="2276170" indent="0">
               <a:buNone/>
-              <a:defRPr sz="1748" b="1"/>
+              <a:defRPr sz="1593" b="1"/>
             </a:lvl6pPr>
-            <a:lvl7pPr marL="2997220" indent="0">
+            <a:lvl7pPr marL="2731404" indent="0">
               <a:buNone/>
-              <a:defRPr sz="1748" b="1"/>
+              <a:defRPr sz="1593" b="1"/>
             </a:lvl7pPr>
-            <a:lvl8pPr marL="3496757" indent="0">
+            <a:lvl8pPr marL="3186638" indent="0">
               <a:buNone/>
-              <a:defRPr sz="1748" b="1"/>
+              <a:defRPr sz="1593" b="1"/>
             </a:lvl8pPr>
-            <a:lvl9pPr marL="3996294" indent="0">
+            <a:lvl9pPr marL="3641872" indent="0">
               <a:buNone/>
-              <a:defRPr sz="1748" b="1"/>
+              <a:defRPr sz="1593" b="1"/>
             </a:lvl9pPr>
           </a:lstStyle>
           <a:p>
@@ -1547,8 +1547,8 @@
         </p:nvSpPr>
         <p:spPr>
           <a:xfrm>
-            <a:off x="6743611" y="3090173"/>
-            <a:ext cx="5663038" cy="4545178"/>
+            <a:off x="4609059" y="2647145"/>
+            <a:ext cx="3870519" cy="3893552"/>
           </a:xfrm>
         </p:spPr>
         <p:txBody>
@@ -1609,7 +1609,7 @@
           <a:p>
             <a:fld id="{BE6E867C-90FD-4EAD-88A4-6CF01D9E62A0}" type="datetimeFigureOut">
               <a:rPr lang="zh-CN" altLang="en-US" smtClean="0"/>
-              <a:t>2022/8/18</a:t>
+              <a:t>2022/8/30</a:t>
             </a:fld>
             <a:endParaRPr lang="zh-CN" altLang="en-US"/>
           </a:p>
@@ -1660,7 +1660,7 @@
     </p:spTree>
     <p:extLst>
       <p:ext uri="{BB962C8B-B14F-4D97-AF65-F5344CB8AC3E}">
-        <p14:creationId xmlns:p14="http://schemas.microsoft.com/office/powerpoint/2010/main" val="3845826244"/>
+        <p14:creationId xmlns:p14="http://schemas.microsoft.com/office/powerpoint/2010/main" val="4137791407"/>
       </p:ext>
     </p:extLst>
   </p:cSld>
@@ -1727,7 +1727,7 @@
           <a:p>
             <a:fld id="{BE6E867C-90FD-4EAD-88A4-6CF01D9E62A0}" type="datetimeFigureOut">
               <a:rPr lang="zh-CN" altLang="en-US" smtClean="0"/>
-              <a:t>2022/8/18</a:t>
+              <a:t>2022/8/30</a:t>
             </a:fld>
             <a:endParaRPr lang="zh-CN" altLang="en-US"/>
           </a:p>
@@ -1778,7 +1778,7 @@
     </p:spTree>
     <p:extLst>
       <p:ext uri="{BB962C8B-B14F-4D97-AF65-F5344CB8AC3E}">
-        <p14:creationId xmlns:p14="http://schemas.microsoft.com/office/powerpoint/2010/main" val="1292219758"/>
+        <p14:creationId xmlns:p14="http://schemas.microsoft.com/office/powerpoint/2010/main" val="1175429031"/>
       </p:ext>
     </p:extLst>
   </p:cSld>
@@ -1822,7 +1822,7 @@
           <a:p>
             <a:fld id="{BE6E867C-90FD-4EAD-88A4-6CF01D9E62A0}" type="datetimeFigureOut">
               <a:rPr lang="zh-CN" altLang="en-US" smtClean="0"/>
-              <a:t>2022/8/18</a:t>
+              <a:t>2022/8/30</a:t>
             </a:fld>
             <a:endParaRPr lang="zh-CN" altLang="en-US"/>
           </a:p>
@@ -1873,7 +1873,7 @@
     </p:spTree>
     <p:extLst>
       <p:ext uri="{BB962C8B-B14F-4D97-AF65-F5344CB8AC3E}">
-        <p14:creationId xmlns:p14="http://schemas.microsoft.com/office/powerpoint/2010/main" val="2910931379"/>
+        <p14:creationId xmlns:p14="http://schemas.microsoft.com/office/powerpoint/2010/main" val="2688788700"/>
       </p:ext>
     </p:extLst>
   </p:cSld>
@@ -1912,15 +1912,15 @@
         </p:nvSpPr>
         <p:spPr>
           <a:xfrm>
-            <a:off x="917535" y="563986"/>
-            <a:ext cx="4296276" cy="1973951"/>
+            <a:off x="627107" y="483129"/>
+            <a:ext cx="2936378" cy="1690952"/>
           </a:xfrm>
         </p:spPr>
         <p:txBody>
           <a:bodyPr anchor="b"/>
           <a:lstStyle>
             <a:lvl1pPr>
-              <a:defRPr sz="3496"/>
+              <a:defRPr sz="3186"/>
             </a:lvl1pPr>
           </a:lstStyle>
           <a:p>
@@ -1944,39 +1944,39 @@
         </p:nvSpPr>
         <p:spPr>
           <a:xfrm>
-            <a:off x="5663038" y="1218053"/>
-            <a:ext cx="6743611" cy="6011933"/>
+            <a:off x="3870519" y="1043426"/>
+            <a:ext cx="4609058" cy="5150023"/>
           </a:xfrm>
         </p:spPr>
         <p:txBody>
           <a:bodyPr/>
           <a:lstStyle>
             <a:lvl1pPr>
-              <a:defRPr sz="3496"/>
+              <a:defRPr sz="3186"/>
             </a:lvl1pPr>
             <a:lvl2pPr>
-              <a:defRPr sz="3059"/>
+              <a:defRPr sz="2788"/>
             </a:lvl2pPr>
             <a:lvl3pPr>
-              <a:defRPr sz="2622"/>
+              <a:defRPr sz="2390"/>
             </a:lvl3pPr>
             <a:lvl4pPr>
-              <a:defRPr sz="2185"/>
+              <a:defRPr sz="1991"/>
             </a:lvl4pPr>
             <a:lvl5pPr>
-              <a:defRPr sz="2185"/>
+              <a:defRPr sz="1991"/>
             </a:lvl5pPr>
             <a:lvl6pPr>
-              <a:defRPr sz="2185"/>
+              <a:defRPr sz="1991"/>
             </a:lvl6pPr>
             <a:lvl7pPr>
-              <a:defRPr sz="2185"/>
+              <a:defRPr sz="1991"/>
             </a:lvl7pPr>
             <a:lvl8pPr>
-              <a:defRPr sz="2185"/>
+              <a:defRPr sz="1991"/>
             </a:lvl8pPr>
             <a:lvl9pPr>
-              <a:defRPr sz="2185"/>
+              <a:defRPr sz="1991"/>
             </a:lvl9pPr>
           </a:lstStyle>
           <a:p>
@@ -2029,8 +2029,8 @@
         </p:nvSpPr>
         <p:spPr>
           <a:xfrm>
-            <a:off x="917535" y="2537936"/>
-            <a:ext cx="4296276" cy="4701841"/>
+            <a:off x="627107" y="2174081"/>
+            <a:ext cx="2936378" cy="4027755"/>
           </a:xfrm>
         </p:spPr>
         <p:txBody>
@@ -2038,39 +2038,39 @@
           <a:lstStyle>
             <a:lvl1pPr marL="0" indent="0">
               <a:buNone/>
-              <a:defRPr sz="1748"/>
+              <a:defRPr sz="1593"/>
             </a:lvl1pPr>
-            <a:lvl2pPr marL="499537" indent="0">
+            <a:lvl2pPr marL="455234" indent="0">
               <a:buNone/>
-              <a:defRPr sz="1530"/>
+              <a:defRPr sz="1394"/>
             </a:lvl2pPr>
-            <a:lvl3pPr marL="999073" indent="0">
+            <a:lvl3pPr marL="910468" indent="0">
               <a:buNone/>
-              <a:defRPr sz="1311"/>
+              <a:defRPr sz="1195"/>
             </a:lvl3pPr>
-            <a:lvl4pPr marL="1498610" indent="0">
+            <a:lvl4pPr marL="1365702" indent="0">
               <a:buNone/>
-              <a:defRPr sz="1093"/>
+              <a:defRPr sz="996"/>
             </a:lvl4pPr>
-            <a:lvl5pPr marL="1998147" indent="0">
+            <a:lvl5pPr marL="1820936" indent="0">
               <a:buNone/>
-              <a:defRPr sz="1093"/>
+              <a:defRPr sz="996"/>
             </a:lvl5pPr>
-            <a:lvl6pPr marL="2497684" indent="0">
+            <a:lvl6pPr marL="2276170" indent="0">
               <a:buNone/>
-              <a:defRPr sz="1093"/>
+              <a:defRPr sz="996"/>
             </a:lvl6pPr>
-            <a:lvl7pPr marL="2997220" indent="0">
+            <a:lvl7pPr marL="2731404" indent="0">
               <a:buNone/>
-              <a:defRPr sz="1093"/>
+              <a:defRPr sz="996"/>
             </a:lvl7pPr>
-            <a:lvl8pPr marL="3496757" indent="0">
+            <a:lvl8pPr marL="3186638" indent="0">
               <a:buNone/>
-              <a:defRPr sz="1093"/>
+              <a:defRPr sz="996"/>
             </a:lvl8pPr>
-            <a:lvl9pPr marL="3996294" indent="0">
+            <a:lvl9pPr marL="3641872" indent="0">
               <a:buNone/>
-              <a:defRPr sz="1093"/>
+              <a:defRPr sz="996"/>
             </a:lvl9pPr>
           </a:lstStyle>
           <a:p>
@@ -2099,7 +2099,7 @@
           <a:p>
             <a:fld id="{BE6E867C-90FD-4EAD-88A4-6CF01D9E62A0}" type="datetimeFigureOut">
               <a:rPr lang="zh-CN" altLang="en-US" smtClean="0"/>
-              <a:t>2022/8/18</a:t>
+              <a:t>2022/8/30</a:t>
             </a:fld>
             <a:endParaRPr lang="zh-CN" altLang="en-US"/>
           </a:p>
@@ -2150,7 +2150,7 @@
     </p:spTree>
     <p:extLst>
       <p:ext uri="{BB962C8B-B14F-4D97-AF65-F5344CB8AC3E}">
-        <p14:creationId xmlns:p14="http://schemas.microsoft.com/office/powerpoint/2010/main" val="1206608557"/>
+        <p14:creationId xmlns:p14="http://schemas.microsoft.com/office/powerpoint/2010/main" val="565337308"/>
       </p:ext>
     </p:extLst>
   </p:cSld>
@@ -2189,15 +2189,15 @@
         </p:nvSpPr>
         <p:spPr>
           <a:xfrm>
-            <a:off x="917535" y="563986"/>
-            <a:ext cx="4296276" cy="1973951"/>
+            <a:off x="627107" y="483129"/>
+            <a:ext cx="2936378" cy="1690952"/>
           </a:xfrm>
         </p:spPr>
         <p:txBody>
           <a:bodyPr anchor="b"/>
           <a:lstStyle>
             <a:lvl1pPr>
-              <a:defRPr sz="3496"/>
+              <a:defRPr sz="3186"/>
             </a:lvl1pPr>
           </a:lstStyle>
           <a:p>
@@ -2221,8 +2221,8 @@
         </p:nvSpPr>
         <p:spPr>
           <a:xfrm>
-            <a:off x="5663038" y="1218053"/>
-            <a:ext cx="6743611" cy="6011933"/>
+            <a:off x="3870519" y="1043426"/>
+            <a:ext cx="4609058" cy="5150023"/>
           </a:xfrm>
         </p:spPr>
         <p:txBody>
@@ -2230,39 +2230,39 @@
           <a:lstStyle>
             <a:lvl1pPr marL="0" indent="0">
               <a:buNone/>
-              <a:defRPr sz="3496"/>
+              <a:defRPr sz="3186"/>
             </a:lvl1pPr>
-            <a:lvl2pPr marL="499537" indent="0">
+            <a:lvl2pPr marL="455234" indent="0">
               <a:buNone/>
-              <a:defRPr sz="3059"/>
+              <a:defRPr sz="2788"/>
             </a:lvl2pPr>
-            <a:lvl3pPr marL="999073" indent="0">
+            <a:lvl3pPr marL="910468" indent="0">
               <a:buNone/>
-              <a:defRPr sz="2622"/>
+              <a:defRPr sz="2390"/>
             </a:lvl3pPr>
-            <a:lvl4pPr marL="1498610" indent="0">
+            <a:lvl4pPr marL="1365702" indent="0">
               <a:buNone/>
-              <a:defRPr sz="2185"/>
+              <a:defRPr sz="1991"/>
             </a:lvl4pPr>
-            <a:lvl5pPr marL="1998147" indent="0">
+            <a:lvl5pPr marL="1820936" indent="0">
               <a:buNone/>
-              <a:defRPr sz="2185"/>
+              <a:defRPr sz="1991"/>
             </a:lvl5pPr>
-            <a:lvl6pPr marL="2497684" indent="0">
+            <a:lvl6pPr marL="2276170" indent="0">
               <a:buNone/>
-              <a:defRPr sz="2185"/>
+              <a:defRPr sz="1991"/>
             </a:lvl6pPr>
-            <a:lvl7pPr marL="2997220" indent="0">
+            <a:lvl7pPr marL="2731404" indent="0">
               <a:buNone/>
-              <a:defRPr sz="2185"/>
+              <a:defRPr sz="1991"/>
             </a:lvl7pPr>
-            <a:lvl8pPr marL="3496757" indent="0">
+            <a:lvl8pPr marL="3186638" indent="0">
               <a:buNone/>
-              <a:defRPr sz="2185"/>
+              <a:defRPr sz="1991"/>
             </a:lvl8pPr>
-            <a:lvl9pPr marL="3996294" indent="0">
+            <a:lvl9pPr marL="3641872" indent="0">
               <a:buNone/>
-              <a:defRPr sz="2185"/>
+              <a:defRPr sz="1991"/>
             </a:lvl9pPr>
           </a:lstStyle>
           <a:p>
@@ -2286,8 +2286,8 @@
         </p:nvSpPr>
         <p:spPr>
           <a:xfrm>
-            <a:off x="917535" y="2537936"/>
-            <a:ext cx="4296276" cy="4701841"/>
+            <a:off x="627107" y="2174081"/>
+            <a:ext cx="2936378" cy="4027755"/>
           </a:xfrm>
         </p:spPr>
         <p:txBody>
@@ -2295,39 +2295,39 @@
           <a:lstStyle>
             <a:lvl1pPr marL="0" indent="0">
               <a:buNone/>
-              <a:defRPr sz="1748"/>
+              <a:defRPr sz="1593"/>
             </a:lvl1pPr>
-            <a:lvl2pPr marL="499537" indent="0">
+            <a:lvl2pPr marL="455234" indent="0">
               <a:buNone/>
-              <a:defRPr sz="1530"/>
+              <a:defRPr sz="1394"/>
             </a:lvl2pPr>
-            <a:lvl3pPr marL="999073" indent="0">
+            <a:lvl3pPr marL="910468" indent="0">
               <a:buNone/>
-              <a:defRPr sz="1311"/>
+              <a:defRPr sz="1195"/>
             </a:lvl3pPr>
-            <a:lvl4pPr marL="1498610" indent="0">
+            <a:lvl4pPr marL="1365702" indent="0">
               <a:buNone/>
-              <a:defRPr sz="1093"/>
+              <a:defRPr sz="996"/>
             </a:lvl4pPr>
-            <a:lvl5pPr marL="1998147" indent="0">
+            <a:lvl5pPr marL="1820936" indent="0">
               <a:buNone/>
-              <a:defRPr sz="1093"/>
+              <a:defRPr sz="996"/>
             </a:lvl5pPr>
-            <a:lvl6pPr marL="2497684" indent="0">
+            <a:lvl6pPr marL="2276170" indent="0">
               <a:buNone/>
-              <a:defRPr sz="1093"/>
+              <a:defRPr sz="996"/>
             </a:lvl6pPr>
-            <a:lvl7pPr marL="2997220" indent="0">
+            <a:lvl7pPr marL="2731404" indent="0">
               <a:buNone/>
-              <a:defRPr sz="1093"/>
+              <a:defRPr sz="996"/>
             </a:lvl7pPr>
-            <a:lvl8pPr marL="3496757" indent="0">
+            <a:lvl8pPr marL="3186638" indent="0">
               <a:buNone/>
-              <a:defRPr sz="1093"/>
+              <a:defRPr sz="996"/>
             </a:lvl8pPr>
-            <a:lvl9pPr marL="3996294" indent="0">
+            <a:lvl9pPr marL="3641872" indent="0">
               <a:buNone/>
-              <a:defRPr sz="1093"/>
+              <a:defRPr sz="996"/>
             </a:lvl9pPr>
           </a:lstStyle>
           <a:p>
@@ -2356,7 +2356,7 @@
           <a:p>
             <a:fld id="{BE6E867C-90FD-4EAD-88A4-6CF01D9E62A0}" type="datetimeFigureOut">
               <a:rPr lang="zh-CN" altLang="en-US" smtClean="0"/>
-              <a:t>2022/8/18</a:t>
+              <a:t>2022/8/30</a:t>
             </a:fld>
             <a:endParaRPr lang="zh-CN" altLang="en-US"/>
           </a:p>
@@ -2407,7 +2407,7 @@
     </p:spTree>
     <p:extLst>
       <p:ext uri="{BB962C8B-B14F-4D97-AF65-F5344CB8AC3E}">
-        <p14:creationId xmlns:p14="http://schemas.microsoft.com/office/powerpoint/2010/main" val="438547990"/>
+        <p14:creationId xmlns:p14="http://schemas.microsoft.com/office/powerpoint/2010/main" val="4030043907"/>
       </p:ext>
     </p:extLst>
   </p:cSld>
@@ -2451,8 +2451,8 @@
         </p:nvSpPr>
         <p:spPr>
           <a:xfrm>
-            <a:off x="915799" y="450406"/>
-            <a:ext cx="11489115" cy="1635168"/>
+            <a:off x="625922" y="385834"/>
+            <a:ext cx="7852470" cy="1400740"/>
           </a:xfrm>
           <a:prstGeom prst="rect">
             <a:avLst/>
@@ -2484,8 +2484,8 @@
         </p:nvSpPr>
         <p:spPr>
           <a:xfrm>
-            <a:off x="915799" y="2252027"/>
-            <a:ext cx="11489115" cy="5367658"/>
+            <a:off x="625922" y="1929162"/>
+            <a:ext cx="7852470" cy="4598116"/>
           </a:xfrm>
           <a:prstGeom prst="rect">
             <a:avLst/>
@@ -2546,8 +2546,8 @@
         </p:nvSpPr>
         <p:spPr>
           <a:xfrm>
-            <a:off x="915799" y="7840971"/>
-            <a:ext cx="2997160" cy="450405"/>
+            <a:off x="625922" y="6716840"/>
+            <a:ext cx="2048470" cy="385832"/>
           </a:xfrm>
           <a:prstGeom prst="rect">
             <a:avLst/>
@@ -2557,7 +2557,7 @@
           <a:bodyPr vert="horz" lIns="91440" tIns="45720" rIns="91440" bIns="45720" rtlCol="0" anchor="ctr"/>
           <a:lstStyle>
             <a:lvl1pPr algn="l">
-              <a:defRPr sz="1311">
+              <a:defRPr sz="1195">
                 <a:solidFill>
                   <a:schemeClr val="tx1">
                     <a:tint val="75000"/>
@@ -2569,7 +2569,7 @@
           <a:p>
             <a:fld id="{BE6E867C-90FD-4EAD-88A4-6CF01D9E62A0}" type="datetimeFigureOut">
               <a:rPr lang="zh-CN" altLang="en-US" smtClean="0"/>
-              <a:t>2022/8/18</a:t>
+              <a:t>2022/8/30</a:t>
             </a:fld>
             <a:endParaRPr lang="zh-CN" altLang="en-US"/>
           </a:p>
@@ -2587,8 +2587,8 @@
         </p:nvSpPr>
         <p:spPr>
           <a:xfrm>
-            <a:off x="4412486" y="7840971"/>
-            <a:ext cx="4495741" cy="450405"/>
+            <a:off x="3015804" y="6716840"/>
+            <a:ext cx="3072706" cy="385832"/>
           </a:xfrm>
           <a:prstGeom prst="rect">
             <a:avLst/>
@@ -2598,7 +2598,7 @@
           <a:bodyPr vert="horz" lIns="91440" tIns="45720" rIns="91440" bIns="45720" rtlCol="0" anchor="ctr"/>
           <a:lstStyle>
             <a:lvl1pPr algn="ctr">
-              <a:defRPr sz="1311">
+              <a:defRPr sz="1195">
                 <a:solidFill>
                   <a:schemeClr val="tx1">
                     <a:tint val="75000"/>
@@ -2624,8 +2624,8 @@
         </p:nvSpPr>
         <p:spPr>
           <a:xfrm>
-            <a:off x="9407754" y="7840971"/>
-            <a:ext cx="2997160" cy="450405"/>
+            <a:off x="6429921" y="6716840"/>
+            <a:ext cx="2048470" cy="385832"/>
           </a:xfrm>
           <a:prstGeom prst="rect">
             <a:avLst/>
@@ -2635,7 +2635,7 @@
           <a:bodyPr vert="horz" lIns="91440" tIns="45720" rIns="91440" bIns="45720" rtlCol="0" anchor="ctr"/>
           <a:lstStyle>
             <a:lvl1pPr algn="r">
-              <a:defRPr sz="1311">
+              <a:defRPr sz="1195">
                 <a:solidFill>
                   <a:schemeClr val="tx1">
                     <a:tint val="75000"/>
@@ -2656,27 +2656,27 @@
     </p:spTree>
     <p:extLst>
       <p:ext uri="{BB962C8B-B14F-4D97-AF65-F5344CB8AC3E}">
-        <p14:creationId xmlns:p14="http://schemas.microsoft.com/office/powerpoint/2010/main" val="3570173429"/>
+        <p14:creationId xmlns:p14="http://schemas.microsoft.com/office/powerpoint/2010/main" val="3393622617"/>
       </p:ext>
     </p:extLst>
   </p:cSld>
   <p:clrMap bg1="lt1" tx1="dk1" bg2="lt2" tx2="dk2" accent1="accent1" accent2="accent2" accent3="accent3" accent4="accent4" accent5="accent5" accent6="accent6" hlink="hlink" folHlink="folHlink"/>
   <p:sldLayoutIdLst>
-    <p:sldLayoutId id="2147483685" r:id="rId1"/>
-    <p:sldLayoutId id="2147483686" r:id="rId2"/>
-    <p:sldLayoutId id="2147483687" r:id="rId3"/>
-    <p:sldLayoutId id="2147483688" r:id="rId4"/>
-    <p:sldLayoutId id="2147483689" r:id="rId5"/>
-    <p:sldLayoutId id="2147483690" r:id="rId6"/>
-    <p:sldLayoutId id="2147483691" r:id="rId7"/>
-    <p:sldLayoutId id="2147483692" r:id="rId8"/>
-    <p:sldLayoutId id="2147483693" r:id="rId9"/>
-    <p:sldLayoutId id="2147483694" r:id="rId10"/>
-    <p:sldLayoutId id="2147483695" r:id="rId11"/>
+    <p:sldLayoutId id="2147483697" r:id="rId1"/>
+    <p:sldLayoutId id="2147483698" r:id="rId2"/>
+    <p:sldLayoutId id="2147483699" r:id="rId3"/>
+    <p:sldLayoutId id="2147483700" r:id="rId4"/>
+    <p:sldLayoutId id="2147483701" r:id="rId5"/>
+    <p:sldLayoutId id="2147483702" r:id="rId6"/>
+    <p:sldLayoutId id="2147483703" r:id="rId7"/>
+    <p:sldLayoutId id="2147483704" r:id="rId8"/>
+    <p:sldLayoutId id="2147483705" r:id="rId9"/>
+    <p:sldLayoutId id="2147483706" r:id="rId10"/>
+    <p:sldLayoutId id="2147483707" r:id="rId11"/>
   </p:sldLayoutIdLst>
   <p:txStyles>
     <p:titleStyle>
-      <a:lvl1pPr algn="l" defTabSz="999073" rtl="0" eaLnBrk="1" latinLnBrk="0" hangingPunct="1">
+      <a:lvl1pPr algn="l" defTabSz="910468" rtl="0" eaLnBrk="1" latinLnBrk="0" hangingPunct="1">
         <a:lnSpc>
           <a:spcPct val="90000"/>
         </a:lnSpc>
@@ -2684,7 +2684,7 @@
           <a:spcPct val="0"/>
         </a:spcBef>
         <a:buNone/>
-        <a:defRPr sz="4807" kern="1200">
+        <a:defRPr sz="4381" kern="1200">
           <a:solidFill>
             <a:schemeClr val="tx1"/>
           </a:solidFill>
@@ -2695,16 +2695,16 @@
       </a:lvl1pPr>
     </p:titleStyle>
     <p:bodyStyle>
-      <a:lvl1pPr marL="249768" indent="-249768" algn="l" defTabSz="999073" rtl="0" eaLnBrk="1" latinLnBrk="0" hangingPunct="1">
+      <a:lvl1pPr marL="227617" indent="-227617" algn="l" defTabSz="910468" rtl="0" eaLnBrk="1" latinLnBrk="0" hangingPunct="1">
         <a:lnSpc>
           <a:spcPct val="90000"/>
         </a:lnSpc>
         <a:spcBef>
-          <a:spcPts val="1093"/>
+          <a:spcPts val="996"/>
         </a:spcBef>
         <a:buFont typeface="Arial" panose="020B0604020202020204" pitchFamily="34" charset="0"/>
         <a:buChar char="•"/>
-        <a:defRPr sz="3059" kern="1200">
+        <a:defRPr sz="2788" kern="1200">
           <a:solidFill>
             <a:schemeClr val="tx1"/>
           </a:solidFill>
@@ -2713,16 +2713,16 @@
           <a:cs typeface="+mn-cs"/>
         </a:defRPr>
       </a:lvl1pPr>
-      <a:lvl2pPr marL="749305" indent="-249768" algn="l" defTabSz="999073" rtl="0" eaLnBrk="1" latinLnBrk="0" hangingPunct="1">
+      <a:lvl2pPr marL="682851" indent="-227617" algn="l" defTabSz="910468" rtl="0" eaLnBrk="1" latinLnBrk="0" hangingPunct="1">
         <a:lnSpc>
           <a:spcPct val="90000"/>
         </a:lnSpc>
         <a:spcBef>
-          <a:spcPts val="546"/>
+          <a:spcPts val="498"/>
         </a:spcBef>
         <a:buFont typeface="Arial" panose="020B0604020202020204" pitchFamily="34" charset="0"/>
         <a:buChar char="•"/>
-        <a:defRPr sz="2622" kern="1200">
+        <a:defRPr sz="2390" kern="1200">
           <a:solidFill>
             <a:schemeClr val="tx1"/>
           </a:solidFill>
@@ -2731,16 +2731,16 @@
           <a:cs typeface="+mn-cs"/>
         </a:defRPr>
       </a:lvl2pPr>
-      <a:lvl3pPr marL="1248842" indent="-249768" algn="l" defTabSz="999073" rtl="0" eaLnBrk="1" latinLnBrk="0" hangingPunct="1">
+      <a:lvl3pPr marL="1138085" indent="-227617" algn="l" defTabSz="910468" rtl="0" eaLnBrk="1" latinLnBrk="0" hangingPunct="1">
         <a:lnSpc>
           <a:spcPct val="90000"/>
         </a:lnSpc>
         <a:spcBef>
-          <a:spcPts val="546"/>
+          <a:spcPts val="498"/>
         </a:spcBef>
         <a:buFont typeface="Arial" panose="020B0604020202020204" pitchFamily="34" charset="0"/>
         <a:buChar char="•"/>
-        <a:defRPr sz="2185" kern="1200">
+        <a:defRPr sz="1991" kern="1200">
           <a:solidFill>
             <a:schemeClr val="tx1"/>
           </a:solidFill>
@@ -2749,16 +2749,16 @@
           <a:cs typeface="+mn-cs"/>
         </a:defRPr>
       </a:lvl3pPr>
-      <a:lvl4pPr marL="1748379" indent="-249768" algn="l" defTabSz="999073" rtl="0" eaLnBrk="1" latinLnBrk="0" hangingPunct="1">
+      <a:lvl4pPr marL="1593319" indent="-227617" algn="l" defTabSz="910468" rtl="0" eaLnBrk="1" latinLnBrk="0" hangingPunct="1">
         <a:lnSpc>
           <a:spcPct val="90000"/>
         </a:lnSpc>
         <a:spcBef>
-          <a:spcPts val="546"/>
+          <a:spcPts val="498"/>
         </a:spcBef>
         <a:buFont typeface="Arial" panose="020B0604020202020204" pitchFamily="34" charset="0"/>
         <a:buChar char="•"/>
-        <a:defRPr sz="1967" kern="1200">
+        <a:defRPr sz="1792" kern="1200">
           <a:solidFill>
             <a:schemeClr val="tx1"/>
           </a:solidFill>
@@ -2767,16 +2767,16 @@
           <a:cs typeface="+mn-cs"/>
         </a:defRPr>
       </a:lvl4pPr>
-      <a:lvl5pPr marL="2247915" indent="-249768" algn="l" defTabSz="999073" rtl="0" eaLnBrk="1" latinLnBrk="0" hangingPunct="1">
+      <a:lvl5pPr marL="2048553" indent="-227617" algn="l" defTabSz="910468" rtl="0" eaLnBrk="1" latinLnBrk="0" hangingPunct="1">
         <a:lnSpc>
           <a:spcPct val="90000"/>
         </a:lnSpc>
         <a:spcBef>
-          <a:spcPts val="546"/>
+          <a:spcPts val="498"/>
         </a:spcBef>
         <a:buFont typeface="Arial" panose="020B0604020202020204" pitchFamily="34" charset="0"/>
         <a:buChar char="•"/>
-        <a:defRPr sz="1967" kern="1200">
+        <a:defRPr sz="1792" kern="1200">
           <a:solidFill>
             <a:schemeClr val="tx1"/>
           </a:solidFill>
@@ -2785,16 +2785,16 @@
           <a:cs typeface="+mn-cs"/>
         </a:defRPr>
       </a:lvl5pPr>
-      <a:lvl6pPr marL="2747452" indent="-249768" algn="l" defTabSz="999073" rtl="0" eaLnBrk="1" latinLnBrk="0" hangingPunct="1">
+      <a:lvl6pPr marL="2503787" indent="-227617" algn="l" defTabSz="910468" rtl="0" eaLnBrk="1" latinLnBrk="0" hangingPunct="1">
         <a:lnSpc>
           <a:spcPct val="90000"/>
         </a:lnSpc>
         <a:spcBef>
-          <a:spcPts val="546"/>
+          <a:spcPts val="498"/>
         </a:spcBef>
         <a:buFont typeface="Arial" panose="020B0604020202020204" pitchFamily="34" charset="0"/>
         <a:buChar char="•"/>
-        <a:defRPr sz="1967" kern="1200">
+        <a:defRPr sz="1792" kern="1200">
           <a:solidFill>
             <a:schemeClr val="tx1"/>
           </a:solidFill>
@@ -2803,16 +2803,16 @@
           <a:cs typeface="+mn-cs"/>
         </a:defRPr>
       </a:lvl6pPr>
-      <a:lvl7pPr marL="3246989" indent="-249768" algn="l" defTabSz="999073" rtl="0" eaLnBrk="1" latinLnBrk="0" hangingPunct="1">
+      <a:lvl7pPr marL="2959021" indent="-227617" algn="l" defTabSz="910468" rtl="0" eaLnBrk="1" latinLnBrk="0" hangingPunct="1">
         <a:lnSpc>
           <a:spcPct val="90000"/>
         </a:lnSpc>
         <a:spcBef>
-          <a:spcPts val="546"/>
+          <a:spcPts val="498"/>
         </a:spcBef>
         <a:buFont typeface="Arial" panose="020B0604020202020204" pitchFamily="34" charset="0"/>
         <a:buChar char="•"/>
-        <a:defRPr sz="1967" kern="1200">
+        <a:defRPr sz="1792" kern="1200">
           <a:solidFill>
             <a:schemeClr val="tx1"/>
           </a:solidFill>
@@ -2821,16 +2821,16 @@
           <a:cs typeface="+mn-cs"/>
         </a:defRPr>
       </a:lvl7pPr>
-      <a:lvl8pPr marL="3746525" indent="-249768" algn="l" defTabSz="999073" rtl="0" eaLnBrk="1" latinLnBrk="0" hangingPunct="1">
+      <a:lvl8pPr marL="3414255" indent="-227617" algn="l" defTabSz="910468" rtl="0" eaLnBrk="1" latinLnBrk="0" hangingPunct="1">
         <a:lnSpc>
           <a:spcPct val="90000"/>
         </a:lnSpc>
         <a:spcBef>
-          <a:spcPts val="546"/>
+          <a:spcPts val="498"/>
         </a:spcBef>
         <a:buFont typeface="Arial" panose="020B0604020202020204" pitchFamily="34" charset="0"/>
         <a:buChar char="•"/>
-        <a:defRPr sz="1967" kern="1200">
+        <a:defRPr sz="1792" kern="1200">
           <a:solidFill>
             <a:schemeClr val="tx1"/>
           </a:solidFill>
@@ -2839,16 +2839,16 @@
           <a:cs typeface="+mn-cs"/>
         </a:defRPr>
       </a:lvl8pPr>
-      <a:lvl9pPr marL="4246062" indent="-249768" algn="l" defTabSz="999073" rtl="0" eaLnBrk="1" latinLnBrk="0" hangingPunct="1">
+      <a:lvl9pPr marL="3869489" indent="-227617" algn="l" defTabSz="910468" rtl="0" eaLnBrk="1" latinLnBrk="0" hangingPunct="1">
         <a:lnSpc>
           <a:spcPct val="90000"/>
         </a:lnSpc>
         <a:spcBef>
-          <a:spcPts val="546"/>
+          <a:spcPts val="498"/>
         </a:spcBef>
         <a:buFont typeface="Arial" panose="020B0604020202020204" pitchFamily="34" charset="0"/>
         <a:buChar char="•"/>
-        <a:defRPr sz="1967" kern="1200">
+        <a:defRPr sz="1792" kern="1200">
           <a:solidFill>
             <a:schemeClr val="tx1"/>
           </a:solidFill>
@@ -2862,8 +2862,8 @@
       <a:defPPr>
         <a:defRPr lang="en-US"/>
       </a:defPPr>
-      <a:lvl1pPr marL="0" algn="l" defTabSz="999073" rtl="0" eaLnBrk="1" latinLnBrk="0" hangingPunct="1">
-        <a:defRPr sz="1967" kern="1200">
+      <a:lvl1pPr marL="0" algn="l" defTabSz="910468" rtl="0" eaLnBrk="1" latinLnBrk="0" hangingPunct="1">
+        <a:defRPr sz="1792" kern="1200">
           <a:solidFill>
             <a:schemeClr val="tx1"/>
           </a:solidFill>
@@ -2872,8 +2872,8 @@
           <a:cs typeface="+mn-cs"/>
         </a:defRPr>
       </a:lvl1pPr>
-      <a:lvl2pPr marL="499537" algn="l" defTabSz="999073" rtl="0" eaLnBrk="1" latinLnBrk="0" hangingPunct="1">
-        <a:defRPr sz="1967" kern="1200">
+      <a:lvl2pPr marL="455234" algn="l" defTabSz="910468" rtl="0" eaLnBrk="1" latinLnBrk="0" hangingPunct="1">
+        <a:defRPr sz="1792" kern="1200">
           <a:solidFill>
             <a:schemeClr val="tx1"/>
           </a:solidFill>
@@ -2882,8 +2882,8 @@
           <a:cs typeface="+mn-cs"/>
         </a:defRPr>
       </a:lvl2pPr>
-      <a:lvl3pPr marL="999073" algn="l" defTabSz="999073" rtl="0" eaLnBrk="1" latinLnBrk="0" hangingPunct="1">
-        <a:defRPr sz="1967" kern="1200">
+      <a:lvl3pPr marL="910468" algn="l" defTabSz="910468" rtl="0" eaLnBrk="1" latinLnBrk="0" hangingPunct="1">
+        <a:defRPr sz="1792" kern="1200">
           <a:solidFill>
             <a:schemeClr val="tx1"/>
           </a:solidFill>
@@ -2892,8 +2892,8 @@
           <a:cs typeface="+mn-cs"/>
         </a:defRPr>
       </a:lvl3pPr>
-      <a:lvl4pPr marL="1498610" algn="l" defTabSz="999073" rtl="0" eaLnBrk="1" latinLnBrk="0" hangingPunct="1">
-        <a:defRPr sz="1967" kern="1200">
+      <a:lvl4pPr marL="1365702" algn="l" defTabSz="910468" rtl="0" eaLnBrk="1" latinLnBrk="0" hangingPunct="1">
+        <a:defRPr sz="1792" kern="1200">
           <a:solidFill>
             <a:schemeClr val="tx1"/>
           </a:solidFill>
@@ -2902,8 +2902,8 @@
           <a:cs typeface="+mn-cs"/>
         </a:defRPr>
       </a:lvl4pPr>
-      <a:lvl5pPr marL="1998147" algn="l" defTabSz="999073" rtl="0" eaLnBrk="1" latinLnBrk="0" hangingPunct="1">
-        <a:defRPr sz="1967" kern="1200">
+      <a:lvl5pPr marL="1820936" algn="l" defTabSz="910468" rtl="0" eaLnBrk="1" latinLnBrk="0" hangingPunct="1">
+        <a:defRPr sz="1792" kern="1200">
           <a:solidFill>
             <a:schemeClr val="tx1"/>
           </a:solidFill>
@@ -2912,8 +2912,8 @@
           <a:cs typeface="+mn-cs"/>
         </a:defRPr>
       </a:lvl5pPr>
-      <a:lvl6pPr marL="2497684" algn="l" defTabSz="999073" rtl="0" eaLnBrk="1" latinLnBrk="0" hangingPunct="1">
-        <a:defRPr sz="1967" kern="1200">
+      <a:lvl6pPr marL="2276170" algn="l" defTabSz="910468" rtl="0" eaLnBrk="1" latinLnBrk="0" hangingPunct="1">
+        <a:defRPr sz="1792" kern="1200">
           <a:solidFill>
             <a:schemeClr val="tx1"/>
           </a:solidFill>
@@ -2922,8 +2922,8 @@
           <a:cs typeface="+mn-cs"/>
         </a:defRPr>
       </a:lvl6pPr>
-      <a:lvl7pPr marL="2997220" algn="l" defTabSz="999073" rtl="0" eaLnBrk="1" latinLnBrk="0" hangingPunct="1">
-        <a:defRPr sz="1967" kern="1200">
+      <a:lvl7pPr marL="2731404" algn="l" defTabSz="910468" rtl="0" eaLnBrk="1" latinLnBrk="0" hangingPunct="1">
+        <a:defRPr sz="1792" kern="1200">
           <a:solidFill>
             <a:schemeClr val="tx1"/>
           </a:solidFill>
@@ -2932,8 +2932,8 @@
           <a:cs typeface="+mn-cs"/>
         </a:defRPr>
       </a:lvl7pPr>
-      <a:lvl8pPr marL="3496757" algn="l" defTabSz="999073" rtl="0" eaLnBrk="1" latinLnBrk="0" hangingPunct="1">
-        <a:defRPr sz="1967" kern="1200">
+      <a:lvl8pPr marL="3186638" algn="l" defTabSz="910468" rtl="0" eaLnBrk="1" latinLnBrk="0" hangingPunct="1">
+        <a:defRPr sz="1792" kern="1200">
           <a:solidFill>
             <a:schemeClr val="tx1"/>
           </a:solidFill>
@@ -2942,8 +2942,8 @@
           <a:cs typeface="+mn-cs"/>
         </a:defRPr>
       </a:lvl8pPr>
-      <a:lvl9pPr marL="3996294" algn="l" defTabSz="999073" rtl="0" eaLnBrk="1" latinLnBrk="0" hangingPunct="1">
-        <a:defRPr sz="1967" kern="1200">
+      <a:lvl9pPr marL="3641872" algn="l" defTabSz="910468" rtl="0" eaLnBrk="1" latinLnBrk="0" hangingPunct="1">
+        <a:defRPr sz="1792" kern="1200">
           <a:solidFill>
             <a:schemeClr val="tx1"/>
           </a:solidFill>
@@ -2976,6 +2976,3904 @@
       </p:grpSpPr>
       <p:pic>
         <p:nvPicPr>
+          <p:cNvPr id="167" name="图片 166">
+            <a:extLst>
+              <a:ext uri="{FF2B5EF4-FFF2-40B4-BE49-F238E27FC236}">
+                <a16:creationId xmlns:a16="http://schemas.microsoft.com/office/drawing/2014/main" id="{4A03AD1D-E1F7-F425-78C8-4F021EEF0CAF}"/>
+              </a:ext>
+            </a:extLst>
+          </p:cNvPr>
+          <p:cNvPicPr>
+            <a:picLocks noChangeAspect="1"/>
+          </p:cNvPicPr>
+          <p:nvPr/>
+        </p:nvPicPr>
+        <p:blipFill rotWithShape="1">
+          <a:blip r:embed="rId2">
+            <a:extLst>
+              <a:ext uri="{28A0092B-C50C-407E-A947-70E740481C1C}">
+                <a14:useLocalDpi xmlns:a14="http://schemas.microsoft.com/office/drawing/2010/main" val="0"/>
+              </a:ext>
+            </a:extLst>
+          </a:blip>
+          <a:srcRect l="10958" t="2690" r="7244" b="6279"/>
+          <a:stretch/>
+        </p:blipFill>
+        <p:spPr>
+          <a:xfrm>
+            <a:off x="4814625" y="376692"/>
+            <a:ext cx="3895180" cy="1473831"/>
+          </a:xfrm>
+          <a:prstGeom prst="rect">
+            <a:avLst/>
+          </a:prstGeom>
+        </p:spPr>
+      </p:pic>
+      <p:pic>
+        <p:nvPicPr>
+          <p:cNvPr id="165" name="图片 164">
+            <a:extLst>
+              <a:ext uri="{FF2B5EF4-FFF2-40B4-BE49-F238E27FC236}">
+                <a16:creationId xmlns:a16="http://schemas.microsoft.com/office/drawing/2014/main" id="{F78DCED2-70EC-6655-1D9F-CD4F6227EE52}"/>
+              </a:ext>
+            </a:extLst>
+          </p:cNvPr>
+          <p:cNvPicPr>
+            <a:picLocks noChangeAspect="1"/>
+          </p:cNvPicPr>
+          <p:nvPr/>
+        </p:nvPicPr>
+        <p:blipFill rotWithShape="1">
+          <a:blip r:embed="rId3">
+            <a:extLst>
+              <a:ext uri="{28A0092B-C50C-407E-A947-70E740481C1C}">
+                <a14:useLocalDpi xmlns:a14="http://schemas.microsoft.com/office/drawing/2010/main" val="0"/>
+              </a:ext>
+            </a:extLst>
+          </a:blip>
+          <a:srcRect l="10957" t="5254" r="8479" b="6279"/>
+          <a:stretch/>
+        </p:blipFill>
+        <p:spPr>
+          <a:xfrm>
+            <a:off x="456591" y="472632"/>
+            <a:ext cx="3836404" cy="1432322"/>
+          </a:xfrm>
+          <a:prstGeom prst="rect">
+            <a:avLst/>
+          </a:prstGeom>
+        </p:spPr>
+      </p:pic>
+      <p:pic>
+        <p:nvPicPr>
+          <p:cNvPr id="163" name="图片 162">
+            <a:extLst>
+              <a:ext uri="{FF2B5EF4-FFF2-40B4-BE49-F238E27FC236}">
+                <a16:creationId xmlns:a16="http://schemas.microsoft.com/office/drawing/2014/main" id="{42D6C3B1-51E9-08CF-371C-FC4F6293DD10}"/>
+              </a:ext>
+            </a:extLst>
+          </p:cNvPr>
+          <p:cNvPicPr>
+            <a:picLocks noChangeAspect="1"/>
+          </p:cNvPicPr>
+          <p:nvPr/>
+        </p:nvPicPr>
+        <p:blipFill rotWithShape="1">
+          <a:blip r:embed="rId4">
+            <a:extLst>
+              <a:ext uri="{28A0092B-C50C-407E-A947-70E740481C1C}">
+                <a14:useLocalDpi xmlns:a14="http://schemas.microsoft.com/office/drawing/2010/main" val="0"/>
+              </a:ext>
+            </a:extLst>
+          </a:blip>
+          <a:srcRect l="10247" t="3985" r="6972" b="8783"/>
+          <a:stretch/>
+        </p:blipFill>
+        <p:spPr>
+          <a:xfrm>
+            <a:off x="2857564" y="2210436"/>
+            <a:ext cx="3468953" cy="2990811"/>
+          </a:xfrm>
+          <a:prstGeom prst="rect">
+            <a:avLst/>
+          </a:prstGeom>
+        </p:spPr>
+      </p:pic>
+      <p:pic>
+        <p:nvPicPr>
+          <p:cNvPr id="87" name="图片 86">
+            <a:extLst>
+              <a:ext uri="{FF2B5EF4-FFF2-40B4-BE49-F238E27FC236}">
+                <a16:creationId xmlns:a16="http://schemas.microsoft.com/office/drawing/2014/main" id="{1A4B0570-633B-E528-A52E-4AE97812AF84}"/>
+              </a:ext>
+            </a:extLst>
+          </p:cNvPr>
+          <p:cNvPicPr>
+            <a:picLocks noChangeAspect="1"/>
+          </p:cNvPicPr>
+          <p:nvPr/>
+        </p:nvPicPr>
+        <p:blipFill rotWithShape="1">
+          <a:blip r:embed="rId5"/>
+          <a:srcRect l="10971" r="7185" b="5624"/>
+          <a:stretch/>
+        </p:blipFill>
+        <p:spPr>
+          <a:xfrm>
+            <a:off x="2826825" y="5502549"/>
+            <a:ext cx="3430043" cy="1528182"/>
+          </a:xfrm>
+          <a:prstGeom prst="rect">
+            <a:avLst/>
+          </a:prstGeom>
+        </p:spPr>
+      </p:pic>
+      <p:sp>
+        <p:nvSpPr>
+          <p:cNvPr id="37" name="文本框 9">
+            <a:extLst>
+              <a:ext uri="{FF2B5EF4-FFF2-40B4-BE49-F238E27FC236}">
+                <a16:creationId xmlns:a16="http://schemas.microsoft.com/office/drawing/2014/main" id="{F078D642-1264-F90F-908C-0C70B7240908}"/>
+              </a:ext>
+            </a:extLst>
+          </p:cNvPr>
+          <p:cNvSpPr txBox="1"/>
+          <p:nvPr/>
+        </p:nvSpPr>
+        <p:spPr>
+          <a:xfrm>
+            <a:off x="511276" y="3409"/>
+            <a:ext cx="378630" cy="300210"/>
+          </a:xfrm>
+          <a:prstGeom prst="rect">
+            <a:avLst/>
+          </a:prstGeom>
+          <a:noFill/>
+        </p:spPr>
+        <p:txBody>
+          <a:bodyPr wrap="none" rtlCol="0">
+            <a:spAutoFit/>
+          </a:bodyPr>
+          <a:lstStyle/>
+          <a:p>
+            <a:r>
+              <a:rPr lang="en-US" altLang="zh-CN" b="1" dirty="0">
+                <a:cs typeface="Times New Roman" panose="02020603050405020304" pitchFamily="18" charset="0"/>
+              </a:rPr>
+              <a:t>(a)</a:t>
+            </a:r>
+            <a:endParaRPr lang="zh-CN" altLang="en-US" b="1" dirty="0">
+              <a:cs typeface="Times New Roman" panose="02020603050405020304" pitchFamily="18" charset="0"/>
+            </a:endParaRPr>
+          </a:p>
+        </p:txBody>
+      </p:sp>
+      <p:sp>
+        <p:nvSpPr>
+          <p:cNvPr id="38" name="文本框 9">
+            <a:extLst>
+              <a:ext uri="{FF2B5EF4-FFF2-40B4-BE49-F238E27FC236}">
+                <a16:creationId xmlns:a16="http://schemas.microsoft.com/office/drawing/2014/main" id="{9077BC3B-1DBB-5AFF-7FD5-0D2A26CD550C}"/>
+              </a:ext>
+            </a:extLst>
+          </p:cNvPr>
+          <p:cNvSpPr txBox="1"/>
+          <p:nvPr/>
+        </p:nvSpPr>
+        <p:spPr>
+          <a:xfrm>
+            <a:off x="4710067" y="7111"/>
+            <a:ext cx="386644" cy="300210"/>
+          </a:xfrm>
+          <a:prstGeom prst="rect">
+            <a:avLst/>
+          </a:prstGeom>
+          <a:noFill/>
+        </p:spPr>
+        <p:txBody>
+          <a:bodyPr wrap="none" rtlCol="0">
+            <a:spAutoFit/>
+          </a:bodyPr>
+          <a:lstStyle/>
+          <a:p>
+            <a:r>
+              <a:rPr lang="en-US" altLang="zh-CN" b="1" dirty="0">
+                <a:cs typeface="Times New Roman" panose="02020603050405020304" pitchFamily="18" charset="0"/>
+              </a:rPr>
+              <a:t>(b)</a:t>
+            </a:r>
+            <a:endParaRPr lang="zh-CN" altLang="en-US" b="1" dirty="0">
+              <a:cs typeface="Times New Roman" panose="02020603050405020304" pitchFamily="18" charset="0"/>
+            </a:endParaRPr>
+          </a:p>
+        </p:txBody>
+      </p:sp>
+      <p:sp>
+        <p:nvSpPr>
+          <p:cNvPr id="39" name="文本框 9">
+            <a:extLst>
+              <a:ext uri="{FF2B5EF4-FFF2-40B4-BE49-F238E27FC236}">
+                <a16:creationId xmlns:a16="http://schemas.microsoft.com/office/drawing/2014/main" id="{13EED993-9384-EC59-2FDD-3C1B7BD42B0C}"/>
+              </a:ext>
+            </a:extLst>
+          </p:cNvPr>
+          <p:cNvSpPr txBox="1"/>
+          <p:nvPr/>
+        </p:nvSpPr>
+        <p:spPr>
+          <a:xfrm>
+            <a:off x="889338" y="2520372"/>
+            <a:ext cx="1102161" cy="338554"/>
+          </a:xfrm>
+          <a:prstGeom prst="rect">
+            <a:avLst/>
+          </a:prstGeom>
+          <a:noFill/>
+          <a:ln>
+            <a:noFill/>
+          </a:ln>
+        </p:spPr>
+        <p:txBody>
+          <a:bodyPr wrap="none" rtlCol="0">
+            <a:spAutoFit/>
+          </a:bodyPr>
+          <a:lstStyle/>
+          <a:p>
+            <a:r>
+              <a:rPr lang="en-US" altLang="zh-CN" sz="1600" dirty="0">
+                <a:cs typeface="Times New Roman" panose="02020603050405020304" pitchFamily="18" charset="0"/>
+              </a:rPr>
+              <a:t>PVT model</a:t>
+            </a:r>
+            <a:endParaRPr lang="zh-CN" altLang="en-US" sz="1600" dirty="0">
+              <a:cs typeface="Times New Roman" panose="02020603050405020304" pitchFamily="18" charset="0"/>
+            </a:endParaRPr>
+          </a:p>
+        </p:txBody>
+      </p:sp>
+      <p:pic>
+        <p:nvPicPr>
+          <p:cNvPr id="17" name="图片 16">
+            <a:extLst>
+              <a:ext uri="{FF2B5EF4-FFF2-40B4-BE49-F238E27FC236}">
+                <a16:creationId xmlns:a16="http://schemas.microsoft.com/office/drawing/2014/main" id="{FF0E5E15-7FBE-5086-F60F-5F9174FCA589}"/>
+              </a:ext>
+            </a:extLst>
+          </p:cNvPr>
+          <p:cNvPicPr>
+            <a:picLocks noChangeAspect="1"/>
+          </p:cNvPicPr>
+          <p:nvPr/>
+        </p:nvPicPr>
+        <p:blipFill rotWithShape="1">
+          <a:blip r:embed="rId6"/>
+          <a:srcRect l="19913" t="14848" r="31233" b="8992"/>
+          <a:stretch/>
+        </p:blipFill>
+        <p:spPr>
+          <a:xfrm>
+            <a:off x="550216" y="2848244"/>
+            <a:ext cx="1861325" cy="1813560"/>
+          </a:xfrm>
+          <a:prstGeom prst="rect">
+            <a:avLst/>
+          </a:prstGeom>
+        </p:spPr>
+      </p:pic>
+      <p:cxnSp>
+        <p:nvCxnSpPr>
+          <p:cNvPr id="18" name="直接连接符 17">
+            <a:extLst>
+              <a:ext uri="{FF2B5EF4-FFF2-40B4-BE49-F238E27FC236}">
+                <a16:creationId xmlns:a16="http://schemas.microsoft.com/office/drawing/2014/main" id="{D747AC54-B604-7384-477E-47CECB3580B3}"/>
+              </a:ext>
+            </a:extLst>
+          </p:cNvPr>
+          <p:cNvCxnSpPr>
+            <a:cxnSpLocks/>
+          </p:cNvCxnSpPr>
+          <p:nvPr/>
+        </p:nvCxnSpPr>
+        <p:spPr>
+          <a:xfrm>
+            <a:off x="606554" y="3840050"/>
+            <a:ext cx="1704697" cy="0"/>
+          </a:xfrm>
+          <a:prstGeom prst="line">
+            <a:avLst/>
+          </a:prstGeom>
+          <a:ln w="50800">
+            <a:solidFill>
+              <a:srgbClr val="FF0000"/>
+            </a:solidFill>
+          </a:ln>
+        </p:spPr>
+        <p:style>
+          <a:lnRef idx="1">
+            <a:schemeClr val="accent1"/>
+          </a:lnRef>
+          <a:fillRef idx="0">
+            <a:schemeClr val="accent1"/>
+          </a:fillRef>
+          <a:effectRef idx="0">
+            <a:schemeClr val="accent1"/>
+          </a:effectRef>
+          <a:fontRef idx="minor">
+            <a:schemeClr val="tx1"/>
+          </a:fontRef>
+        </p:style>
+      </p:cxnSp>
+      <p:pic>
+        <p:nvPicPr>
+          <p:cNvPr id="22" name="图片 21">
+            <a:extLst>
+              <a:ext uri="{FF2B5EF4-FFF2-40B4-BE49-F238E27FC236}">
+                <a16:creationId xmlns:a16="http://schemas.microsoft.com/office/drawing/2014/main" id="{74ECBBB2-7A9C-9C7B-8862-3931F6BE7E47}"/>
+              </a:ext>
+            </a:extLst>
+          </p:cNvPr>
+          <p:cNvPicPr>
+            <a:picLocks noChangeAspect="1"/>
+          </p:cNvPicPr>
+          <p:nvPr/>
+        </p:nvPicPr>
+        <p:blipFill rotWithShape="1">
+          <a:blip r:embed="rId7"/>
+          <a:srcRect l="20120" t="13710" r="31026" b="10130"/>
+          <a:stretch/>
+        </p:blipFill>
+        <p:spPr>
+          <a:xfrm>
+            <a:off x="6771729" y="2817652"/>
+            <a:ext cx="1861325" cy="1813560"/>
+          </a:xfrm>
+          <a:prstGeom prst="rect">
+            <a:avLst/>
+          </a:prstGeom>
+        </p:spPr>
+      </p:pic>
+      <p:cxnSp>
+        <p:nvCxnSpPr>
+          <p:cNvPr id="9" name="直接连接符 8">
+            <a:extLst>
+              <a:ext uri="{FF2B5EF4-FFF2-40B4-BE49-F238E27FC236}">
+                <a16:creationId xmlns:a16="http://schemas.microsoft.com/office/drawing/2014/main" id="{87FCB0C2-8D26-0FA0-76A9-D3343599E9B5}"/>
+              </a:ext>
+            </a:extLst>
+          </p:cNvPr>
+          <p:cNvCxnSpPr>
+            <a:cxnSpLocks/>
+          </p:cNvCxnSpPr>
+          <p:nvPr/>
+        </p:nvCxnSpPr>
+        <p:spPr>
+          <a:xfrm>
+            <a:off x="6824062" y="3824254"/>
+            <a:ext cx="1704697" cy="0"/>
+          </a:xfrm>
+          <a:prstGeom prst="line">
+            <a:avLst/>
+          </a:prstGeom>
+          <a:ln w="50800">
+            <a:solidFill>
+              <a:srgbClr val="0000CC"/>
+            </a:solidFill>
+          </a:ln>
+        </p:spPr>
+        <p:style>
+          <a:lnRef idx="1">
+            <a:schemeClr val="accent1"/>
+          </a:lnRef>
+          <a:fillRef idx="0">
+            <a:schemeClr val="accent1"/>
+          </a:fillRef>
+          <a:effectRef idx="0">
+            <a:schemeClr val="accent1"/>
+          </a:effectRef>
+          <a:fontRef idx="minor">
+            <a:schemeClr val="tx1"/>
+          </a:fontRef>
+        </p:style>
+      </p:cxnSp>
+      <p:sp>
+        <p:nvSpPr>
+          <p:cNvPr id="23" name="文本框 9">
+            <a:extLst>
+              <a:ext uri="{FF2B5EF4-FFF2-40B4-BE49-F238E27FC236}">
+                <a16:creationId xmlns:a16="http://schemas.microsoft.com/office/drawing/2014/main" id="{777093F9-AAE6-3ADD-03D3-88CB76BD7B11}"/>
+              </a:ext>
+            </a:extLst>
+          </p:cNvPr>
+          <p:cNvSpPr txBox="1"/>
+          <p:nvPr/>
+        </p:nvSpPr>
+        <p:spPr>
+          <a:xfrm>
+            <a:off x="6831401" y="2479097"/>
+            <a:ext cx="1565750" cy="338554"/>
+          </a:xfrm>
+          <a:prstGeom prst="rect">
+            <a:avLst/>
+          </a:prstGeom>
+          <a:noFill/>
+          <a:ln>
+            <a:noFill/>
+          </a:ln>
+        </p:spPr>
+        <p:txBody>
+          <a:bodyPr wrap="none" rtlCol="0">
+            <a:spAutoFit/>
+          </a:bodyPr>
+          <a:lstStyle/>
+          <a:p>
+            <a:r>
+              <a:rPr lang="en-US" altLang="zh-CN" sz="1600" dirty="0">
+                <a:cs typeface="Times New Roman" panose="02020603050405020304" pitchFamily="18" charset="0"/>
+              </a:rPr>
+              <a:t>Const-acc model</a:t>
+            </a:r>
+            <a:endParaRPr lang="zh-CN" altLang="en-US" sz="1600" dirty="0">
+              <a:cs typeface="Times New Roman" panose="02020603050405020304" pitchFamily="18" charset="0"/>
+            </a:endParaRPr>
+          </a:p>
+        </p:txBody>
+      </p:sp>
+      <p:sp>
+        <p:nvSpPr>
+          <p:cNvPr id="33" name="文本框 9">
+            <a:extLst>
+              <a:ext uri="{FF2B5EF4-FFF2-40B4-BE49-F238E27FC236}">
+                <a16:creationId xmlns:a16="http://schemas.microsoft.com/office/drawing/2014/main" id="{7969EDAD-695A-87FE-DC9A-469BDCC098A5}"/>
+              </a:ext>
+            </a:extLst>
+          </p:cNvPr>
+          <p:cNvSpPr txBox="1"/>
+          <p:nvPr/>
+        </p:nvSpPr>
+        <p:spPr>
+          <a:xfrm>
+            <a:off x="850704" y="41408"/>
+            <a:ext cx="3177921" cy="338554"/>
+          </a:xfrm>
+          <a:prstGeom prst="rect">
+            <a:avLst/>
+          </a:prstGeom>
+          <a:noFill/>
+          <a:ln>
+            <a:noFill/>
+          </a:ln>
+        </p:spPr>
+        <p:txBody>
+          <a:bodyPr wrap="none" rtlCol="0">
+            <a:spAutoFit/>
+          </a:bodyPr>
+          <a:lstStyle/>
+          <a:p>
+            <a:r>
+              <a:rPr lang="en-US" altLang="zh-CN" sz="1600" dirty="0">
+                <a:cs typeface="Times New Roman" panose="02020603050405020304" pitchFamily="18" charset="0"/>
+              </a:rPr>
+              <a:t>Dwell time vs. feed rate: PVT model</a:t>
+            </a:r>
+            <a:endParaRPr lang="zh-CN" altLang="en-US" sz="1600" dirty="0">
+              <a:cs typeface="Times New Roman" panose="02020603050405020304" pitchFamily="18" charset="0"/>
+            </a:endParaRPr>
+          </a:p>
+        </p:txBody>
+      </p:sp>
+      <p:sp>
+        <p:nvSpPr>
+          <p:cNvPr id="34" name="文本框 9">
+            <a:extLst>
+              <a:ext uri="{FF2B5EF4-FFF2-40B4-BE49-F238E27FC236}">
+                <a16:creationId xmlns:a16="http://schemas.microsoft.com/office/drawing/2014/main" id="{793DC9ED-4A9A-F49C-0E04-1142564F4907}"/>
+              </a:ext>
+            </a:extLst>
+          </p:cNvPr>
+          <p:cNvSpPr txBox="1"/>
+          <p:nvPr/>
+        </p:nvSpPr>
+        <p:spPr>
+          <a:xfrm>
+            <a:off x="5089963" y="15279"/>
+            <a:ext cx="3689600" cy="338554"/>
+          </a:xfrm>
+          <a:prstGeom prst="rect">
+            <a:avLst/>
+          </a:prstGeom>
+          <a:noFill/>
+          <a:ln>
+            <a:noFill/>
+          </a:ln>
+        </p:spPr>
+        <p:txBody>
+          <a:bodyPr wrap="none" rtlCol="0">
+            <a:spAutoFit/>
+          </a:bodyPr>
+          <a:lstStyle/>
+          <a:p>
+            <a:r>
+              <a:rPr lang="en-US" altLang="zh-CN" sz="1600" dirty="0">
+                <a:cs typeface="Times New Roman" panose="02020603050405020304" pitchFamily="18" charset="0"/>
+              </a:rPr>
+              <a:t>Dwell time vs. feed rate: Const-acc model</a:t>
+            </a:r>
+            <a:endParaRPr lang="zh-CN" altLang="en-US" sz="1600" dirty="0">
+              <a:cs typeface="Times New Roman" panose="02020603050405020304" pitchFamily="18" charset="0"/>
+            </a:endParaRPr>
+          </a:p>
+        </p:txBody>
+      </p:sp>
+      <p:sp>
+        <p:nvSpPr>
+          <p:cNvPr id="66" name="矩形 65">
+            <a:extLst>
+              <a:ext uri="{FF2B5EF4-FFF2-40B4-BE49-F238E27FC236}">
+                <a16:creationId xmlns:a16="http://schemas.microsoft.com/office/drawing/2014/main" id="{5EDD0ECF-A978-F017-263D-A08A15AE949A}"/>
+              </a:ext>
+            </a:extLst>
+          </p:cNvPr>
+          <p:cNvSpPr/>
+          <p:nvPr/>
+        </p:nvSpPr>
+        <p:spPr>
+          <a:xfrm>
+            <a:off x="1201063" y="3753007"/>
+            <a:ext cx="406400" cy="163782"/>
+          </a:xfrm>
+          <a:prstGeom prst="rect">
+            <a:avLst/>
+          </a:prstGeom>
+          <a:noFill/>
+          <a:ln w="38100">
+            <a:solidFill>
+              <a:schemeClr val="tx1"/>
+            </a:solidFill>
+          </a:ln>
+        </p:spPr>
+        <p:style>
+          <a:lnRef idx="2">
+            <a:schemeClr val="accent1">
+              <a:shade val="50000"/>
+            </a:schemeClr>
+          </a:lnRef>
+          <a:fillRef idx="1">
+            <a:schemeClr val="accent1"/>
+          </a:fillRef>
+          <a:effectRef idx="0">
+            <a:schemeClr val="accent1"/>
+          </a:effectRef>
+          <a:fontRef idx="minor">
+            <a:schemeClr val="lt1"/>
+          </a:fontRef>
+        </p:style>
+        <p:txBody>
+          <a:bodyPr rtlCol="0" anchor="ctr"/>
+          <a:lstStyle/>
+          <a:p>
+            <a:pPr algn="ctr"/>
+            <a:endParaRPr lang="zh-CN" altLang="en-US"/>
+          </a:p>
+        </p:txBody>
+      </p:sp>
+      <p:sp>
+        <p:nvSpPr>
+          <p:cNvPr id="67" name="矩形 66">
+            <a:extLst>
+              <a:ext uri="{FF2B5EF4-FFF2-40B4-BE49-F238E27FC236}">
+                <a16:creationId xmlns:a16="http://schemas.microsoft.com/office/drawing/2014/main" id="{2B8AB981-6BB6-2351-A3BC-99E1A62D61DC}"/>
+              </a:ext>
+            </a:extLst>
+          </p:cNvPr>
+          <p:cNvSpPr/>
+          <p:nvPr/>
+        </p:nvSpPr>
+        <p:spPr>
+          <a:xfrm>
+            <a:off x="7473209" y="3742363"/>
+            <a:ext cx="406400" cy="163782"/>
+          </a:xfrm>
+          <a:prstGeom prst="rect">
+            <a:avLst/>
+          </a:prstGeom>
+          <a:noFill/>
+          <a:ln w="38100">
+            <a:solidFill>
+              <a:schemeClr val="tx1"/>
+            </a:solidFill>
+          </a:ln>
+        </p:spPr>
+        <p:style>
+          <a:lnRef idx="2">
+            <a:schemeClr val="accent1">
+              <a:shade val="50000"/>
+            </a:schemeClr>
+          </a:lnRef>
+          <a:fillRef idx="1">
+            <a:schemeClr val="accent1"/>
+          </a:fillRef>
+          <a:effectRef idx="0">
+            <a:schemeClr val="accent1"/>
+          </a:effectRef>
+          <a:fontRef idx="minor">
+            <a:schemeClr val="lt1"/>
+          </a:fontRef>
+        </p:style>
+        <p:txBody>
+          <a:bodyPr rtlCol="0" anchor="ctr"/>
+          <a:lstStyle/>
+          <a:p>
+            <a:pPr algn="ctr"/>
+            <a:endParaRPr lang="zh-CN" altLang="en-US"/>
+          </a:p>
+        </p:txBody>
+      </p:sp>
+      <p:cxnSp>
+        <p:nvCxnSpPr>
+          <p:cNvPr id="90" name="直接箭头连接符 89">
+            <a:extLst>
+              <a:ext uri="{FF2B5EF4-FFF2-40B4-BE49-F238E27FC236}">
+                <a16:creationId xmlns:a16="http://schemas.microsoft.com/office/drawing/2014/main" id="{A48307CC-F9C1-7880-9C06-05D543BE0C62}"/>
+              </a:ext>
+            </a:extLst>
+          </p:cNvPr>
+          <p:cNvCxnSpPr>
+            <a:cxnSpLocks/>
+          </p:cNvCxnSpPr>
+          <p:nvPr/>
+        </p:nvCxnSpPr>
+        <p:spPr>
+          <a:xfrm flipH="1" flipV="1">
+            <a:off x="6241002" y="3383339"/>
+            <a:ext cx="1225898" cy="434033"/>
+          </a:xfrm>
+          <a:prstGeom prst="straightConnector1">
+            <a:avLst/>
+          </a:prstGeom>
+          <a:ln>
+            <a:solidFill>
+              <a:schemeClr val="tx1"/>
+            </a:solidFill>
+            <a:tailEnd type="triangle"/>
+          </a:ln>
+        </p:spPr>
+        <p:style>
+          <a:lnRef idx="1">
+            <a:schemeClr val="accent1"/>
+          </a:lnRef>
+          <a:fillRef idx="0">
+            <a:schemeClr val="accent1"/>
+          </a:fillRef>
+          <a:effectRef idx="0">
+            <a:schemeClr val="accent1"/>
+          </a:effectRef>
+          <a:fontRef idx="minor">
+            <a:schemeClr val="tx1"/>
+          </a:fontRef>
+        </p:style>
+      </p:cxnSp>
+      <p:cxnSp>
+        <p:nvCxnSpPr>
+          <p:cNvPr id="72" name="直接箭头连接符 71">
+            <a:extLst>
+              <a:ext uri="{FF2B5EF4-FFF2-40B4-BE49-F238E27FC236}">
+                <a16:creationId xmlns:a16="http://schemas.microsoft.com/office/drawing/2014/main" id="{CBD06524-CB18-061C-B503-3F09C51C33FE}"/>
+              </a:ext>
+            </a:extLst>
+          </p:cNvPr>
+          <p:cNvCxnSpPr>
+            <a:cxnSpLocks/>
+          </p:cNvCxnSpPr>
+          <p:nvPr/>
+        </p:nvCxnSpPr>
+        <p:spPr>
+          <a:xfrm flipH="1">
+            <a:off x="6143844" y="3824255"/>
+            <a:ext cx="1323056" cy="2307805"/>
+          </a:xfrm>
+          <a:prstGeom prst="straightConnector1">
+            <a:avLst/>
+          </a:prstGeom>
+          <a:ln>
+            <a:solidFill>
+              <a:schemeClr val="tx1"/>
+            </a:solidFill>
+            <a:tailEnd type="triangle"/>
+          </a:ln>
+        </p:spPr>
+        <p:style>
+          <a:lnRef idx="1">
+            <a:schemeClr val="accent1"/>
+          </a:lnRef>
+          <a:fillRef idx="0">
+            <a:schemeClr val="accent1"/>
+          </a:fillRef>
+          <a:effectRef idx="0">
+            <a:schemeClr val="accent1"/>
+          </a:effectRef>
+          <a:fontRef idx="minor">
+            <a:schemeClr val="tx1"/>
+          </a:fontRef>
+        </p:style>
+      </p:cxnSp>
+      <p:cxnSp>
+        <p:nvCxnSpPr>
+          <p:cNvPr id="76" name="直接箭头连接符 75">
+            <a:extLst>
+              <a:ext uri="{FF2B5EF4-FFF2-40B4-BE49-F238E27FC236}">
+                <a16:creationId xmlns:a16="http://schemas.microsoft.com/office/drawing/2014/main" id="{A1DE3F38-415E-5765-C89A-3A293049BC43}"/>
+              </a:ext>
+            </a:extLst>
+          </p:cNvPr>
+          <p:cNvCxnSpPr>
+            <a:cxnSpLocks/>
+            <a:stCxn id="66" idx="3"/>
+          </p:cNvCxnSpPr>
+          <p:nvPr/>
+        </p:nvCxnSpPr>
+        <p:spPr>
+          <a:xfrm flipV="1">
+            <a:off x="1607464" y="2687350"/>
+            <a:ext cx="1298297" cy="1147548"/>
+          </a:xfrm>
+          <a:prstGeom prst="straightConnector1">
+            <a:avLst/>
+          </a:prstGeom>
+          <a:ln>
+            <a:solidFill>
+              <a:schemeClr val="tx1"/>
+            </a:solidFill>
+            <a:tailEnd type="triangle"/>
+          </a:ln>
+        </p:spPr>
+        <p:style>
+          <a:lnRef idx="1">
+            <a:schemeClr val="accent1"/>
+          </a:lnRef>
+          <a:fillRef idx="0">
+            <a:schemeClr val="accent1"/>
+          </a:fillRef>
+          <a:effectRef idx="0">
+            <a:schemeClr val="accent1"/>
+          </a:effectRef>
+          <a:fontRef idx="minor">
+            <a:schemeClr val="tx1"/>
+          </a:fontRef>
+        </p:style>
+      </p:cxnSp>
+      <p:cxnSp>
+        <p:nvCxnSpPr>
+          <p:cNvPr id="81" name="直接箭头连接符 80">
+            <a:extLst>
+              <a:ext uri="{FF2B5EF4-FFF2-40B4-BE49-F238E27FC236}">
+                <a16:creationId xmlns:a16="http://schemas.microsoft.com/office/drawing/2014/main" id="{44B02605-D8ED-C9BA-D421-B57317D1FA48}"/>
+              </a:ext>
+            </a:extLst>
+          </p:cNvPr>
+          <p:cNvCxnSpPr>
+            <a:cxnSpLocks/>
+            <a:stCxn id="66" idx="3"/>
+          </p:cNvCxnSpPr>
+          <p:nvPr/>
+        </p:nvCxnSpPr>
+        <p:spPr>
+          <a:xfrm>
+            <a:off x="1607464" y="3834898"/>
+            <a:ext cx="1572851" cy="1866876"/>
+          </a:xfrm>
+          <a:prstGeom prst="straightConnector1">
+            <a:avLst/>
+          </a:prstGeom>
+          <a:ln>
+            <a:solidFill>
+              <a:schemeClr val="tx1"/>
+            </a:solidFill>
+            <a:tailEnd type="triangle"/>
+          </a:ln>
+        </p:spPr>
+        <p:style>
+          <a:lnRef idx="1">
+            <a:schemeClr val="accent1"/>
+          </a:lnRef>
+          <a:fillRef idx="0">
+            <a:schemeClr val="accent1"/>
+          </a:fillRef>
+          <a:effectRef idx="0">
+            <a:schemeClr val="accent1"/>
+          </a:effectRef>
+          <a:fontRef idx="minor">
+            <a:schemeClr val="tx1"/>
+          </a:fontRef>
+        </p:style>
+      </p:cxnSp>
+      <p:sp>
+        <p:nvSpPr>
+          <p:cNvPr id="97" name="文本框 9">
+            <a:extLst>
+              <a:ext uri="{FF2B5EF4-FFF2-40B4-BE49-F238E27FC236}">
+                <a16:creationId xmlns:a16="http://schemas.microsoft.com/office/drawing/2014/main" id="{4AE73165-8F14-5D7E-8532-12F22BC7220B}"/>
+              </a:ext>
+            </a:extLst>
+          </p:cNvPr>
+          <p:cNvSpPr txBox="1"/>
+          <p:nvPr/>
+        </p:nvSpPr>
+        <p:spPr>
+          <a:xfrm>
+            <a:off x="3311111" y="1950895"/>
+            <a:ext cx="3054682" cy="338554"/>
+          </a:xfrm>
+          <a:prstGeom prst="rect">
+            <a:avLst/>
+          </a:prstGeom>
+          <a:noFill/>
+          <a:ln>
+            <a:noFill/>
+          </a:ln>
+        </p:spPr>
+        <p:txBody>
+          <a:bodyPr wrap="none" rtlCol="0">
+            <a:spAutoFit/>
+          </a:bodyPr>
+          <a:lstStyle/>
+          <a:p>
+            <a:r>
+              <a:rPr lang="en-US" altLang="zh-CN" sz="1600" dirty="0">
+                <a:cs typeface="Times New Roman" panose="02020603050405020304" pitchFamily="18" charset="0"/>
+              </a:rPr>
+              <a:t>Comparison in federate simulation</a:t>
+            </a:r>
+            <a:endParaRPr lang="zh-CN" altLang="en-US" sz="1600" dirty="0">
+              <a:cs typeface="Times New Roman" panose="02020603050405020304" pitchFamily="18" charset="0"/>
+            </a:endParaRPr>
+          </a:p>
+        </p:txBody>
+      </p:sp>
+      <p:sp>
+        <p:nvSpPr>
+          <p:cNvPr id="98" name="文本框 9">
+            <a:extLst>
+              <a:ext uri="{FF2B5EF4-FFF2-40B4-BE49-F238E27FC236}">
+                <a16:creationId xmlns:a16="http://schemas.microsoft.com/office/drawing/2014/main" id="{22D45F73-DC81-A8FB-DC87-9EE891856D15}"/>
+              </a:ext>
+            </a:extLst>
+          </p:cNvPr>
+          <p:cNvSpPr txBox="1"/>
+          <p:nvPr/>
+        </p:nvSpPr>
+        <p:spPr>
+          <a:xfrm>
+            <a:off x="3526941" y="5277024"/>
+            <a:ext cx="2451569" cy="338554"/>
+          </a:xfrm>
+          <a:prstGeom prst="rect">
+            <a:avLst/>
+          </a:prstGeom>
+          <a:noFill/>
+          <a:ln>
+            <a:noFill/>
+          </a:ln>
+        </p:spPr>
+        <p:txBody>
+          <a:bodyPr wrap="none" rtlCol="0">
+            <a:spAutoFit/>
+          </a:bodyPr>
+          <a:lstStyle/>
+          <a:p>
+            <a:r>
+              <a:rPr lang="en-US" altLang="zh-CN" sz="1600" dirty="0">
+                <a:cs typeface="Times New Roman" panose="02020603050405020304" pitchFamily="18" charset="0"/>
+              </a:rPr>
+              <a:t>Comparison in acceleration</a:t>
+            </a:r>
+            <a:endParaRPr lang="zh-CN" altLang="en-US" sz="1600" dirty="0">
+              <a:cs typeface="Times New Roman" panose="02020603050405020304" pitchFamily="18" charset="0"/>
+            </a:endParaRPr>
+          </a:p>
+        </p:txBody>
+      </p:sp>
+      <p:sp>
+        <p:nvSpPr>
+          <p:cNvPr id="124" name="文本框 9">
+            <a:extLst>
+              <a:ext uri="{FF2B5EF4-FFF2-40B4-BE49-F238E27FC236}">
+                <a16:creationId xmlns:a16="http://schemas.microsoft.com/office/drawing/2014/main" id="{C2ECEF38-EE6B-8236-255D-588CA4F53AC8}"/>
+              </a:ext>
+            </a:extLst>
+          </p:cNvPr>
+          <p:cNvSpPr txBox="1"/>
+          <p:nvPr/>
+        </p:nvSpPr>
+        <p:spPr>
+          <a:xfrm>
+            <a:off x="2881229" y="1936597"/>
+            <a:ext cx="365806" cy="300210"/>
+          </a:xfrm>
+          <a:prstGeom prst="rect">
+            <a:avLst/>
+          </a:prstGeom>
+          <a:noFill/>
+        </p:spPr>
+        <p:txBody>
+          <a:bodyPr wrap="none" rtlCol="0">
+            <a:spAutoFit/>
+          </a:bodyPr>
+          <a:lstStyle/>
+          <a:p>
+            <a:r>
+              <a:rPr lang="en-US" altLang="zh-CN" b="1" dirty="0">
+                <a:cs typeface="Times New Roman" panose="02020603050405020304" pitchFamily="18" charset="0"/>
+              </a:rPr>
+              <a:t>(c)</a:t>
+            </a:r>
+            <a:endParaRPr lang="zh-CN" altLang="en-US" b="1" dirty="0">
+              <a:cs typeface="Times New Roman" panose="02020603050405020304" pitchFamily="18" charset="0"/>
+            </a:endParaRPr>
+          </a:p>
+        </p:txBody>
+      </p:sp>
+      <p:sp>
+        <p:nvSpPr>
+          <p:cNvPr id="125" name="文本框 9">
+            <a:extLst>
+              <a:ext uri="{FF2B5EF4-FFF2-40B4-BE49-F238E27FC236}">
+                <a16:creationId xmlns:a16="http://schemas.microsoft.com/office/drawing/2014/main" id="{A232E7E3-2927-56DD-CC20-275F6526803A}"/>
+              </a:ext>
+            </a:extLst>
+          </p:cNvPr>
+          <p:cNvSpPr txBox="1"/>
+          <p:nvPr/>
+        </p:nvSpPr>
+        <p:spPr>
+          <a:xfrm>
+            <a:off x="3107884" y="5238925"/>
+            <a:ext cx="386644" cy="300210"/>
+          </a:xfrm>
+          <a:prstGeom prst="rect">
+            <a:avLst/>
+          </a:prstGeom>
+          <a:noFill/>
+        </p:spPr>
+        <p:txBody>
+          <a:bodyPr wrap="none" rtlCol="0">
+            <a:spAutoFit/>
+          </a:bodyPr>
+          <a:lstStyle/>
+          <a:p>
+            <a:r>
+              <a:rPr lang="en-US" altLang="zh-CN" b="1" dirty="0">
+                <a:cs typeface="Times New Roman" panose="02020603050405020304" pitchFamily="18" charset="0"/>
+              </a:rPr>
+              <a:t>(d)</a:t>
+            </a:r>
+            <a:endParaRPr lang="zh-CN" altLang="en-US" b="1" dirty="0">
+              <a:cs typeface="Times New Roman" panose="02020603050405020304" pitchFamily="18" charset="0"/>
+            </a:endParaRPr>
+          </a:p>
+        </p:txBody>
+      </p:sp>
+      <p:cxnSp>
+        <p:nvCxnSpPr>
+          <p:cNvPr id="143" name="连接符: 肘形 142">
+            <a:extLst>
+              <a:ext uri="{FF2B5EF4-FFF2-40B4-BE49-F238E27FC236}">
+                <a16:creationId xmlns:a16="http://schemas.microsoft.com/office/drawing/2014/main" id="{F20D0338-55C9-1AA5-8904-F2A3D2462CC4}"/>
+              </a:ext>
+            </a:extLst>
+          </p:cNvPr>
+          <p:cNvCxnSpPr>
+            <a:cxnSpLocks/>
+          </p:cNvCxnSpPr>
+          <p:nvPr/>
+        </p:nvCxnSpPr>
+        <p:spPr>
+          <a:xfrm flipV="1">
+            <a:off x="8639498" y="1561732"/>
+            <a:ext cx="107950" cy="2260600"/>
+          </a:xfrm>
+          <a:prstGeom prst="bentConnector3">
+            <a:avLst>
+              <a:gd name="adj1" fmla="val 311765"/>
+            </a:avLst>
+          </a:prstGeom>
+          <a:ln>
+            <a:solidFill>
+              <a:srgbClr val="0000CC"/>
+            </a:solidFill>
+            <a:tailEnd type="triangle"/>
+          </a:ln>
+        </p:spPr>
+        <p:style>
+          <a:lnRef idx="1">
+            <a:schemeClr val="accent1"/>
+          </a:lnRef>
+          <a:fillRef idx="0">
+            <a:schemeClr val="accent1"/>
+          </a:fillRef>
+          <a:effectRef idx="0">
+            <a:schemeClr val="accent1"/>
+          </a:effectRef>
+          <a:fontRef idx="minor">
+            <a:schemeClr val="tx1"/>
+          </a:fontRef>
+        </p:style>
+      </p:cxnSp>
+      <p:cxnSp>
+        <p:nvCxnSpPr>
+          <p:cNvPr id="147" name="连接符: 肘形 146">
+            <a:extLst>
+              <a:ext uri="{FF2B5EF4-FFF2-40B4-BE49-F238E27FC236}">
+                <a16:creationId xmlns:a16="http://schemas.microsoft.com/office/drawing/2014/main" id="{12D1A489-2708-94AB-FDA1-ED3A3CE9A83C}"/>
+              </a:ext>
+            </a:extLst>
+          </p:cNvPr>
+          <p:cNvCxnSpPr>
+            <a:cxnSpLocks/>
+          </p:cNvCxnSpPr>
+          <p:nvPr/>
+        </p:nvCxnSpPr>
+        <p:spPr>
+          <a:xfrm rot="10800000">
+            <a:off x="432404" y="1574432"/>
+            <a:ext cx="45085" cy="2266950"/>
+          </a:xfrm>
+          <a:prstGeom prst="bentConnector3">
+            <a:avLst>
+              <a:gd name="adj1" fmla="val 607042"/>
+            </a:avLst>
+          </a:prstGeom>
+          <a:ln>
+            <a:solidFill>
+              <a:srgbClr val="FF0000"/>
+            </a:solidFill>
+            <a:tailEnd type="triangle"/>
+          </a:ln>
+        </p:spPr>
+        <p:style>
+          <a:lnRef idx="1">
+            <a:schemeClr val="accent1"/>
+          </a:lnRef>
+          <a:fillRef idx="0">
+            <a:schemeClr val="accent1"/>
+          </a:fillRef>
+          <a:effectRef idx="0">
+            <a:schemeClr val="accent1"/>
+          </a:effectRef>
+          <a:fontRef idx="minor">
+            <a:schemeClr val="tx1"/>
+          </a:fontRef>
+        </p:style>
+      </p:cxnSp>
+      <mc:AlternateContent xmlns:mc="http://schemas.openxmlformats.org/markup-compatibility/2006">
+        <mc:Choice xmlns:a14="http://schemas.microsoft.com/office/drawing/2010/main" Requires="a14">
+          <p:sp>
+            <p:nvSpPr>
+              <p:cNvPr id="168" name="文本框 167">
+                <a:extLst>
+                  <a:ext uri="{FF2B5EF4-FFF2-40B4-BE49-F238E27FC236}">
+                    <a16:creationId xmlns:a16="http://schemas.microsoft.com/office/drawing/2014/main" id="{3E0B9640-8170-A1E1-23A7-5D4D4422FF56}"/>
+                  </a:ext>
+                </a:extLst>
+              </p:cNvPr>
+              <p:cNvSpPr txBox="1"/>
+              <p:nvPr/>
+            </p:nvSpPr>
+            <p:spPr>
+              <a:xfrm rot="16200000">
+                <a:off x="2602741" y="6143530"/>
+                <a:ext cx="261032" cy="246221"/>
+              </a:xfrm>
+              <a:prstGeom prst="rect">
+                <a:avLst/>
+              </a:prstGeom>
+              <a:noFill/>
+            </p:spPr>
+            <p:txBody>
+              <a:bodyPr wrap="none" lIns="0" tIns="0" rIns="0" bIns="0" rtlCol="0">
+                <a:spAutoFit/>
+              </a:bodyPr>
+              <a:lstStyle/>
+              <a:p>
+                <a14:m>
+                  <m:oMathPara xmlns:m="http://schemas.openxmlformats.org/officeDocument/2006/math">
+                    <m:oMathParaPr>
+                      <m:jc m:val="centerGroup"/>
+                    </m:oMathParaPr>
+                    <m:oMath xmlns:m="http://schemas.openxmlformats.org/officeDocument/2006/math">
+                      <m:sSubSup>
+                        <m:sSubSupPr>
+                          <m:ctrlPr>
+                            <a:rPr lang="en-US" altLang="zh-CN" sz="1600" b="0" i="1" smtClean="0">
+                              <a:latin typeface="Cambria Math" panose="02040503050406030204" pitchFamily="18" charset="0"/>
+                            </a:rPr>
+                          </m:ctrlPr>
+                        </m:sSubSupPr>
+                        <m:e>
+                          <m:r>
+                            <a:rPr lang="en-US" altLang="zh-CN" sz="1600" b="0" i="1" smtClean="0">
+                              <a:latin typeface="Cambria Math" panose="02040503050406030204" pitchFamily="18" charset="0"/>
+                            </a:rPr>
+                            <m:t>𝑎</m:t>
+                          </m:r>
+                        </m:e>
+                        <m:sub>
+                          <m:r>
+                            <a:rPr lang="en-US" altLang="zh-CN" sz="1600" b="0" i="1" smtClean="0">
+                              <a:latin typeface="Cambria Math" panose="02040503050406030204" pitchFamily="18" charset="0"/>
+                            </a:rPr>
+                            <m:t>𝑥</m:t>
+                          </m:r>
+                        </m:sub>
+                        <m:sup>
+                          <m:r>
+                            <a:rPr lang="en-US" altLang="zh-CN" sz="1600" b="0" i="1" smtClean="0">
+                              <a:latin typeface="Cambria Math" panose="02040503050406030204" pitchFamily="18" charset="0"/>
+                            </a:rPr>
+                            <m:t>𝑠</m:t>
+                          </m:r>
+                        </m:sup>
+                      </m:sSubSup>
+                    </m:oMath>
+                  </m:oMathPara>
+                </a14:m>
+                <a:endParaRPr lang="zh-CN" altLang="en-US" sz="1600" dirty="0"/>
+              </a:p>
+            </p:txBody>
+          </p:sp>
+        </mc:Choice>
+        <mc:Fallback>
+          <p:sp>
+            <p:nvSpPr>
+              <p:cNvPr id="168" name="文本框 167">
+                <a:extLst>
+                  <a:ext uri="{FF2B5EF4-FFF2-40B4-BE49-F238E27FC236}">
+                    <a16:creationId xmlns:a16="http://schemas.microsoft.com/office/drawing/2014/main" id="{3E0B9640-8170-A1E1-23A7-5D4D4422FF56}"/>
+                  </a:ext>
+                </a:extLst>
+              </p:cNvPr>
+              <p:cNvSpPr txBox="1">
+                <a:spLocks noRot="1" noChangeAspect="1" noMove="1" noResize="1" noEditPoints="1" noAdjustHandles="1" noChangeArrowheads="1" noChangeShapeType="1" noTextEdit="1"/>
+              </p:cNvSpPr>
+              <p:nvPr/>
+            </p:nvSpPr>
+            <p:spPr>
+              <a:xfrm rot="16200000">
+                <a:off x="2602741" y="6143530"/>
+                <a:ext cx="261032" cy="246221"/>
+              </a:xfrm>
+              <a:prstGeom prst="rect">
+                <a:avLst/>
+              </a:prstGeom>
+              <a:blipFill>
+                <a:blip r:embed="rId8"/>
+                <a:stretch>
+                  <a:fillRect r="-9756" b="-11905"/>
+                </a:stretch>
+              </a:blipFill>
+            </p:spPr>
+            <p:txBody>
+              <a:bodyPr/>
+              <a:lstStyle/>
+              <a:p>
+                <a:r>
+                  <a:rPr lang="zh-CN" altLang="en-US">
+                    <a:noFill/>
+                  </a:rPr>
+                  <a:t> </a:t>
+                </a:r>
+              </a:p>
+            </p:txBody>
+          </p:sp>
+        </mc:Fallback>
+      </mc:AlternateContent>
+      <mc:AlternateContent xmlns:mc="http://schemas.openxmlformats.org/markup-compatibility/2006">
+        <mc:Choice xmlns:a14="http://schemas.microsoft.com/office/drawing/2010/main" Requires="a14">
+          <p:sp>
+            <p:nvSpPr>
+              <p:cNvPr id="169" name="文本框 168">
+                <a:extLst>
+                  <a:ext uri="{FF2B5EF4-FFF2-40B4-BE49-F238E27FC236}">
+                    <a16:creationId xmlns:a16="http://schemas.microsoft.com/office/drawing/2014/main" id="{A9E24B4A-5F99-52AB-9981-46DC10362420}"/>
+                  </a:ext>
+                </a:extLst>
+              </p:cNvPr>
+              <p:cNvSpPr txBox="1"/>
+              <p:nvPr/>
+            </p:nvSpPr>
+            <p:spPr>
+              <a:xfrm rot="16200000">
+                <a:off x="2628406" y="3754299"/>
+                <a:ext cx="259237" cy="246221"/>
+              </a:xfrm>
+              <a:prstGeom prst="rect">
+                <a:avLst/>
+              </a:prstGeom>
+              <a:noFill/>
+            </p:spPr>
+            <p:txBody>
+              <a:bodyPr wrap="none" lIns="0" tIns="0" rIns="0" bIns="0" rtlCol="0">
+                <a:spAutoFit/>
+              </a:bodyPr>
+              <a:lstStyle/>
+              <a:p>
+                <a14:m>
+                  <m:oMathPara xmlns:m="http://schemas.openxmlformats.org/officeDocument/2006/math">
+                    <m:oMathParaPr>
+                      <m:jc m:val="centerGroup"/>
+                    </m:oMathParaPr>
+                    <m:oMath xmlns:m="http://schemas.openxmlformats.org/officeDocument/2006/math">
+                      <m:sSubSup>
+                        <m:sSubSupPr>
+                          <m:ctrlPr>
+                            <a:rPr lang="en-US" altLang="zh-CN" sz="1600" b="0" i="1" smtClean="0">
+                              <a:latin typeface="Cambria Math" panose="02040503050406030204" pitchFamily="18" charset="0"/>
+                            </a:rPr>
+                          </m:ctrlPr>
+                        </m:sSubSupPr>
+                        <m:e>
+                          <m:r>
+                            <a:rPr lang="en-US" altLang="zh-CN" sz="1600" b="0" i="1" smtClean="0">
+                              <a:latin typeface="Cambria Math" panose="02040503050406030204" pitchFamily="18" charset="0"/>
+                            </a:rPr>
+                            <m:t>𝑣</m:t>
+                          </m:r>
+                        </m:e>
+                        <m:sub>
+                          <m:r>
+                            <a:rPr lang="en-US" altLang="zh-CN" sz="1600" b="0" i="1" smtClean="0">
+                              <a:latin typeface="Cambria Math" panose="02040503050406030204" pitchFamily="18" charset="0"/>
+                            </a:rPr>
+                            <m:t>𝑥</m:t>
+                          </m:r>
+                        </m:sub>
+                        <m:sup>
+                          <m:r>
+                            <a:rPr lang="en-US" altLang="zh-CN" sz="1600" b="0" i="1" smtClean="0">
+                              <a:latin typeface="Cambria Math" panose="02040503050406030204" pitchFamily="18" charset="0"/>
+                            </a:rPr>
+                            <m:t>𝑠</m:t>
+                          </m:r>
+                        </m:sup>
+                      </m:sSubSup>
+                    </m:oMath>
+                  </m:oMathPara>
+                </a14:m>
+                <a:endParaRPr lang="zh-CN" altLang="en-US" sz="1600" dirty="0"/>
+              </a:p>
+            </p:txBody>
+          </p:sp>
+        </mc:Choice>
+        <mc:Fallback>
+          <p:sp>
+            <p:nvSpPr>
+              <p:cNvPr id="169" name="文本框 168">
+                <a:extLst>
+                  <a:ext uri="{FF2B5EF4-FFF2-40B4-BE49-F238E27FC236}">
+                    <a16:creationId xmlns:a16="http://schemas.microsoft.com/office/drawing/2014/main" id="{A9E24B4A-5F99-52AB-9981-46DC10362420}"/>
+                  </a:ext>
+                </a:extLst>
+              </p:cNvPr>
+              <p:cNvSpPr txBox="1">
+                <a:spLocks noRot="1" noChangeAspect="1" noMove="1" noResize="1" noEditPoints="1" noAdjustHandles="1" noChangeArrowheads="1" noChangeShapeType="1" noTextEdit="1"/>
+              </p:cNvSpPr>
+              <p:nvPr/>
+            </p:nvSpPr>
+            <p:spPr>
+              <a:xfrm rot="16200000">
+                <a:off x="2628406" y="3754299"/>
+                <a:ext cx="259237" cy="246221"/>
+              </a:xfrm>
+              <a:prstGeom prst="rect">
+                <a:avLst/>
+              </a:prstGeom>
+              <a:blipFill>
+                <a:blip r:embed="rId9"/>
+                <a:stretch>
+                  <a:fillRect t="-2381" r="-9756" b="-11905"/>
+                </a:stretch>
+              </a:blipFill>
+            </p:spPr>
+            <p:txBody>
+              <a:bodyPr/>
+              <a:lstStyle/>
+              <a:p>
+                <a:r>
+                  <a:rPr lang="zh-CN" altLang="en-US">
+                    <a:noFill/>
+                  </a:rPr>
+                  <a:t> </a:t>
+                </a:r>
+              </a:p>
+            </p:txBody>
+          </p:sp>
+        </mc:Fallback>
+      </mc:AlternateContent>
+      <mc:AlternateContent xmlns:mc="http://schemas.openxmlformats.org/markup-compatibility/2006">
+        <mc:Choice xmlns:a14="http://schemas.microsoft.com/office/drawing/2010/main" Requires="a14">
+          <p:sp>
+            <p:nvSpPr>
+              <p:cNvPr id="170" name="文本框 169">
+                <a:extLst>
+                  <a:ext uri="{FF2B5EF4-FFF2-40B4-BE49-F238E27FC236}">
+                    <a16:creationId xmlns:a16="http://schemas.microsoft.com/office/drawing/2014/main" id="{0BE64A08-AE5C-3C74-1EC6-88A2131C9755}"/>
+                  </a:ext>
+                </a:extLst>
+              </p:cNvPr>
+              <p:cNvSpPr txBox="1"/>
+              <p:nvPr/>
+            </p:nvSpPr>
+            <p:spPr>
+              <a:xfrm>
+                <a:off x="4350706" y="6990028"/>
+                <a:ext cx="161711" cy="246221"/>
+              </a:xfrm>
+              <a:prstGeom prst="rect">
+                <a:avLst/>
+              </a:prstGeom>
+              <a:noFill/>
+            </p:spPr>
+            <p:txBody>
+              <a:bodyPr wrap="none" lIns="0" tIns="0" rIns="0" bIns="0" rtlCol="0">
+                <a:spAutoFit/>
+              </a:bodyPr>
+              <a:lstStyle/>
+              <a:p>
+                <a14:m>
+                  <m:oMathPara xmlns:m="http://schemas.openxmlformats.org/officeDocument/2006/math">
+                    <m:oMathParaPr>
+                      <m:jc m:val="centerGroup"/>
+                    </m:oMathParaPr>
+                    <m:oMath xmlns:m="http://schemas.openxmlformats.org/officeDocument/2006/math">
+                      <m:r>
+                        <a:rPr lang="en-US" altLang="zh-CN" sz="1600" b="0" i="1" smtClean="0">
+                          <a:latin typeface="Cambria Math" panose="02040503050406030204" pitchFamily="18" charset="0"/>
+                        </a:rPr>
+                        <m:t>𝑥</m:t>
+                      </m:r>
+                    </m:oMath>
+                  </m:oMathPara>
+                </a14:m>
+                <a:endParaRPr lang="zh-CN" altLang="en-US" sz="1600" dirty="0"/>
+              </a:p>
+            </p:txBody>
+          </p:sp>
+        </mc:Choice>
+        <mc:Fallback>
+          <p:sp>
+            <p:nvSpPr>
+              <p:cNvPr id="170" name="文本框 169">
+                <a:extLst>
+                  <a:ext uri="{FF2B5EF4-FFF2-40B4-BE49-F238E27FC236}">
+                    <a16:creationId xmlns:a16="http://schemas.microsoft.com/office/drawing/2014/main" id="{0BE64A08-AE5C-3C74-1EC6-88A2131C9755}"/>
+                  </a:ext>
+                </a:extLst>
+              </p:cNvPr>
+              <p:cNvSpPr txBox="1">
+                <a:spLocks noRot="1" noChangeAspect="1" noMove="1" noResize="1" noEditPoints="1" noAdjustHandles="1" noChangeArrowheads="1" noChangeShapeType="1" noTextEdit="1"/>
+              </p:cNvSpPr>
+              <p:nvPr/>
+            </p:nvSpPr>
+            <p:spPr>
+              <a:xfrm>
+                <a:off x="4350706" y="6990028"/>
+                <a:ext cx="161711" cy="246221"/>
+              </a:xfrm>
+              <a:prstGeom prst="rect">
+                <a:avLst/>
+              </a:prstGeom>
+              <a:blipFill>
+                <a:blip r:embed="rId10"/>
+                <a:stretch>
+                  <a:fillRect l="-19231" r="-15385"/>
+                </a:stretch>
+              </a:blipFill>
+            </p:spPr>
+            <p:txBody>
+              <a:bodyPr/>
+              <a:lstStyle/>
+              <a:p>
+                <a:r>
+                  <a:rPr lang="zh-CN" altLang="en-US">
+                    <a:noFill/>
+                  </a:rPr>
+                  <a:t> </a:t>
+                </a:r>
+              </a:p>
+            </p:txBody>
+          </p:sp>
+        </mc:Fallback>
+      </mc:AlternateContent>
+      <mc:AlternateContent xmlns:mc="http://schemas.openxmlformats.org/markup-compatibility/2006">
+        <mc:Choice xmlns:a14="http://schemas.microsoft.com/office/drawing/2010/main" Requires="a14">
+          <p:sp>
+            <p:nvSpPr>
+              <p:cNvPr id="171" name="文本框 170">
+                <a:extLst>
+                  <a:ext uri="{FF2B5EF4-FFF2-40B4-BE49-F238E27FC236}">
+                    <a16:creationId xmlns:a16="http://schemas.microsoft.com/office/drawing/2014/main" id="{9C418C77-0A2A-3503-A0B1-F2FFCC4B9E91}"/>
+                  </a:ext>
+                </a:extLst>
+              </p:cNvPr>
+              <p:cNvSpPr txBox="1"/>
+              <p:nvPr/>
+            </p:nvSpPr>
+            <p:spPr>
+              <a:xfrm>
+                <a:off x="4350707" y="5112364"/>
+                <a:ext cx="161711" cy="246221"/>
+              </a:xfrm>
+              <a:prstGeom prst="rect">
+                <a:avLst/>
+              </a:prstGeom>
+              <a:noFill/>
+            </p:spPr>
+            <p:txBody>
+              <a:bodyPr wrap="none" lIns="0" tIns="0" rIns="0" bIns="0" rtlCol="0">
+                <a:spAutoFit/>
+              </a:bodyPr>
+              <a:lstStyle/>
+              <a:p>
+                <a14:m>
+                  <m:oMathPara xmlns:m="http://schemas.openxmlformats.org/officeDocument/2006/math">
+                    <m:oMathParaPr>
+                      <m:jc m:val="centerGroup"/>
+                    </m:oMathParaPr>
+                    <m:oMath xmlns:m="http://schemas.openxmlformats.org/officeDocument/2006/math">
+                      <m:r>
+                        <a:rPr lang="en-US" altLang="zh-CN" sz="1600" b="0" i="1" smtClean="0">
+                          <a:latin typeface="Cambria Math" panose="02040503050406030204" pitchFamily="18" charset="0"/>
+                        </a:rPr>
+                        <m:t>𝑥</m:t>
+                      </m:r>
+                    </m:oMath>
+                  </m:oMathPara>
+                </a14:m>
+                <a:endParaRPr lang="zh-CN" altLang="en-US" sz="1600" dirty="0"/>
+              </a:p>
+            </p:txBody>
+          </p:sp>
+        </mc:Choice>
+        <mc:Fallback>
+          <p:sp>
+            <p:nvSpPr>
+              <p:cNvPr id="171" name="文本框 170">
+                <a:extLst>
+                  <a:ext uri="{FF2B5EF4-FFF2-40B4-BE49-F238E27FC236}">
+                    <a16:creationId xmlns:a16="http://schemas.microsoft.com/office/drawing/2014/main" id="{9C418C77-0A2A-3503-A0B1-F2FFCC4B9E91}"/>
+                  </a:ext>
+                </a:extLst>
+              </p:cNvPr>
+              <p:cNvSpPr txBox="1">
+                <a:spLocks noRot="1" noChangeAspect="1" noMove="1" noResize="1" noEditPoints="1" noAdjustHandles="1" noChangeArrowheads="1" noChangeShapeType="1" noTextEdit="1"/>
+              </p:cNvSpPr>
+              <p:nvPr/>
+            </p:nvSpPr>
+            <p:spPr>
+              <a:xfrm>
+                <a:off x="4350707" y="5112364"/>
+                <a:ext cx="161711" cy="246221"/>
+              </a:xfrm>
+              <a:prstGeom prst="rect">
+                <a:avLst/>
+              </a:prstGeom>
+              <a:blipFill>
+                <a:blip r:embed="rId11"/>
+                <a:stretch>
+                  <a:fillRect l="-19231" r="-15385"/>
+                </a:stretch>
+              </a:blipFill>
+            </p:spPr>
+            <p:txBody>
+              <a:bodyPr/>
+              <a:lstStyle/>
+              <a:p>
+                <a:r>
+                  <a:rPr lang="zh-CN" altLang="en-US">
+                    <a:noFill/>
+                  </a:rPr>
+                  <a:t> </a:t>
+                </a:r>
+              </a:p>
+            </p:txBody>
+          </p:sp>
+        </mc:Fallback>
+      </mc:AlternateContent>
+      <mc:AlternateContent xmlns:mc="http://schemas.openxmlformats.org/markup-compatibility/2006">
+        <mc:Choice xmlns:a14="http://schemas.microsoft.com/office/drawing/2010/main" Requires="a14">
+          <p:sp>
+            <p:nvSpPr>
+              <p:cNvPr id="172" name="文本框 171">
+                <a:extLst>
+                  <a:ext uri="{FF2B5EF4-FFF2-40B4-BE49-F238E27FC236}">
+                    <a16:creationId xmlns:a16="http://schemas.microsoft.com/office/drawing/2014/main" id="{B7CED758-1A93-D89E-FC02-5CDD39210265}"/>
+                  </a:ext>
+                </a:extLst>
+              </p:cNvPr>
+              <p:cNvSpPr txBox="1"/>
+              <p:nvPr/>
+            </p:nvSpPr>
+            <p:spPr>
+              <a:xfrm>
+                <a:off x="6555029" y="1797232"/>
+                <a:ext cx="161711" cy="246221"/>
+              </a:xfrm>
+              <a:prstGeom prst="rect">
+                <a:avLst/>
+              </a:prstGeom>
+              <a:noFill/>
+            </p:spPr>
+            <p:txBody>
+              <a:bodyPr wrap="none" lIns="0" tIns="0" rIns="0" bIns="0" rtlCol="0">
+                <a:spAutoFit/>
+              </a:bodyPr>
+              <a:lstStyle/>
+              <a:p>
+                <a14:m>
+                  <m:oMathPara xmlns:m="http://schemas.openxmlformats.org/officeDocument/2006/math">
+                    <m:oMathParaPr>
+                      <m:jc m:val="centerGroup"/>
+                    </m:oMathParaPr>
+                    <m:oMath xmlns:m="http://schemas.openxmlformats.org/officeDocument/2006/math">
+                      <m:r>
+                        <a:rPr lang="en-US" altLang="zh-CN" sz="1600" b="0" i="1" smtClean="0">
+                          <a:latin typeface="Cambria Math" panose="02040503050406030204" pitchFamily="18" charset="0"/>
+                        </a:rPr>
+                        <m:t>𝑥</m:t>
+                      </m:r>
+                    </m:oMath>
+                  </m:oMathPara>
+                </a14:m>
+                <a:endParaRPr lang="zh-CN" altLang="en-US" sz="1600" dirty="0"/>
+              </a:p>
+            </p:txBody>
+          </p:sp>
+        </mc:Choice>
+        <mc:Fallback>
+          <p:sp>
+            <p:nvSpPr>
+              <p:cNvPr id="172" name="文本框 171">
+                <a:extLst>
+                  <a:ext uri="{FF2B5EF4-FFF2-40B4-BE49-F238E27FC236}">
+                    <a16:creationId xmlns:a16="http://schemas.microsoft.com/office/drawing/2014/main" id="{B7CED758-1A93-D89E-FC02-5CDD39210265}"/>
+                  </a:ext>
+                </a:extLst>
+              </p:cNvPr>
+              <p:cNvSpPr txBox="1">
+                <a:spLocks noRot="1" noChangeAspect="1" noMove="1" noResize="1" noEditPoints="1" noAdjustHandles="1" noChangeArrowheads="1" noChangeShapeType="1" noTextEdit="1"/>
+              </p:cNvSpPr>
+              <p:nvPr/>
+            </p:nvSpPr>
+            <p:spPr>
+              <a:xfrm>
+                <a:off x="6555029" y="1797232"/>
+                <a:ext cx="161711" cy="246221"/>
+              </a:xfrm>
+              <a:prstGeom prst="rect">
+                <a:avLst/>
+              </a:prstGeom>
+              <a:blipFill>
+                <a:blip r:embed="rId12"/>
+                <a:stretch>
+                  <a:fillRect l="-14815" r="-14815"/>
+                </a:stretch>
+              </a:blipFill>
+            </p:spPr>
+            <p:txBody>
+              <a:bodyPr/>
+              <a:lstStyle/>
+              <a:p>
+                <a:r>
+                  <a:rPr lang="zh-CN" altLang="en-US">
+                    <a:noFill/>
+                  </a:rPr>
+                  <a:t> </a:t>
+                </a:r>
+              </a:p>
+            </p:txBody>
+          </p:sp>
+        </mc:Fallback>
+      </mc:AlternateContent>
+      <mc:AlternateContent xmlns:mc="http://schemas.openxmlformats.org/markup-compatibility/2006">
+        <mc:Choice xmlns:a14="http://schemas.microsoft.com/office/drawing/2010/main" Requires="a14">
+          <p:sp>
+            <p:nvSpPr>
+              <p:cNvPr id="173" name="文本框 172">
+                <a:extLst>
+                  <a:ext uri="{FF2B5EF4-FFF2-40B4-BE49-F238E27FC236}">
+                    <a16:creationId xmlns:a16="http://schemas.microsoft.com/office/drawing/2014/main" id="{A57C0C67-1D80-30E5-7196-631A71678739}"/>
+                  </a:ext>
+                </a:extLst>
+              </p:cNvPr>
+              <p:cNvSpPr txBox="1"/>
+              <p:nvPr/>
+            </p:nvSpPr>
+            <p:spPr>
+              <a:xfrm>
+                <a:off x="2198024" y="1820203"/>
+                <a:ext cx="161711" cy="246221"/>
+              </a:xfrm>
+              <a:prstGeom prst="rect">
+                <a:avLst/>
+              </a:prstGeom>
+              <a:noFill/>
+            </p:spPr>
+            <p:txBody>
+              <a:bodyPr wrap="none" lIns="0" tIns="0" rIns="0" bIns="0" rtlCol="0">
+                <a:spAutoFit/>
+              </a:bodyPr>
+              <a:lstStyle/>
+              <a:p>
+                <a14:m>
+                  <m:oMathPara xmlns:m="http://schemas.openxmlformats.org/officeDocument/2006/math">
+                    <m:oMathParaPr>
+                      <m:jc m:val="centerGroup"/>
+                    </m:oMathParaPr>
+                    <m:oMath xmlns:m="http://schemas.openxmlformats.org/officeDocument/2006/math">
+                      <m:r>
+                        <a:rPr lang="en-US" altLang="zh-CN" sz="1600" b="0" i="1" smtClean="0">
+                          <a:latin typeface="Cambria Math" panose="02040503050406030204" pitchFamily="18" charset="0"/>
+                        </a:rPr>
+                        <m:t>𝑥</m:t>
+                      </m:r>
+                    </m:oMath>
+                  </m:oMathPara>
+                </a14:m>
+                <a:endParaRPr lang="zh-CN" altLang="en-US" sz="1600" dirty="0"/>
+              </a:p>
+            </p:txBody>
+          </p:sp>
+        </mc:Choice>
+        <mc:Fallback>
+          <p:sp>
+            <p:nvSpPr>
+              <p:cNvPr id="173" name="文本框 172">
+                <a:extLst>
+                  <a:ext uri="{FF2B5EF4-FFF2-40B4-BE49-F238E27FC236}">
+                    <a16:creationId xmlns:a16="http://schemas.microsoft.com/office/drawing/2014/main" id="{A57C0C67-1D80-30E5-7196-631A71678739}"/>
+                  </a:ext>
+                </a:extLst>
+              </p:cNvPr>
+              <p:cNvSpPr txBox="1">
+                <a:spLocks noRot="1" noChangeAspect="1" noMove="1" noResize="1" noEditPoints="1" noAdjustHandles="1" noChangeArrowheads="1" noChangeShapeType="1" noTextEdit="1"/>
+              </p:cNvSpPr>
+              <p:nvPr/>
+            </p:nvSpPr>
+            <p:spPr>
+              <a:xfrm>
+                <a:off x="2198024" y="1820203"/>
+                <a:ext cx="161711" cy="246221"/>
+              </a:xfrm>
+              <a:prstGeom prst="rect">
+                <a:avLst/>
+              </a:prstGeom>
+              <a:blipFill>
+                <a:blip r:embed="rId13"/>
+                <a:stretch>
+                  <a:fillRect l="-19231" r="-15385"/>
+                </a:stretch>
+              </a:blipFill>
+            </p:spPr>
+            <p:txBody>
+              <a:bodyPr/>
+              <a:lstStyle/>
+              <a:p>
+                <a:r>
+                  <a:rPr lang="zh-CN" altLang="en-US">
+                    <a:noFill/>
+                  </a:rPr>
+                  <a:t> </a:t>
+                </a:r>
+              </a:p>
+            </p:txBody>
+          </p:sp>
+        </mc:Fallback>
+      </mc:AlternateContent>
+      <mc:AlternateContent xmlns:mc="http://schemas.openxmlformats.org/markup-compatibility/2006">
+        <mc:Choice xmlns:a14="http://schemas.microsoft.com/office/drawing/2010/main" Requires="a14">
+          <p:sp>
+            <p:nvSpPr>
+              <p:cNvPr id="174" name="文本框 173">
+                <a:extLst>
+                  <a:ext uri="{FF2B5EF4-FFF2-40B4-BE49-F238E27FC236}">
+                    <a16:creationId xmlns:a16="http://schemas.microsoft.com/office/drawing/2014/main" id="{5704B809-33DE-B2A1-AB71-A342B1B020E4}"/>
+                  </a:ext>
+                </a:extLst>
+              </p:cNvPr>
+              <p:cNvSpPr txBox="1"/>
+              <p:nvPr/>
+            </p:nvSpPr>
+            <p:spPr>
+              <a:xfrm rot="16200000">
+                <a:off x="293017" y="1034085"/>
+                <a:ext cx="251864" cy="246221"/>
+              </a:xfrm>
+              <a:prstGeom prst="rect">
+                <a:avLst/>
+              </a:prstGeom>
+              <a:noFill/>
+            </p:spPr>
+            <p:txBody>
+              <a:bodyPr wrap="none" lIns="0" tIns="0" rIns="0" bIns="0" rtlCol="0">
+                <a:spAutoFit/>
+              </a:bodyPr>
+              <a:lstStyle/>
+              <a:p>
+                <a14:m>
+                  <m:oMathPara xmlns:m="http://schemas.openxmlformats.org/officeDocument/2006/math">
+                    <m:oMathParaPr>
+                      <m:jc m:val="centerGroup"/>
+                    </m:oMathParaPr>
+                    <m:oMath xmlns:m="http://schemas.openxmlformats.org/officeDocument/2006/math">
+                      <m:r>
+                        <a:rPr lang="en-US" altLang="zh-CN" sz="1600" b="0" i="1" smtClean="0">
+                          <a:solidFill>
+                            <a:schemeClr val="accent6">
+                              <a:lumMod val="50000"/>
+                            </a:schemeClr>
+                          </a:solidFill>
+                          <a:latin typeface="Cambria Math" panose="02040503050406030204" pitchFamily="18" charset="0"/>
+                        </a:rPr>
+                        <m:t>𝑑𝑡</m:t>
+                      </m:r>
+                    </m:oMath>
+                  </m:oMathPara>
+                </a14:m>
+                <a:endParaRPr lang="zh-CN" altLang="en-US" sz="1600" dirty="0">
+                  <a:solidFill>
+                    <a:schemeClr val="accent6">
+                      <a:lumMod val="50000"/>
+                    </a:schemeClr>
+                  </a:solidFill>
+                </a:endParaRPr>
+              </a:p>
+            </p:txBody>
+          </p:sp>
+        </mc:Choice>
+        <mc:Fallback>
+          <p:sp>
+            <p:nvSpPr>
+              <p:cNvPr id="174" name="文本框 173">
+                <a:extLst>
+                  <a:ext uri="{FF2B5EF4-FFF2-40B4-BE49-F238E27FC236}">
+                    <a16:creationId xmlns:a16="http://schemas.microsoft.com/office/drawing/2014/main" id="{5704B809-33DE-B2A1-AB71-A342B1B020E4}"/>
+                  </a:ext>
+                </a:extLst>
+              </p:cNvPr>
+              <p:cNvSpPr txBox="1">
+                <a:spLocks noRot="1" noChangeAspect="1" noMove="1" noResize="1" noEditPoints="1" noAdjustHandles="1" noChangeArrowheads="1" noChangeShapeType="1" noTextEdit="1"/>
+              </p:cNvSpPr>
+              <p:nvPr/>
+            </p:nvSpPr>
+            <p:spPr>
+              <a:xfrm rot="16200000">
+                <a:off x="293017" y="1034085"/>
+                <a:ext cx="251864" cy="246221"/>
+              </a:xfrm>
+              <a:prstGeom prst="rect">
+                <a:avLst/>
+              </a:prstGeom>
+              <a:blipFill>
+                <a:blip r:embed="rId14"/>
+                <a:stretch>
+                  <a:fillRect t="-17073" r="-7500" b="-19512"/>
+                </a:stretch>
+              </a:blipFill>
+            </p:spPr>
+            <p:txBody>
+              <a:bodyPr/>
+              <a:lstStyle/>
+              <a:p>
+                <a:r>
+                  <a:rPr lang="zh-CN" altLang="en-US">
+                    <a:noFill/>
+                  </a:rPr>
+                  <a:t> </a:t>
+                </a:r>
+              </a:p>
+            </p:txBody>
+          </p:sp>
+        </mc:Fallback>
+      </mc:AlternateContent>
+      <mc:AlternateContent xmlns:mc="http://schemas.openxmlformats.org/markup-compatibility/2006">
+        <mc:Choice xmlns:a14="http://schemas.microsoft.com/office/drawing/2010/main" Requires="a14">
+          <p:sp>
+            <p:nvSpPr>
+              <p:cNvPr id="175" name="文本框 174">
+                <a:extLst>
+                  <a:ext uri="{FF2B5EF4-FFF2-40B4-BE49-F238E27FC236}">
+                    <a16:creationId xmlns:a16="http://schemas.microsoft.com/office/drawing/2014/main" id="{7FDC366A-951C-E934-EC20-27C5B4B7920B}"/>
+                  </a:ext>
+                </a:extLst>
+              </p:cNvPr>
+              <p:cNvSpPr txBox="1"/>
+              <p:nvPr/>
+            </p:nvSpPr>
+            <p:spPr>
+              <a:xfrm rot="16200000">
+                <a:off x="4626793" y="1008898"/>
+                <a:ext cx="251864" cy="246221"/>
+              </a:xfrm>
+              <a:prstGeom prst="rect">
+                <a:avLst/>
+              </a:prstGeom>
+              <a:noFill/>
+            </p:spPr>
+            <p:txBody>
+              <a:bodyPr wrap="none" lIns="0" tIns="0" rIns="0" bIns="0" rtlCol="0">
+                <a:spAutoFit/>
+              </a:bodyPr>
+              <a:lstStyle/>
+              <a:p>
+                <a14:m>
+                  <m:oMathPara xmlns:m="http://schemas.openxmlformats.org/officeDocument/2006/math">
+                    <m:oMathParaPr>
+                      <m:jc m:val="centerGroup"/>
+                    </m:oMathParaPr>
+                    <m:oMath xmlns:m="http://schemas.openxmlformats.org/officeDocument/2006/math">
+                      <m:r>
+                        <a:rPr lang="en-US" altLang="zh-CN" sz="1600" b="0" i="1" smtClean="0">
+                          <a:solidFill>
+                            <a:schemeClr val="accent6">
+                              <a:lumMod val="50000"/>
+                            </a:schemeClr>
+                          </a:solidFill>
+                          <a:latin typeface="Cambria Math" panose="02040503050406030204" pitchFamily="18" charset="0"/>
+                        </a:rPr>
+                        <m:t>𝑑𝑡</m:t>
+                      </m:r>
+                    </m:oMath>
+                  </m:oMathPara>
+                </a14:m>
+                <a:endParaRPr lang="zh-CN" altLang="en-US" sz="1600" dirty="0">
+                  <a:solidFill>
+                    <a:schemeClr val="accent6">
+                      <a:lumMod val="50000"/>
+                    </a:schemeClr>
+                  </a:solidFill>
+                </a:endParaRPr>
+              </a:p>
+            </p:txBody>
+          </p:sp>
+        </mc:Choice>
+        <mc:Fallback>
+          <p:sp>
+            <p:nvSpPr>
+              <p:cNvPr id="175" name="文本框 174">
+                <a:extLst>
+                  <a:ext uri="{FF2B5EF4-FFF2-40B4-BE49-F238E27FC236}">
+                    <a16:creationId xmlns:a16="http://schemas.microsoft.com/office/drawing/2014/main" id="{7FDC366A-951C-E934-EC20-27C5B4B7920B}"/>
+                  </a:ext>
+                </a:extLst>
+              </p:cNvPr>
+              <p:cNvSpPr txBox="1">
+                <a:spLocks noRot="1" noChangeAspect="1" noMove="1" noResize="1" noEditPoints="1" noAdjustHandles="1" noChangeArrowheads="1" noChangeShapeType="1" noTextEdit="1"/>
+              </p:cNvSpPr>
+              <p:nvPr/>
+            </p:nvSpPr>
+            <p:spPr>
+              <a:xfrm rot="16200000">
+                <a:off x="4626793" y="1008898"/>
+                <a:ext cx="251864" cy="246221"/>
+              </a:xfrm>
+              <a:prstGeom prst="rect">
+                <a:avLst/>
+              </a:prstGeom>
+              <a:blipFill>
+                <a:blip r:embed="rId15"/>
+                <a:stretch>
+                  <a:fillRect t="-17073" r="-4878" b="-19512"/>
+                </a:stretch>
+              </a:blipFill>
+            </p:spPr>
+            <p:txBody>
+              <a:bodyPr/>
+              <a:lstStyle/>
+              <a:p>
+                <a:r>
+                  <a:rPr lang="zh-CN" altLang="en-US">
+                    <a:noFill/>
+                  </a:rPr>
+                  <a:t> </a:t>
+                </a:r>
+              </a:p>
+            </p:txBody>
+          </p:sp>
+        </mc:Fallback>
+      </mc:AlternateContent>
+      <mc:AlternateContent xmlns:mc="http://schemas.openxmlformats.org/markup-compatibility/2006">
+        <mc:Choice xmlns:a14="http://schemas.microsoft.com/office/drawing/2010/main" Requires="a14">
+          <p:sp>
+            <p:nvSpPr>
+              <p:cNvPr id="177" name="文本框 176">
+                <a:extLst>
+                  <a:ext uri="{FF2B5EF4-FFF2-40B4-BE49-F238E27FC236}">
+                    <a16:creationId xmlns:a16="http://schemas.microsoft.com/office/drawing/2014/main" id="{B1E2277E-C1B9-F294-1337-56BF3FAB9919}"/>
+                  </a:ext>
+                </a:extLst>
+              </p:cNvPr>
+              <p:cNvSpPr txBox="1"/>
+              <p:nvPr/>
+            </p:nvSpPr>
+            <p:spPr>
+              <a:xfrm rot="16200000">
+                <a:off x="4193462" y="1034084"/>
+                <a:ext cx="247440" cy="246221"/>
+              </a:xfrm>
+              <a:prstGeom prst="rect">
+                <a:avLst/>
+              </a:prstGeom>
+              <a:noFill/>
+            </p:spPr>
+            <p:txBody>
+              <a:bodyPr wrap="none" lIns="0" tIns="0" rIns="0" bIns="0" rtlCol="0">
+                <a:spAutoFit/>
+              </a:bodyPr>
+              <a:lstStyle/>
+              <a:p>
+                <a14:m>
+                  <m:oMathPara xmlns:m="http://schemas.openxmlformats.org/officeDocument/2006/math">
+                    <m:oMathParaPr>
+                      <m:jc m:val="centerGroup"/>
+                    </m:oMathParaPr>
+                    <m:oMath xmlns:m="http://schemas.openxmlformats.org/officeDocument/2006/math">
+                      <m:sSub>
+                        <m:sSubPr>
+                          <m:ctrlPr>
+                            <a:rPr lang="en-US" altLang="zh-CN" sz="1600" b="0" i="1" smtClean="0">
+                              <a:solidFill>
+                                <a:schemeClr val="accent4">
+                                  <a:lumMod val="75000"/>
+                                </a:schemeClr>
+                              </a:solidFill>
+                              <a:latin typeface="Cambria Math" panose="02040503050406030204" pitchFamily="18" charset="0"/>
+                            </a:rPr>
+                          </m:ctrlPr>
+                        </m:sSubPr>
+                        <m:e>
+                          <m:r>
+                            <a:rPr lang="en-US" altLang="zh-CN" sz="1600" b="0" i="1" smtClean="0">
+                              <a:solidFill>
+                                <a:schemeClr val="accent4">
+                                  <a:lumMod val="75000"/>
+                                </a:schemeClr>
+                              </a:solidFill>
+                              <a:latin typeface="Cambria Math" panose="02040503050406030204" pitchFamily="18" charset="0"/>
+                            </a:rPr>
+                            <m:t>𝑣</m:t>
+                          </m:r>
+                        </m:e>
+                        <m:sub>
+                          <m:r>
+                            <a:rPr lang="en-US" altLang="zh-CN" sz="1600" b="0" i="1" smtClean="0">
+                              <a:solidFill>
+                                <a:schemeClr val="accent4">
+                                  <a:lumMod val="75000"/>
+                                </a:schemeClr>
+                              </a:solidFill>
+                              <a:latin typeface="Cambria Math" panose="02040503050406030204" pitchFamily="18" charset="0"/>
+                            </a:rPr>
+                            <m:t>𝑥</m:t>
+                          </m:r>
+                        </m:sub>
+                      </m:sSub>
+                    </m:oMath>
+                  </m:oMathPara>
+                </a14:m>
+                <a:endParaRPr lang="zh-CN" altLang="en-US" sz="1600" dirty="0">
+                  <a:solidFill>
+                    <a:schemeClr val="accent4">
+                      <a:lumMod val="75000"/>
+                    </a:schemeClr>
+                  </a:solidFill>
+                </a:endParaRPr>
+              </a:p>
+            </p:txBody>
+          </p:sp>
+        </mc:Choice>
+        <mc:Fallback>
+          <p:sp>
+            <p:nvSpPr>
+              <p:cNvPr id="177" name="文本框 176">
+                <a:extLst>
+                  <a:ext uri="{FF2B5EF4-FFF2-40B4-BE49-F238E27FC236}">
+                    <a16:creationId xmlns:a16="http://schemas.microsoft.com/office/drawing/2014/main" id="{B1E2277E-C1B9-F294-1337-56BF3FAB9919}"/>
+                  </a:ext>
+                </a:extLst>
+              </p:cNvPr>
+              <p:cNvSpPr txBox="1">
+                <a:spLocks noRot="1" noChangeAspect="1" noMove="1" noResize="1" noEditPoints="1" noAdjustHandles="1" noChangeArrowheads="1" noChangeShapeType="1" noTextEdit="1"/>
+              </p:cNvSpPr>
+              <p:nvPr/>
+            </p:nvSpPr>
+            <p:spPr>
+              <a:xfrm rot="16200000">
+                <a:off x="4193462" y="1034084"/>
+                <a:ext cx="247440" cy="246221"/>
+              </a:xfrm>
+              <a:prstGeom prst="rect">
+                <a:avLst/>
+              </a:prstGeom>
+              <a:blipFill>
+                <a:blip r:embed="rId16"/>
+                <a:stretch>
+                  <a:fillRect r="-12500" b="-12500"/>
+                </a:stretch>
+              </a:blipFill>
+            </p:spPr>
+            <p:txBody>
+              <a:bodyPr/>
+              <a:lstStyle/>
+              <a:p>
+                <a:r>
+                  <a:rPr lang="zh-CN" altLang="en-US">
+                    <a:noFill/>
+                  </a:rPr>
+                  <a:t> </a:t>
+                </a:r>
+              </a:p>
+            </p:txBody>
+          </p:sp>
+        </mc:Fallback>
+      </mc:AlternateContent>
+      <mc:AlternateContent xmlns:mc="http://schemas.openxmlformats.org/markup-compatibility/2006">
+        <mc:Choice xmlns:a14="http://schemas.microsoft.com/office/drawing/2010/main" Requires="a14">
+          <p:sp>
+            <p:nvSpPr>
+              <p:cNvPr id="178" name="文本框 177">
+                <a:extLst>
+                  <a:ext uri="{FF2B5EF4-FFF2-40B4-BE49-F238E27FC236}">
+                    <a16:creationId xmlns:a16="http://schemas.microsoft.com/office/drawing/2014/main" id="{425C4751-0D04-6973-09C3-7F515A43C34D}"/>
+                  </a:ext>
+                </a:extLst>
+              </p:cNvPr>
+              <p:cNvSpPr txBox="1"/>
+              <p:nvPr/>
+            </p:nvSpPr>
+            <p:spPr>
+              <a:xfrm rot="16200000">
+                <a:off x="8540109" y="941962"/>
+                <a:ext cx="247440" cy="246221"/>
+              </a:xfrm>
+              <a:prstGeom prst="rect">
+                <a:avLst/>
+              </a:prstGeom>
+              <a:noFill/>
+            </p:spPr>
+            <p:txBody>
+              <a:bodyPr wrap="none" lIns="0" tIns="0" rIns="0" bIns="0" rtlCol="0">
+                <a:spAutoFit/>
+              </a:bodyPr>
+              <a:lstStyle/>
+              <a:p>
+                <a14:m>
+                  <m:oMathPara xmlns:m="http://schemas.openxmlformats.org/officeDocument/2006/math">
+                    <m:oMathParaPr>
+                      <m:jc m:val="centerGroup"/>
+                    </m:oMathParaPr>
+                    <m:oMath xmlns:m="http://schemas.openxmlformats.org/officeDocument/2006/math">
+                      <m:sSub>
+                        <m:sSubPr>
+                          <m:ctrlPr>
+                            <a:rPr lang="en-US" altLang="zh-CN" sz="1600" b="0" i="1" smtClean="0">
+                              <a:solidFill>
+                                <a:schemeClr val="accent4">
+                                  <a:lumMod val="75000"/>
+                                </a:schemeClr>
+                              </a:solidFill>
+                              <a:latin typeface="Cambria Math" panose="02040503050406030204" pitchFamily="18" charset="0"/>
+                            </a:rPr>
+                          </m:ctrlPr>
+                        </m:sSubPr>
+                        <m:e>
+                          <m:r>
+                            <a:rPr lang="en-US" altLang="zh-CN" sz="1600" b="0" i="1" smtClean="0">
+                              <a:solidFill>
+                                <a:schemeClr val="accent4">
+                                  <a:lumMod val="75000"/>
+                                </a:schemeClr>
+                              </a:solidFill>
+                              <a:latin typeface="Cambria Math" panose="02040503050406030204" pitchFamily="18" charset="0"/>
+                            </a:rPr>
+                            <m:t>𝑣</m:t>
+                          </m:r>
+                        </m:e>
+                        <m:sub>
+                          <m:r>
+                            <a:rPr lang="en-US" altLang="zh-CN" sz="1600" b="0" i="1" smtClean="0">
+                              <a:solidFill>
+                                <a:schemeClr val="accent4">
+                                  <a:lumMod val="75000"/>
+                                </a:schemeClr>
+                              </a:solidFill>
+                              <a:latin typeface="Cambria Math" panose="02040503050406030204" pitchFamily="18" charset="0"/>
+                            </a:rPr>
+                            <m:t>𝑥</m:t>
+                          </m:r>
+                        </m:sub>
+                      </m:sSub>
+                    </m:oMath>
+                  </m:oMathPara>
+                </a14:m>
+                <a:endParaRPr lang="zh-CN" altLang="en-US" sz="1600" dirty="0">
+                  <a:solidFill>
+                    <a:schemeClr val="accent4">
+                      <a:lumMod val="75000"/>
+                    </a:schemeClr>
+                  </a:solidFill>
+                </a:endParaRPr>
+              </a:p>
+            </p:txBody>
+          </p:sp>
+        </mc:Choice>
+        <mc:Fallback>
+          <p:sp>
+            <p:nvSpPr>
+              <p:cNvPr id="178" name="文本框 177">
+                <a:extLst>
+                  <a:ext uri="{FF2B5EF4-FFF2-40B4-BE49-F238E27FC236}">
+                    <a16:creationId xmlns:a16="http://schemas.microsoft.com/office/drawing/2014/main" id="{425C4751-0D04-6973-09C3-7F515A43C34D}"/>
+                  </a:ext>
+                </a:extLst>
+              </p:cNvPr>
+              <p:cNvSpPr txBox="1">
+                <a:spLocks noRot="1" noChangeAspect="1" noMove="1" noResize="1" noEditPoints="1" noAdjustHandles="1" noChangeArrowheads="1" noChangeShapeType="1" noTextEdit="1"/>
+              </p:cNvSpPr>
+              <p:nvPr/>
+            </p:nvSpPr>
+            <p:spPr>
+              <a:xfrm rot="16200000">
+                <a:off x="8540109" y="941962"/>
+                <a:ext cx="247440" cy="246221"/>
+              </a:xfrm>
+              <a:prstGeom prst="rect">
+                <a:avLst/>
+              </a:prstGeom>
+              <a:blipFill>
+                <a:blip r:embed="rId17"/>
+                <a:stretch>
+                  <a:fillRect r="-12500" b="-12195"/>
+                </a:stretch>
+              </a:blipFill>
+            </p:spPr>
+            <p:txBody>
+              <a:bodyPr/>
+              <a:lstStyle/>
+              <a:p>
+                <a:r>
+                  <a:rPr lang="zh-CN" altLang="en-US">
+                    <a:noFill/>
+                  </a:rPr>
+                  <a:t> </a:t>
+                </a:r>
+              </a:p>
+            </p:txBody>
+          </p:sp>
+        </mc:Fallback>
+      </mc:AlternateContent>
+    </p:spTree>
+    <p:extLst>
+      <p:ext uri="{BB962C8B-B14F-4D97-AF65-F5344CB8AC3E}">
+        <p14:creationId xmlns:p14="http://schemas.microsoft.com/office/powerpoint/2010/main" val="3493971172"/>
+      </p:ext>
+    </p:extLst>
+  </p:cSld>
+  <p:clrMapOvr>
+    <a:masterClrMapping/>
+  </p:clrMapOvr>
+</p:sld>
+</file>
+
+<file path=ppt/slides/slide2.xml><?xml version="1.0" encoding="utf-8"?>
+<p:sld xmlns:a="http://schemas.openxmlformats.org/drawingml/2006/main" xmlns:r="http://schemas.openxmlformats.org/officeDocument/2006/relationships" xmlns:p="http://schemas.openxmlformats.org/presentationml/2006/main">
+  <p:cSld>
+    <p:spTree>
+      <p:nvGrpSpPr>
+        <p:cNvPr id="1" name=""/>
+        <p:cNvGrpSpPr/>
+        <p:nvPr/>
+      </p:nvGrpSpPr>
+      <p:grpSpPr>
+        <a:xfrm>
+          <a:off x="0" y="0"/>
+          <a:ext cx="0" cy="0"/>
+          <a:chOff x="0" y="0"/>
+          <a:chExt cx="0" cy="0"/>
+        </a:xfrm>
+      </p:grpSpPr>
+      <p:pic>
+        <p:nvPicPr>
+          <p:cNvPr id="87" name="图片 86">
+            <a:extLst>
+              <a:ext uri="{FF2B5EF4-FFF2-40B4-BE49-F238E27FC236}">
+                <a16:creationId xmlns:a16="http://schemas.microsoft.com/office/drawing/2014/main" id="{1A4B0570-633B-E528-A52E-4AE97812AF84}"/>
+              </a:ext>
+            </a:extLst>
+          </p:cNvPr>
+          <p:cNvPicPr>
+            <a:picLocks noChangeAspect="1"/>
+          </p:cNvPicPr>
+          <p:nvPr/>
+        </p:nvPicPr>
+        <p:blipFill rotWithShape="1">
+          <a:blip r:embed="rId2"/>
+          <a:srcRect l="10971" r="7185" b="5624"/>
+          <a:stretch/>
+        </p:blipFill>
+        <p:spPr>
+          <a:xfrm>
+            <a:off x="2826825" y="5502549"/>
+            <a:ext cx="3430043" cy="1528182"/>
+          </a:xfrm>
+          <a:prstGeom prst="rect">
+            <a:avLst/>
+          </a:prstGeom>
+        </p:spPr>
+      </p:pic>
+      <p:sp>
+        <p:nvSpPr>
+          <p:cNvPr id="37" name="文本框 9">
+            <a:extLst>
+              <a:ext uri="{FF2B5EF4-FFF2-40B4-BE49-F238E27FC236}">
+                <a16:creationId xmlns:a16="http://schemas.microsoft.com/office/drawing/2014/main" id="{F078D642-1264-F90F-908C-0C70B7240908}"/>
+              </a:ext>
+            </a:extLst>
+          </p:cNvPr>
+          <p:cNvSpPr txBox="1"/>
+          <p:nvPr/>
+        </p:nvSpPr>
+        <p:spPr>
+          <a:xfrm>
+            <a:off x="511276" y="3409"/>
+            <a:ext cx="378630" cy="300210"/>
+          </a:xfrm>
+          <a:prstGeom prst="rect">
+            <a:avLst/>
+          </a:prstGeom>
+          <a:noFill/>
+        </p:spPr>
+        <p:txBody>
+          <a:bodyPr wrap="none" rtlCol="0">
+            <a:spAutoFit/>
+          </a:bodyPr>
+          <a:lstStyle/>
+          <a:p>
+            <a:r>
+              <a:rPr lang="en-US" altLang="zh-CN" b="1" dirty="0">
+                <a:cs typeface="Times New Roman" panose="02020603050405020304" pitchFamily="18" charset="0"/>
+              </a:rPr>
+              <a:t>(a)</a:t>
+            </a:r>
+            <a:endParaRPr lang="zh-CN" altLang="en-US" b="1" dirty="0">
+              <a:cs typeface="Times New Roman" panose="02020603050405020304" pitchFamily="18" charset="0"/>
+            </a:endParaRPr>
+          </a:p>
+        </p:txBody>
+      </p:sp>
+      <p:sp>
+        <p:nvSpPr>
+          <p:cNvPr id="38" name="文本框 9">
+            <a:extLst>
+              <a:ext uri="{FF2B5EF4-FFF2-40B4-BE49-F238E27FC236}">
+                <a16:creationId xmlns:a16="http://schemas.microsoft.com/office/drawing/2014/main" id="{9077BC3B-1DBB-5AFF-7FD5-0D2A26CD550C}"/>
+              </a:ext>
+            </a:extLst>
+          </p:cNvPr>
+          <p:cNvSpPr txBox="1"/>
+          <p:nvPr/>
+        </p:nvSpPr>
+        <p:spPr>
+          <a:xfrm>
+            <a:off x="4710067" y="7111"/>
+            <a:ext cx="386644" cy="300210"/>
+          </a:xfrm>
+          <a:prstGeom prst="rect">
+            <a:avLst/>
+          </a:prstGeom>
+          <a:noFill/>
+        </p:spPr>
+        <p:txBody>
+          <a:bodyPr wrap="none" rtlCol="0">
+            <a:spAutoFit/>
+          </a:bodyPr>
+          <a:lstStyle/>
+          <a:p>
+            <a:r>
+              <a:rPr lang="en-US" altLang="zh-CN" b="1" dirty="0">
+                <a:cs typeface="Times New Roman" panose="02020603050405020304" pitchFamily="18" charset="0"/>
+              </a:rPr>
+              <a:t>(b)</a:t>
+            </a:r>
+            <a:endParaRPr lang="zh-CN" altLang="en-US" b="1" dirty="0">
+              <a:cs typeface="Times New Roman" panose="02020603050405020304" pitchFamily="18" charset="0"/>
+            </a:endParaRPr>
+          </a:p>
+        </p:txBody>
+      </p:sp>
+      <p:sp>
+        <p:nvSpPr>
+          <p:cNvPr id="39" name="文本框 9">
+            <a:extLst>
+              <a:ext uri="{FF2B5EF4-FFF2-40B4-BE49-F238E27FC236}">
+                <a16:creationId xmlns:a16="http://schemas.microsoft.com/office/drawing/2014/main" id="{13EED993-9384-EC59-2FDD-3C1B7BD42B0C}"/>
+              </a:ext>
+            </a:extLst>
+          </p:cNvPr>
+          <p:cNvSpPr txBox="1"/>
+          <p:nvPr/>
+        </p:nvSpPr>
+        <p:spPr>
+          <a:xfrm>
+            <a:off x="889338" y="2520372"/>
+            <a:ext cx="1102161" cy="338554"/>
+          </a:xfrm>
+          <a:prstGeom prst="rect">
+            <a:avLst/>
+          </a:prstGeom>
+          <a:noFill/>
+          <a:ln>
+            <a:noFill/>
+          </a:ln>
+        </p:spPr>
+        <p:txBody>
+          <a:bodyPr wrap="none" rtlCol="0">
+            <a:spAutoFit/>
+          </a:bodyPr>
+          <a:lstStyle/>
+          <a:p>
+            <a:r>
+              <a:rPr lang="en-US" altLang="zh-CN" sz="1600" dirty="0">
+                <a:cs typeface="Times New Roman" panose="02020603050405020304" pitchFamily="18" charset="0"/>
+              </a:rPr>
+              <a:t>PVT model</a:t>
+            </a:r>
+            <a:endParaRPr lang="zh-CN" altLang="en-US" sz="1600" dirty="0">
+              <a:cs typeface="Times New Roman" panose="02020603050405020304" pitchFamily="18" charset="0"/>
+            </a:endParaRPr>
+          </a:p>
+        </p:txBody>
+      </p:sp>
+      <p:pic>
+        <p:nvPicPr>
+          <p:cNvPr id="17" name="图片 16">
+            <a:extLst>
+              <a:ext uri="{FF2B5EF4-FFF2-40B4-BE49-F238E27FC236}">
+                <a16:creationId xmlns:a16="http://schemas.microsoft.com/office/drawing/2014/main" id="{FF0E5E15-7FBE-5086-F60F-5F9174FCA589}"/>
+              </a:ext>
+            </a:extLst>
+          </p:cNvPr>
+          <p:cNvPicPr>
+            <a:picLocks noChangeAspect="1"/>
+          </p:cNvPicPr>
+          <p:nvPr/>
+        </p:nvPicPr>
+        <p:blipFill rotWithShape="1">
+          <a:blip r:embed="rId3"/>
+          <a:srcRect l="19913" t="14848" r="31233" b="8992"/>
+          <a:stretch/>
+        </p:blipFill>
+        <p:spPr>
+          <a:xfrm>
+            <a:off x="550216" y="2848244"/>
+            <a:ext cx="1861325" cy="1813560"/>
+          </a:xfrm>
+          <a:prstGeom prst="rect">
+            <a:avLst/>
+          </a:prstGeom>
+        </p:spPr>
+      </p:pic>
+      <p:cxnSp>
+        <p:nvCxnSpPr>
+          <p:cNvPr id="18" name="直接连接符 17">
+            <a:extLst>
+              <a:ext uri="{FF2B5EF4-FFF2-40B4-BE49-F238E27FC236}">
+                <a16:creationId xmlns:a16="http://schemas.microsoft.com/office/drawing/2014/main" id="{D747AC54-B604-7384-477E-47CECB3580B3}"/>
+              </a:ext>
+            </a:extLst>
+          </p:cNvPr>
+          <p:cNvCxnSpPr>
+            <a:cxnSpLocks/>
+          </p:cNvCxnSpPr>
+          <p:nvPr/>
+        </p:nvCxnSpPr>
+        <p:spPr>
+          <a:xfrm>
+            <a:off x="606554" y="3840050"/>
+            <a:ext cx="1704697" cy="0"/>
+          </a:xfrm>
+          <a:prstGeom prst="line">
+            <a:avLst/>
+          </a:prstGeom>
+          <a:ln w="50800">
+            <a:solidFill>
+              <a:srgbClr val="FF0000"/>
+            </a:solidFill>
+          </a:ln>
+        </p:spPr>
+        <p:style>
+          <a:lnRef idx="1">
+            <a:schemeClr val="accent1"/>
+          </a:lnRef>
+          <a:fillRef idx="0">
+            <a:schemeClr val="accent1"/>
+          </a:fillRef>
+          <a:effectRef idx="0">
+            <a:schemeClr val="accent1"/>
+          </a:effectRef>
+          <a:fontRef idx="minor">
+            <a:schemeClr val="tx1"/>
+          </a:fontRef>
+        </p:style>
+      </p:cxnSp>
+      <p:pic>
+        <p:nvPicPr>
+          <p:cNvPr id="22" name="图片 21">
+            <a:extLst>
+              <a:ext uri="{FF2B5EF4-FFF2-40B4-BE49-F238E27FC236}">
+                <a16:creationId xmlns:a16="http://schemas.microsoft.com/office/drawing/2014/main" id="{74ECBBB2-7A9C-9C7B-8862-3931F6BE7E47}"/>
+              </a:ext>
+            </a:extLst>
+          </p:cNvPr>
+          <p:cNvPicPr>
+            <a:picLocks noChangeAspect="1"/>
+          </p:cNvPicPr>
+          <p:nvPr/>
+        </p:nvPicPr>
+        <p:blipFill rotWithShape="1">
+          <a:blip r:embed="rId4"/>
+          <a:srcRect l="20120" t="13710" r="31026" b="10130"/>
+          <a:stretch/>
+        </p:blipFill>
+        <p:spPr>
+          <a:xfrm>
+            <a:off x="6771729" y="2817652"/>
+            <a:ext cx="1861325" cy="1813560"/>
+          </a:xfrm>
+          <a:prstGeom prst="rect">
+            <a:avLst/>
+          </a:prstGeom>
+        </p:spPr>
+      </p:pic>
+      <p:cxnSp>
+        <p:nvCxnSpPr>
+          <p:cNvPr id="9" name="直接连接符 8">
+            <a:extLst>
+              <a:ext uri="{FF2B5EF4-FFF2-40B4-BE49-F238E27FC236}">
+                <a16:creationId xmlns:a16="http://schemas.microsoft.com/office/drawing/2014/main" id="{87FCB0C2-8D26-0FA0-76A9-D3343599E9B5}"/>
+              </a:ext>
+            </a:extLst>
+          </p:cNvPr>
+          <p:cNvCxnSpPr>
+            <a:cxnSpLocks/>
+          </p:cNvCxnSpPr>
+          <p:nvPr/>
+        </p:nvCxnSpPr>
+        <p:spPr>
+          <a:xfrm>
+            <a:off x="6824062" y="3824254"/>
+            <a:ext cx="1704697" cy="0"/>
+          </a:xfrm>
+          <a:prstGeom prst="line">
+            <a:avLst/>
+          </a:prstGeom>
+          <a:ln w="50800">
+            <a:solidFill>
+              <a:srgbClr val="0000CC"/>
+            </a:solidFill>
+          </a:ln>
+        </p:spPr>
+        <p:style>
+          <a:lnRef idx="1">
+            <a:schemeClr val="accent1"/>
+          </a:lnRef>
+          <a:fillRef idx="0">
+            <a:schemeClr val="accent1"/>
+          </a:fillRef>
+          <a:effectRef idx="0">
+            <a:schemeClr val="accent1"/>
+          </a:effectRef>
+          <a:fontRef idx="minor">
+            <a:schemeClr val="tx1"/>
+          </a:fontRef>
+        </p:style>
+      </p:cxnSp>
+      <p:sp>
+        <p:nvSpPr>
+          <p:cNvPr id="23" name="文本框 9">
+            <a:extLst>
+              <a:ext uri="{FF2B5EF4-FFF2-40B4-BE49-F238E27FC236}">
+                <a16:creationId xmlns:a16="http://schemas.microsoft.com/office/drawing/2014/main" id="{777093F9-AAE6-3ADD-03D3-88CB76BD7B11}"/>
+              </a:ext>
+            </a:extLst>
+          </p:cNvPr>
+          <p:cNvSpPr txBox="1"/>
+          <p:nvPr/>
+        </p:nvSpPr>
+        <p:spPr>
+          <a:xfrm>
+            <a:off x="6831401" y="2479097"/>
+            <a:ext cx="1565750" cy="338554"/>
+          </a:xfrm>
+          <a:prstGeom prst="rect">
+            <a:avLst/>
+          </a:prstGeom>
+          <a:noFill/>
+          <a:ln>
+            <a:noFill/>
+          </a:ln>
+        </p:spPr>
+        <p:txBody>
+          <a:bodyPr wrap="none" rtlCol="0">
+            <a:spAutoFit/>
+          </a:bodyPr>
+          <a:lstStyle/>
+          <a:p>
+            <a:r>
+              <a:rPr lang="en-US" altLang="zh-CN" sz="1600" dirty="0">
+                <a:cs typeface="Times New Roman" panose="02020603050405020304" pitchFamily="18" charset="0"/>
+              </a:rPr>
+              <a:t>Const-acc model</a:t>
+            </a:r>
+            <a:endParaRPr lang="zh-CN" altLang="en-US" sz="1600" dirty="0">
+              <a:cs typeface="Times New Roman" panose="02020603050405020304" pitchFamily="18" charset="0"/>
+            </a:endParaRPr>
+          </a:p>
+        </p:txBody>
+      </p:sp>
+      <p:sp>
+        <p:nvSpPr>
+          <p:cNvPr id="33" name="文本框 9">
+            <a:extLst>
+              <a:ext uri="{FF2B5EF4-FFF2-40B4-BE49-F238E27FC236}">
+                <a16:creationId xmlns:a16="http://schemas.microsoft.com/office/drawing/2014/main" id="{7969EDAD-695A-87FE-DC9A-469BDCC098A5}"/>
+              </a:ext>
+            </a:extLst>
+          </p:cNvPr>
+          <p:cNvSpPr txBox="1"/>
+          <p:nvPr/>
+        </p:nvSpPr>
+        <p:spPr>
+          <a:xfrm>
+            <a:off x="850704" y="41408"/>
+            <a:ext cx="3177921" cy="338554"/>
+          </a:xfrm>
+          <a:prstGeom prst="rect">
+            <a:avLst/>
+          </a:prstGeom>
+          <a:noFill/>
+          <a:ln>
+            <a:noFill/>
+          </a:ln>
+        </p:spPr>
+        <p:txBody>
+          <a:bodyPr wrap="none" rtlCol="0">
+            <a:spAutoFit/>
+          </a:bodyPr>
+          <a:lstStyle/>
+          <a:p>
+            <a:r>
+              <a:rPr lang="en-US" altLang="zh-CN" sz="1600" dirty="0">
+                <a:cs typeface="Times New Roman" panose="02020603050405020304" pitchFamily="18" charset="0"/>
+              </a:rPr>
+              <a:t>Dwell time vs. feed rate: PVT model</a:t>
+            </a:r>
+            <a:endParaRPr lang="zh-CN" altLang="en-US" sz="1600" dirty="0">
+              <a:cs typeface="Times New Roman" panose="02020603050405020304" pitchFamily="18" charset="0"/>
+            </a:endParaRPr>
+          </a:p>
+        </p:txBody>
+      </p:sp>
+      <p:sp>
+        <p:nvSpPr>
+          <p:cNvPr id="34" name="文本框 9">
+            <a:extLst>
+              <a:ext uri="{FF2B5EF4-FFF2-40B4-BE49-F238E27FC236}">
+                <a16:creationId xmlns:a16="http://schemas.microsoft.com/office/drawing/2014/main" id="{793DC9ED-4A9A-F49C-0E04-1142564F4907}"/>
+              </a:ext>
+            </a:extLst>
+          </p:cNvPr>
+          <p:cNvSpPr txBox="1"/>
+          <p:nvPr/>
+        </p:nvSpPr>
+        <p:spPr>
+          <a:xfrm>
+            <a:off x="5089963" y="15279"/>
+            <a:ext cx="3689600" cy="338554"/>
+          </a:xfrm>
+          <a:prstGeom prst="rect">
+            <a:avLst/>
+          </a:prstGeom>
+          <a:noFill/>
+          <a:ln>
+            <a:noFill/>
+          </a:ln>
+        </p:spPr>
+        <p:txBody>
+          <a:bodyPr wrap="none" rtlCol="0">
+            <a:spAutoFit/>
+          </a:bodyPr>
+          <a:lstStyle/>
+          <a:p>
+            <a:r>
+              <a:rPr lang="en-US" altLang="zh-CN" sz="1600" dirty="0">
+                <a:cs typeface="Times New Roman" panose="02020603050405020304" pitchFamily="18" charset="0"/>
+              </a:rPr>
+              <a:t>Dwell time vs. feed rate: Const-acc model</a:t>
+            </a:r>
+            <a:endParaRPr lang="zh-CN" altLang="en-US" sz="1600" dirty="0">
+              <a:cs typeface="Times New Roman" panose="02020603050405020304" pitchFamily="18" charset="0"/>
+            </a:endParaRPr>
+          </a:p>
+        </p:txBody>
+      </p:sp>
+      <p:pic>
+        <p:nvPicPr>
+          <p:cNvPr id="43" name="图片 42">
+            <a:extLst>
+              <a:ext uri="{FF2B5EF4-FFF2-40B4-BE49-F238E27FC236}">
+                <a16:creationId xmlns:a16="http://schemas.microsoft.com/office/drawing/2014/main" id="{54706A00-9D45-77C3-7D9C-1FC7071D651A}"/>
+              </a:ext>
+            </a:extLst>
+          </p:cNvPr>
+          <p:cNvPicPr>
+            <a:picLocks noChangeAspect="1"/>
+          </p:cNvPicPr>
+          <p:nvPr/>
+        </p:nvPicPr>
+        <p:blipFill rotWithShape="1">
+          <a:blip r:embed="rId5"/>
+          <a:srcRect l="11254" r="7946"/>
+          <a:stretch/>
+        </p:blipFill>
+        <p:spPr>
+          <a:xfrm>
+            <a:off x="468413" y="353833"/>
+            <a:ext cx="3848100" cy="1619250"/>
+          </a:xfrm>
+          <a:prstGeom prst="rect">
+            <a:avLst/>
+          </a:prstGeom>
+        </p:spPr>
+      </p:pic>
+      <p:pic>
+        <p:nvPicPr>
+          <p:cNvPr id="45" name="图片 44">
+            <a:extLst>
+              <a:ext uri="{FF2B5EF4-FFF2-40B4-BE49-F238E27FC236}">
+                <a16:creationId xmlns:a16="http://schemas.microsoft.com/office/drawing/2014/main" id="{312BEFFA-CF44-1604-1610-749C5B0F5CB2}"/>
+              </a:ext>
+            </a:extLst>
+          </p:cNvPr>
+          <p:cNvPicPr>
+            <a:picLocks noChangeAspect="1"/>
+          </p:cNvPicPr>
+          <p:nvPr/>
+        </p:nvPicPr>
+        <p:blipFill rotWithShape="1">
+          <a:blip r:embed="rId6"/>
+          <a:srcRect l="10950" r="7373"/>
+          <a:stretch/>
+        </p:blipFill>
+        <p:spPr>
+          <a:xfrm>
+            <a:off x="4857594" y="310035"/>
+            <a:ext cx="3889855" cy="1619250"/>
+          </a:xfrm>
+          <a:prstGeom prst="rect">
+            <a:avLst/>
+          </a:prstGeom>
+        </p:spPr>
+      </p:pic>
+      <p:pic>
+        <p:nvPicPr>
+          <p:cNvPr id="63" name="图片 62">
+            <a:extLst>
+              <a:ext uri="{FF2B5EF4-FFF2-40B4-BE49-F238E27FC236}">
+                <a16:creationId xmlns:a16="http://schemas.microsoft.com/office/drawing/2014/main" id="{F9291D4F-8C4C-098B-B673-79FD96ACDBCA}"/>
+              </a:ext>
+            </a:extLst>
+          </p:cNvPr>
+          <p:cNvPicPr>
+            <a:picLocks noChangeAspect="1"/>
+          </p:cNvPicPr>
+          <p:nvPr/>
+        </p:nvPicPr>
+        <p:blipFill rotWithShape="1">
+          <a:blip r:embed="rId7"/>
+          <a:srcRect l="11174" t="6022" r="7186" b="7682"/>
+          <a:stretch/>
+        </p:blipFill>
+        <p:spPr>
+          <a:xfrm>
+            <a:off x="2860563" y="2289449"/>
+            <a:ext cx="3421527" cy="2959100"/>
+          </a:xfrm>
+          <a:prstGeom prst="rect">
+            <a:avLst/>
+          </a:prstGeom>
+        </p:spPr>
+      </p:pic>
+      <p:sp>
+        <p:nvSpPr>
+          <p:cNvPr id="66" name="矩形 65">
+            <a:extLst>
+              <a:ext uri="{FF2B5EF4-FFF2-40B4-BE49-F238E27FC236}">
+                <a16:creationId xmlns:a16="http://schemas.microsoft.com/office/drawing/2014/main" id="{5EDD0ECF-A978-F017-263D-A08A15AE949A}"/>
+              </a:ext>
+            </a:extLst>
+          </p:cNvPr>
+          <p:cNvSpPr/>
+          <p:nvPr/>
+        </p:nvSpPr>
+        <p:spPr>
+          <a:xfrm>
+            <a:off x="1201063" y="3753007"/>
+            <a:ext cx="406400" cy="163782"/>
+          </a:xfrm>
+          <a:prstGeom prst="rect">
+            <a:avLst/>
+          </a:prstGeom>
+          <a:noFill/>
+          <a:ln w="38100">
+            <a:solidFill>
+              <a:schemeClr val="tx1"/>
+            </a:solidFill>
+          </a:ln>
+        </p:spPr>
+        <p:style>
+          <a:lnRef idx="2">
+            <a:schemeClr val="accent1">
+              <a:shade val="50000"/>
+            </a:schemeClr>
+          </a:lnRef>
+          <a:fillRef idx="1">
+            <a:schemeClr val="accent1"/>
+          </a:fillRef>
+          <a:effectRef idx="0">
+            <a:schemeClr val="accent1"/>
+          </a:effectRef>
+          <a:fontRef idx="minor">
+            <a:schemeClr val="lt1"/>
+          </a:fontRef>
+        </p:style>
+        <p:txBody>
+          <a:bodyPr rtlCol="0" anchor="ctr"/>
+          <a:lstStyle/>
+          <a:p>
+            <a:pPr algn="ctr"/>
+            <a:endParaRPr lang="zh-CN" altLang="en-US"/>
+          </a:p>
+        </p:txBody>
+      </p:sp>
+      <p:sp>
+        <p:nvSpPr>
+          <p:cNvPr id="67" name="矩形 66">
+            <a:extLst>
+              <a:ext uri="{FF2B5EF4-FFF2-40B4-BE49-F238E27FC236}">
+                <a16:creationId xmlns:a16="http://schemas.microsoft.com/office/drawing/2014/main" id="{2B8AB981-6BB6-2351-A3BC-99E1A62D61DC}"/>
+              </a:ext>
+            </a:extLst>
+          </p:cNvPr>
+          <p:cNvSpPr/>
+          <p:nvPr/>
+        </p:nvSpPr>
+        <p:spPr>
+          <a:xfrm>
+            <a:off x="7473209" y="3742363"/>
+            <a:ext cx="406400" cy="163782"/>
+          </a:xfrm>
+          <a:prstGeom prst="rect">
+            <a:avLst/>
+          </a:prstGeom>
+          <a:noFill/>
+          <a:ln w="38100">
+            <a:solidFill>
+              <a:schemeClr val="tx1"/>
+            </a:solidFill>
+          </a:ln>
+        </p:spPr>
+        <p:style>
+          <a:lnRef idx="2">
+            <a:schemeClr val="accent1">
+              <a:shade val="50000"/>
+            </a:schemeClr>
+          </a:lnRef>
+          <a:fillRef idx="1">
+            <a:schemeClr val="accent1"/>
+          </a:fillRef>
+          <a:effectRef idx="0">
+            <a:schemeClr val="accent1"/>
+          </a:effectRef>
+          <a:fontRef idx="minor">
+            <a:schemeClr val="lt1"/>
+          </a:fontRef>
+        </p:style>
+        <p:txBody>
+          <a:bodyPr rtlCol="0" anchor="ctr"/>
+          <a:lstStyle/>
+          <a:p>
+            <a:pPr algn="ctr"/>
+            <a:endParaRPr lang="zh-CN" altLang="en-US"/>
+          </a:p>
+        </p:txBody>
+      </p:sp>
+      <p:cxnSp>
+        <p:nvCxnSpPr>
+          <p:cNvPr id="90" name="直接箭头连接符 89">
+            <a:extLst>
+              <a:ext uri="{FF2B5EF4-FFF2-40B4-BE49-F238E27FC236}">
+                <a16:creationId xmlns:a16="http://schemas.microsoft.com/office/drawing/2014/main" id="{A48307CC-F9C1-7880-9C06-05D543BE0C62}"/>
+              </a:ext>
+            </a:extLst>
+          </p:cNvPr>
+          <p:cNvCxnSpPr>
+            <a:cxnSpLocks/>
+          </p:cNvCxnSpPr>
+          <p:nvPr/>
+        </p:nvCxnSpPr>
+        <p:spPr>
+          <a:xfrm flipH="1" flipV="1">
+            <a:off x="6241002" y="3383339"/>
+            <a:ext cx="1225898" cy="434033"/>
+          </a:xfrm>
+          <a:prstGeom prst="straightConnector1">
+            <a:avLst/>
+          </a:prstGeom>
+          <a:ln>
+            <a:solidFill>
+              <a:schemeClr val="tx1"/>
+            </a:solidFill>
+            <a:tailEnd type="triangle"/>
+          </a:ln>
+        </p:spPr>
+        <p:style>
+          <a:lnRef idx="1">
+            <a:schemeClr val="accent1"/>
+          </a:lnRef>
+          <a:fillRef idx="0">
+            <a:schemeClr val="accent1"/>
+          </a:fillRef>
+          <a:effectRef idx="0">
+            <a:schemeClr val="accent1"/>
+          </a:effectRef>
+          <a:fontRef idx="minor">
+            <a:schemeClr val="tx1"/>
+          </a:fontRef>
+        </p:style>
+      </p:cxnSp>
+      <p:cxnSp>
+        <p:nvCxnSpPr>
+          <p:cNvPr id="72" name="直接箭头连接符 71">
+            <a:extLst>
+              <a:ext uri="{FF2B5EF4-FFF2-40B4-BE49-F238E27FC236}">
+                <a16:creationId xmlns:a16="http://schemas.microsoft.com/office/drawing/2014/main" id="{CBD06524-CB18-061C-B503-3F09C51C33FE}"/>
+              </a:ext>
+            </a:extLst>
+          </p:cNvPr>
+          <p:cNvCxnSpPr>
+            <a:cxnSpLocks/>
+          </p:cNvCxnSpPr>
+          <p:nvPr/>
+        </p:nvCxnSpPr>
+        <p:spPr>
+          <a:xfrm flipH="1">
+            <a:off x="6143844" y="3824255"/>
+            <a:ext cx="1323056" cy="2307805"/>
+          </a:xfrm>
+          <a:prstGeom prst="straightConnector1">
+            <a:avLst/>
+          </a:prstGeom>
+          <a:ln>
+            <a:solidFill>
+              <a:schemeClr val="tx1"/>
+            </a:solidFill>
+            <a:tailEnd type="triangle"/>
+          </a:ln>
+        </p:spPr>
+        <p:style>
+          <a:lnRef idx="1">
+            <a:schemeClr val="accent1"/>
+          </a:lnRef>
+          <a:fillRef idx="0">
+            <a:schemeClr val="accent1"/>
+          </a:fillRef>
+          <a:effectRef idx="0">
+            <a:schemeClr val="accent1"/>
+          </a:effectRef>
+          <a:fontRef idx="minor">
+            <a:schemeClr val="tx1"/>
+          </a:fontRef>
+        </p:style>
+      </p:cxnSp>
+      <p:cxnSp>
+        <p:nvCxnSpPr>
+          <p:cNvPr id="76" name="直接箭头连接符 75">
+            <a:extLst>
+              <a:ext uri="{FF2B5EF4-FFF2-40B4-BE49-F238E27FC236}">
+                <a16:creationId xmlns:a16="http://schemas.microsoft.com/office/drawing/2014/main" id="{A1DE3F38-415E-5765-C89A-3A293049BC43}"/>
+              </a:ext>
+            </a:extLst>
+          </p:cNvPr>
+          <p:cNvCxnSpPr>
+            <a:cxnSpLocks/>
+            <a:stCxn id="66" idx="3"/>
+          </p:cNvCxnSpPr>
+          <p:nvPr/>
+        </p:nvCxnSpPr>
+        <p:spPr>
+          <a:xfrm flipV="1">
+            <a:off x="1607464" y="2687350"/>
+            <a:ext cx="1298297" cy="1147548"/>
+          </a:xfrm>
+          <a:prstGeom prst="straightConnector1">
+            <a:avLst/>
+          </a:prstGeom>
+          <a:ln>
+            <a:solidFill>
+              <a:schemeClr val="tx1"/>
+            </a:solidFill>
+            <a:tailEnd type="triangle"/>
+          </a:ln>
+        </p:spPr>
+        <p:style>
+          <a:lnRef idx="1">
+            <a:schemeClr val="accent1"/>
+          </a:lnRef>
+          <a:fillRef idx="0">
+            <a:schemeClr val="accent1"/>
+          </a:fillRef>
+          <a:effectRef idx="0">
+            <a:schemeClr val="accent1"/>
+          </a:effectRef>
+          <a:fontRef idx="minor">
+            <a:schemeClr val="tx1"/>
+          </a:fontRef>
+        </p:style>
+      </p:cxnSp>
+      <p:cxnSp>
+        <p:nvCxnSpPr>
+          <p:cNvPr id="81" name="直接箭头连接符 80">
+            <a:extLst>
+              <a:ext uri="{FF2B5EF4-FFF2-40B4-BE49-F238E27FC236}">
+                <a16:creationId xmlns:a16="http://schemas.microsoft.com/office/drawing/2014/main" id="{44B02605-D8ED-C9BA-D421-B57317D1FA48}"/>
+              </a:ext>
+            </a:extLst>
+          </p:cNvPr>
+          <p:cNvCxnSpPr>
+            <a:cxnSpLocks/>
+            <a:stCxn id="66" idx="3"/>
+          </p:cNvCxnSpPr>
+          <p:nvPr/>
+        </p:nvCxnSpPr>
+        <p:spPr>
+          <a:xfrm>
+            <a:off x="1607464" y="3834898"/>
+            <a:ext cx="1572851" cy="1866876"/>
+          </a:xfrm>
+          <a:prstGeom prst="straightConnector1">
+            <a:avLst/>
+          </a:prstGeom>
+          <a:ln>
+            <a:solidFill>
+              <a:schemeClr val="tx1"/>
+            </a:solidFill>
+            <a:tailEnd type="triangle"/>
+          </a:ln>
+        </p:spPr>
+        <p:style>
+          <a:lnRef idx="1">
+            <a:schemeClr val="accent1"/>
+          </a:lnRef>
+          <a:fillRef idx="0">
+            <a:schemeClr val="accent1"/>
+          </a:fillRef>
+          <a:effectRef idx="0">
+            <a:schemeClr val="accent1"/>
+          </a:effectRef>
+          <a:fontRef idx="minor">
+            <a:schemeClr val="tx1"/>
+          </a:fontRef>
+        </p:style>
+      </p:cxnSp>
+      <p:sp>
+        <p:nvSpPr>
+          <p:cNvPr id="97" name="文本框 9">
+            <a:extLst>
+              <a:ext uri="{FF2B5EF4-FFF2-40B4-BE49-F238E27FC236}">
+                <a16:creationId xmlns:a16="http://schemas.microsoft.com/office/drawing/2014/main" id="{4AE73165-8F14-5D7E-8532-12F22BC7220B}"/>
+              </a:ext>
+            </a:extLst>
+          </p:cNvPr>
+          <p:cNvSpPr txBox="1"/>
+          <p:nvPr/>
+        </p:nvSpPr>
+        <p:spPr>
+          <a:xfrm>
+            <a:off x="3311111" y="1950895"/>
+            <a:ext cx="3054682" cy="338554"/>
+          </a:xfrm>
+          <a:prstGeom prst="rect">
+            <a:avLst/>
+          </a:prstGeom>
+          <a:noFill/>
+          <a:ln>
+            <a:noFill/>
+          </a:ln>
+        </p:spPr>
+        <p:txBody>
+          <a:bodyPr wrap="none" rtlCol="0">
+            <a:spAutoFit/>
+          </a:bodyPr>
+          <a:lstStyle/>
+          <a:p>
+            <a:r>
+              <a:rPr lang="en-US" altLang="zh-CN" sz="1600" dirty="0">
+                <a:cs typeface="Times New Roman" panose="02020603050405020304" pitchFamily="18" charset="0"/>
+              </a:rPr>
+              <a:t>Comparison in federate simulation</a:t>
+            </a:r>
+            <a:endParaRPr lang="zh-CN" altLang="en-US" sz="1600" dirty="0">
+              <a:cs typeface="Times New Roman" panose="02020603050405020304" pitchFamily="18" charset="0"/>
+            </a:endParaRPr>
+          </a:p>
+        </p:txBody>
+      </p:sp>
+      <p:sp>
+        <p:nvSpPr>
+          <p:cNvPr id="98" name="文本框 9">
+            <a:extLst>
+              <a:ext uri="{FF2B5EF4-FFF2-40B4-BE49-F238E27FC236}">
+                <a16:creationId xmlns:a16="http://schemas.microsoft.com/office/drawing/2014/main" id="{22D45F73-DC81-A8FB-DC87-9EE891856D15}"/>
+              </a:ext>
+            </a:extLst>
+          </p:cNvPr>
+          <p:cNvSpPr txBox="1"/>
+          <p:nvPr/>
+        </p:nvSpPr>
+        <p:spPr>
+          <a:xfrm>
+            <a:off x="3526941" y="5238924"/>
+            <a:ext cx="2451569" cy="338554"/>
+          </a:xfrm>
+          <a:prstGeom prst="rect">
+            <a:avLst/>
+          </a:prstGeom>
+          <a:noFill/>
+          <a:ln>
+            <a:noFill/>
+          </a:ln>
+        </p:spPr>
+        <p:txBody>
+          <a:bodyPr wrap="none" rtlCol="0">
+            <a:spAutoFit/>
+          </a:bodyPr>
+          <a:lstStyle/>
+          <a:p>
+            <a:r>
+              <a:rPr lang="en-US" altLang="zh-CN" sz="1600" dirty="0">
+                <a:cs typeface="Times New Roman" panose="02020603050405020304" pitchFamily="18" charset="0"/>
+              </a:rPr>
+              <a:t>Comparison in acceleration</a:t>
+            </a:r>
+            <a:endParaRPr lang="zh-CN" altLang="en-US" sz="1600" dirty="0">
+              <a:cs typeface="Times New Roman" panose="02020603050405020304" pitchFamily="18" charset="0"/>
+            </a:endParaRPr>
+          </a:p>
+        </p:txBody>
+      </p:sp>
+      <p:sp>
+        <p:nvSpPr>
+          <p:cNvPr id="124" name="文本框 9">
+            <a:extLst>
+              <a:ext uri="{FF2B5EF4-FFF2-40B4-BE49-F238E27FC236}">
+                <a16:creationId xmlns:a16="http://schemas.microsoft.com/office/drawing/2014/main" id="{C2ECEF38-EE6B-8236-255D-588CA4F53AC8}"/>
+              </a:ext>
+            </a:extLst>
+          </p:cNvPr>
+          <p:cNvSpPr txBox="1"/>
+          <p:nvPr/>
+        </p:nvSpPr>
+        <p:spPr>
+          <a:xfrm>
+            <a:off x="2881229" y="1936597"/>
+            <a:ext cx="365806" cy="300210"/>
+          </a:xfrm>
+          <a:prstGeom prst="rect">
+            <a:avLst/>
+          </a:prstGeom>
+          <a:noFill/>
+        </p:spPr>
+        <p:txBody>
+          <a:bodyPr wrap="none" rtlCol="0">
+            <a:spAutoFit/>
+          </a:bodyPr>
+          <a:lstStyle/>
+          <a:p>
+            <a:r>
+              <a:rPr lang="en-US" altLang="zh-CN" b="1" dirty="0">
+                <a:cs typeface="Times New Roman" panose="02020603050405020304" pitchFamily="18" charset="0"/>
+              </a:rPr>
+              <a:t>(c)</a:t>
+            </a:r>
+            <a:endParaRPr lang="zh-CN" altLang="en-US" b="1" dirty="0">
+              <a:cs typeface="Times New Roman" panose="02020603050405020304" pitchFamily="18" charset="0"/>
+            </a:endParaRPr>
+          </a:p>
+        </p:txBody>
+      </p:sp>
+      <p:sp>
+        <p:nvSpPr>
+          <p:cNvPr id="125" name="文本框 9">
+            <a:extLst>
+              <a:ext uri="{FF2B5EF4-FFF2-40B4-BE49-F238E27FC236}">
+                <a16:creationId xmlns:a16="http://schemas.microsoft.com/office/drawing/2014/main" id="{A232E7E3-2927-56DD-CC20-275F6526803A}"/>
+              </a:ext>
+            </a:extLst>
+          </p:cNvPr>
+          <p:cNvSpPr txBox="1"/>
+          <p:nvPr/>
+        </p:nvSpPr>
+        <p:spPr>
+          <a:xfrm>
+            <a:off x="3107884" y="5238925"/>
+            <a:ext cx="386644" cy="300210"/>
+          </a:xfrm>
+          <a:prstGeom prst="rect">
+            <a:avLst/>
+          </a:prstGeom>
+          <a:noFill/>
+        </p:spPr>
+        <p:txBody>
+          <a:bodyPr wrap="none" rtlCol="0">
+            <a:spAutoFit/>
+          </a:bodyPr>
+          <a:lstStyle/>
+          <a:p>
+            <a:r>
+              <a:rPr lang="en-US" altLang="zh-CN" b="1" dirty="0">
+                <a:cs typeface="Times New Roman" panose="02020603050405020304" pitchFamily="18" charset="0"/>
+              </a:rPr>
+              <a:t>(d)</a:t>
+            </a:r>
+            <a:endParaRPr lang="zh-CN" altLang="en-US" b="1" dirty="0">
+              <a:cs typeface="Times New Roman" panose="02020603050405020304" pitchFamily="18" charset="0"/>
+            </a:endParaRPr>
+          </a:p>
+        </p:txBody>
+      </p:sp>
+      <p:sp>
+        <p:nvSpPr>
+          <p:cNvPr id="127" name="文本框 126">
+            <a:extLst>
+              <a:ext uri="{FF2B5EF4-FFF2-40B4-BE49-F238E27FC236}">
+                <a16:creationId xmlns:a16="http://schemas.microsoft.com/office/drawing/2014/main" id="{BDD5B53C-EFB8-5498-6584-72BF7D1F1956}"/>
+              </a:ext>
+            </a:extLst>
+          </p:cNvPr>
+          <p:cNvSpPr txBox="1"/>
+          <p:nvPr/>
+        </p:nvSpPr>
+        <p:spPr>
+          <a:xfrm>
+            <a:off x="1938816" y="1742885"/>
+            <a:ext cx="940030" cy="307777"/>
+          </a:xfrm>
+          <a:prstGeom prst="rect">
+            <a:avLst/>
+          </a:prstGeom>
+          <a:noFill/>
+        </p:spPr>
+        <p:txBody>
+          <a:bodyPr wrap="square">
+            <a:spAutoFit/>
+          </a:bodyPr>
+          <a:lstStyle/>
+          <a:p>
+            <a:r>
+              <a:rPr lang="en-US" altLang="zh-CN" sz="1400" dirty="0">
+                <a:cs typeface="Times New Roman" panose="02020603050405020304" pitchFamily="18" charset="0"/>
+              </a:rPr>
+              <a:t>X-axis</a:t>
+            </a:r>
+            <a:endParaRPr lang="zh-CN" altLang="en-US" sz="1400" dirty="0"/>
+          </a:p>
+        </p:txBody>
+      </p:sp>
+      <p:sp>
+        <p:nvSpPr>
+          <p:cNvPr id="128" name="文本框 127">
+            <a:extLst>
+              <a:ext uri="{FF2B5EF4-FFF2-40B4-BE49-F238E27FC236}">
+                <a16:creationId xmlns:a16="http://schemas.microsoft.com/office/drawing/2014/main" id="{E572B0B3-AA5B-F285-E780-58D3E94AAFE2}"/>
+              </a:ext>
+            </a:extLst>
+          </p:cNvPr>
+          <p:cNvSpPr txBox="1"/>
+          <p:nvPr/>
+        </p:nvSpPr>
+        <p:spPr>
+          <a:xfrm>
+            <a:off x="6411047" y="1703973"/>
+            <a:ext cx="940030" cy="307777"/>
+          </a:xfrm>
+          <a:prstGeom prst="rect">
+            <a:avLst/>
+          </a:prstGeom>
+          <a:noFill/>
+        </p:spPr>
+        <p:txBody>
+          <a:bodyPr wrap="square">
+            <a:spAutoFit/>
+          </a:bodyPr>
+          <a:lstStyle/>
+          <a:p>
+            <a:r>
+              <a:rPr lang="en-US" altLang="zh-CN" sz="1400" dirty="0">
+                <a:cs typeface="Times New Roman" panose="02020603050405020304" pitchFamily="18" charset="0"/>
+              </a:rPr>
+              <a:t>X-axis</a:t>
+            </a:r>
+            <a:endParaRPr lang="zh-CN" altLang="en-US" sz="1400" dirty="0"/>
+          </a:p>
+        </p:txBody>
+      </p:sp>
+      <p:sp>
+        <p:nvSpPr>
+          <p:cNvPr id="129" name="文本框 128">
+            <a:extLst>
+              <a:ext uri="{FF2B5EF4-FFF2-40B4-BE49-F238E27FC236}">
+                <a16:creationId xmlns:a16="http://schemas.microsoft.com/office/drawing/2014/main" id="{D45E7BED-672A-A430-D5C9-C90649511A72}"/>
+              </a:ext>
+            </a:extLst>
+          </p:cNvPr>
+          <p:cNvSpPr txBox="1"/>
+          <p:nvPr/>
+        </p:nvSpPr>
+        <p:spPr>
+          <a:xfrm>
+            <a:off x="4170691" y="5060355"/>
+            <a:ext cx="940030" cy="307777"/>
+          </a:xfrm>
+          <a:prstGeom prst="rect">
+            <a:avLst/>
+          </a:prstGeom>
+          <a:noFill/>
+        </p:spPr>
+        <p:txBody>
+          <a:bodyPr wrap="square">
+            <a:spAutoFit/>
+          </a:bodyPr>
+          <a:lstStyle/>
+          <a:p>
+            <a:r>
+              <a:rPr lang="en-US" altLang="zh-CN" sz="1400" dirty="0">
+                <a:cs typeface="Times New Roman" panose="02020603050405020304" pitchFamily="18" charset="0"/>
+              </a:rPr>
+              <a:t>X-axis</a:t>
+            </a:r>
+            <a:endParaRPr lang="zh-CN" altLang="en-US" sz="1400" dirty="0"/>
+          </a:p>
+        </p:txBody>
+      </p:sp>
+      <p:sp>
+        <p:nvSpPr>
+          <p:cNvPr id="130" name="文本框 129">
+            <a:extLst>
+              <a:ext uri="{FF2B5EF4-FFF2-40B4-BE49-F238E27FC236}">
+                <a16:creationId xmlns:a16="http://schemas.microsoft.com/office/drawing/2014/main" id="{09B36FD3-BC21-3DF4-F4BE-D5C10EBB635C}"/>
+              </a:ext>
+            </a:extLst>
+          </p:cNvPr>
+          <p:cNvSpPr txBox="1"/>
+          <p:nvPr/>
+        </p:nvSpPr>
+        <p:spPr>
+          <a:xfrm>
+            <a:off x="4170692" y="6942827"/>
+            <a:ext cx="785763" cy="307777"/>
+          </a:xfrm>
+          <a:prstGeom prst="rect">
+            <a:avLst/>
+          </a:prstGeom>
+          <a:noFill/>
+        </p:spPr>
+        <p:txBody>
+          <a:bodyPr wrap="square">
+            <a:spAutoFit/>
+          </a:bodyPr>
+          <a:lstStyle/>
+          <a:p>
+            <a:r>
+              <a:rPr lang="en-US" altLang="zh-CN" sz="1400" dirty="0">
+                <a:cs typeface="Times New Roman" panose="02020603050405020304" pitchFamily="18" charset="0"/>
+              </a:rPr>
+              <a:t>X-axis</a:t>
+            </a:r>
+            <a:endParaRPr lang="zh-CN" altLang="en-US" sz="1400" dirty="0"/>
+          </a:p>
+        </p:txBody>
+      </p:sp>
+      <p:sp>
+        <p:nvSpPr>
+          <p:cNvPr id="140" name="矩形 139">
+            <a:extLst>
+              <a:ext uri="{FF2B5EF4-FFF2-40B4-BE49-F238E27FC236}">
+                <a16:creationId xmlns:a16="http://schemas.microsoft.com/office/drawing/2014/main" id="{2D70B716-5698-674D-5961-C26E61AC7AA8}"/>
+              </a:ext>
+            </a:extLst>
+          </p:cNvPr>
+          <p:cNvSpPr/>
+          <p:nvPr/>
+        </p:nvSpPr>
+        <p:spPr>
+          <a:xfrm>
+            <a:off x="8672162" y="1538873"/>
+            <a:ext cx="75286" cy="45719"/>
+          </a:xfrm>
+          <a:prstGeom prst="rect">
+            <a:avLst/>
+          </a:prstGeom>
+        </p:spPr>
+        <p:style>
+          <a:lnRef idx="2">
+            <a:schemeClr val="accent1">
+              <a:shade val="50000"/>
+            </a:schemeClr>
+          </a:lnRef>
+          <a:fillRef idx="1">
+            <a:schemeClr val="accent1"/>
+          </a:fillRef>
+          <a:effectRef idx="0">
+            <a:schemeClr val="accent1"/>
+          </a:effectRef>
+          <a:fontRef idx="minor">
+            <a:schemeClr val="lt1"/>
+          </a:fontRef>
+        </p:style>
+        <p:txBody>
+          <a:bodyPr rtlCol="0" anchor="ctr"/>
+          <a:lstStyle/>
+          <a:p>
+            <a:pPr algn="ctr"/>
+            <a:endParaRPr lang="zh-CN" altLang="en-US"/>
+          </a:p>
+        </p:txBody>
+      </p:sp>
+      <p:sp>
+        <p:nvSpPr>
+          <p:cNvPr id="141" name="矩形 140">
+            <a:extLst>
+              <a:ext uri="{FF2B5EF4-FFF2-40B4-BE49-F238E27FC236}">
+                <a16:creationId xmlns:a16="http://schemas.microsoft.com/office/drawing/2014/main" id="{E9A82402-8150-D8E7-BD60-157F57807844}"/>
+              </a:ext>
+            </a:extLst>
+          </p:cNvPr>
+          <p:cNvSpPr/>
+          <p:nvPr/>
+        </p:nvSpPr>
+        <p:spPr>
+          <a:xfrm>
+            <a:off x="8564212" y="3799473"/>
+            <a:ext cx="75286" cy="45719"/>
+          </a:xfrm>
+          <a:prstGeom prst="rect">
+            <a:avLst/>
+          </a:prstGeom>
+        </p:spPr>
+        <p:style>
+          <a:lnRef idx="2">
+            <a:schemeClr val="accent1">
+              <a:shade val="50000"/>
+            </a:schemeClr>
+          </a:lnRef>
+          <a:fillRef idx="1">
+            <a:schemeClr val="accent1"/>
+          </a:fillRef>
+          <a:effectRef idx="0">
+            <a:schemeClr val="accent1"/>
+          </a:effectRef>
+          <a:fontRef idx="minor">
+            <a:schemeClr val="lt1"/>
+          </a:fontRef>
+        </p:style>
+        <p:txBody>
+          <a:bodyPr rtlCol="0" anchor="ctr"/>
+          <a:lstStyle/>
+          <a:p>
+            <a:pPr algn="ctr"/>
+            <a:endParaRPr lang="zh-CN" altLang="en-US"/>
+          </a:p>
+        </p:txBody>
+      </p:sp>
+      <p:cxnSp>
+        <p:nvCxnSpPr>
+          <p:cNvPr id="143" name="连接符: 肘形 142">
+            <a:extLst>
+              <a:ext uri="{FF2B5EF4-FFF2-40B4-BE49-F238E27FC236}">
+                <a16:creationId xmlns:a16="http://schemas.microsoft.com/office/drawing/2014/main" id="{F20D0338-55C9-1AA5-8904-F2A3D2462CC4}"/>
+              </a:ext>
+            </a:extLst>
+          </p:cNvPr>
+          <p:cNvCxnSpPr>
+            <a:stCxn id="141" idx="3"/>
+            <a:endCxn id="140" idx="3"/>
+          </p:cNvCxnSpPr>
+          <p:nvPr/>
+        </p:nvCxnSpPr>
+        <p:spPr>
+          <a:xfrm flipV="1">
+            <a:off x="8639498" y="1561732"/>
+            <a:ext cx="107950" cy="2260600"/>
+          </a:xfrm>
+          <a:prstGeom prst="bentConnector3">
+            <a:avLst>
+              <a:gd name="adj1" fmla="val 311765"/>
+            </a:avLst>
+          </a:prstGeom>
+          <a:ln>
+            <a:solidFill>
+              <a:srgbClr val="0000CC"/>
+            </a:solidFill>
+            <a:tailEnd type="triangle"/>
+          </a:ln>
+        </p:spPr>
+        <p:style>
+          <a:lnRef idx="1">
+            <a:schemeClr val="accent1"/>
+          </a:lnRef>
+          <a:fillRef idx="0">
+            <a:schemeClr val="accent1"/>
+          </a:fillRef>
+          <a:effectRef idx="0">
+            <a:schemeClr val="accent1"/>
+          </a:effectRef>
+          <a:fontRef idx="minor">
+            <a:schemeClr val="tx1"/>
+          </a:fontRef>
+        </p:style>
+      </p:cxnSp>
+      <p:sp>
+        <p:nvSpPr>
+          <p:cNvPr id="144" name="矩形 143">
+            <a:extLst>
+              <a:ext uri="{FF2B5EF4-FFF2-40B4-BE49-F238E27FC236}">
+                <a16:creationId xmlns:a16="http://schemas.microsoft.com/office/drawing/2014/main" id="{95C614AC-53EA-694B-3DE5-AA2286EE0329}"/>
+              </a:ext>
+            </a:extLst>
+          </p:cNvPr>
+          <p:cNvSpPr/>
+          <p:nvPr/>
+        </p:nvSpPr>
+        <p:spPr>
+          <a:xfrm>
+            <a:off x="477487" y="3818523"/>
+            <a:ext cx="75286" cy="45719"/>
+          </a:xfrm>
+          <a:prstGeom prst="rect">
+            <a:avLst/>
+          </a:prstGeom>
+        </p:spPr>
+        <p:style>
+          <a:lnRef idx="2">
+            <a:schemeClr val="accent1">
+              <a:shade val="50000"/>
+            </a:schemeClr>
+          </a:lnRef>
+          <a:fillRef idx="1">
+            <a:schemeClr val="accent1"/>
+          </a:fillRef>
+          <a:effectRef idx="0">
+            <a:schemeClr val="accent1"/>
+          </a:effectRef>
+          <a:fontRef idx="minor">
+            <a:schemeClr val="lt1"/>
+          </a:fontRef>
+        </p:style>
+        <p:txBody>
+          <a:bodyPr rtlCol="0" anchor="ctr"/>
+          <a:lstStyle/>
+          <a:p>
+            <a:pPr algn="ctr"/>
+            <a:endParaRPr lang="zh-CN" altLang="en-US"/>
+          </a:p>
+        </p:txBody>
+      </p:sp>
+      <p:sp>
+        <p:nvSpPr>
+          <p:cNvPr id="145" name="矩形 144">
+            <a:extLst>
+              <a:ext uri="{FF2B5EF4-FFF2-40B4-BE49-F238E27FC236}">
+                <a16:creationId xmlns:a16="http://schemas.microsoft.com/office/drawing/2014/main" id="{B41C33AE-8531-275D-F0D2-1C05183B2887}"/>
+              </a:ext>
+            </a:extLst>
+          </p:cNvPr>
+          <p:cNvSpPr/>
+          <p:nvPr/>
+        </p:nvSpPr>
+        <p:spPr>
+          <a:xfrm>
+            <a:off x="432402" y="1551573"/>
+            <a:ext cx="75286" cy="45719"/>
+          </a:xfrm>
+          <a:prstGeom prst="rect">
+            <a:avLst/>
+          </a:prstGeom>
+        </p:spPr>
+        <p:style>
+          <a:lnRef idx="2">
+            <a:schemeClr val="accent1">
+              <a:shade val="50000"/>
+            </a:schemeClr>
+          </a:lnRef>
+          <a:fillRef idx="1">
+            <a:schemeClr val="accent1"/>
+          </a:fillRef>
+          <a:effectRef idx="0">
+            <a:schemeClr val="accent1"/>
+          </a:effectRef>
+          <a:fontRef idx="minor">
+            <a:schemeClr val="lt1"/>
+          </a:fontRef>
+        </p:style>
+        <p:txBody>
+          <a:bodyPr rtlCol="0" anchor="ctr"/>
+          <a:lstStyle/>
+          <a:p>
+            <a:pPr algn="ctr"/>
+            <a:endParaRPr lang="zh-CN" altLang="en-US"/>
+          </a:p>
+        </p:txBody>
+      </p:sp>
+      <p:cxnSp>
+        <p:nvCxnSpPr>
+          <p:cNvPr id="147" name="连接符: 肘形 146">
+            <a:extLst>
+              <a:ext uri="{FF2B5EF4-FFF2-40B4-BE49-F238E27FC236}">
+                <a16:creationId xmlns:a16="http://schemas.microsoft.com/office/drawing/2014/main" id="{12D1A489-2708-94AB-FDA1-ED3A3CE9A83C}"/>
+              </a:ext>
+            </a:extLst>
+          </p:cNvPr>
+          <p:cNvCxnSpPr>
+            <a:stCxn id="144" idx="1"/>
+            <a:endCxn id="145" idx="1"/>
+          </p:cNvCxnSpPr>
+          <p:nvPr/>
+        </p:nvCxnSpPr>
+        <p:spPr>
+          <a:xfrm rot="10800000">
+            <a:off x="432404" y="1574432"/>
+            <a:ext cx="45085" cy="2266950"/>
+          </a:xfrm>
+          <a:prstGeom prst="bentConnector3">
+            <a:avLst>
+              <a:gd name="adj1" fmla="val 607042"/>
+            </a:avLst>
+          </a:prstGeom>
+          <a:ln>
+            <a:solidFill>
+              <a:srgbClr val="FF0000"/>
+            </a:solidFill>
+            <a:tailEnd type="triangle"/>
+          </a:ln>
+        </p:spPr>
+        <p:style>
+          <a:lnRef idx="1">
+            <a:schemeClr val="accent1"/>
+          </a:lnRef>
+          <a:fillRef idx="0">
+            <a:schemeClr val="accent1"/>
+          </a:fillRef>
+          <a:effectRef idx="0">
+            <a:schemeClr val="accent1"/>
+          </a:effectRef>
+          <a:fontRef idx="minor">
+            <a:schemeClr val="tx1"/>
+          </a:fontRef>
+        </p:style>
+      </p:cxnSp>
+      <p:sp>
+        <p:nvSpPr>
+          <p:cNvPr id="148" name="文本框 147">
+            <a:extLst>
+              <a:ext uri="{FF2B5EF4-FFF2-40B4-BE49-F238E27FC236}">
+                <a16:creationId xmlns:a16="http://schemas.microsoft.com/office/drawing/2014/main" id="{83A43030-8C8A-19DA-75AB-B891C6AEB04C}"/>
+              </a:ext>
+            </a:extLst>
+          </p:cNvPr>
+          <p:cNvSpPr txBox="1"/>
+          <p:nvPr/>
+        </p:nvSpPr>
+        <p:spPr>
+          <a:xfrm rot="16200000">
+            <a:off x="-193650" y="837534"/>
+            <a:ext cx="1094900" cy="307777"/>
+          </a:xfrm>
+          <a:prstGeom prst="rect">
+            <a:avLst/>
+          </a:prstGeom>
+          <a:noFill/>
+        </p:spPr>
+        <p:txBody>
+          <a:bodyPr wrap="square">
+            <a:spAutoFit/>
+          </a:bodyPr>
+          <a:lstStyle/>
+          <a:p>
+            <a:r>
+              <a:rPr lang="en-US" altLang="zh-CN" sz="1400" dirty="0">
+                <a:solidFill>
+                  <a:schemeClr val="accent6">
+                    <a:lumMod val="50000"/>
+                  </a:schemeClr>
+                </a:solidFill>
+                <a:cs typeface="Times New Roman" panose="02020603050405020304" pitchFamily="18" charset="0"/>
+              </a:rPr>
+              <a:t>Dwell time</a:t>
+            </a:r>
+            <a:endParaRPr lang="zh-CN" altLang="en-US" sz="1400" dirty="0">
+              <a:solidFill>
+                <a:schemeClr val="accent6">
+                  <a:lumMod val="50000"/>
+                </a:schemeClr>
+              </a:solidFill>
+            </a:endParaRPr>
+          </a:p>
+        </p:txBody>
+      </p:sp>
+      <p:sp>
+        <p:nvSpPr>
+          <p:cNvPr id="149" name="文本框 148">
+            <a:extLst>
+              <a:ext uri="{FF2B5EF4-FFF2-40B4-BE49-F238E27FC236}">
+                <a16:creationId xmlns:a16="http://schemas.microsoft.com/office/drawing/2014/main" id="{A97D12CE-4C92-57E1-7508-C683E5F552A9}"/>
+              </a:ext>
+            </a:extLst>
+          </p:cNvPr>
+          <p:cNvSpPr txBox="1"/>
+          <p:nvPr/>
+        </p:nvSpPr>
+        <p:spPr>
+          <a:xfrm rot="16200000">
+            <a:off x="4236381" y="837533"/>
+            <a:ext cx="1094900" cy="307777"/>
+          </a:xfrm>
+          <a:prstGeom prst="rect">
+            <a:avLst/>
+          </a:prstGeom>
+          <a:noFill/>
+        </p:spPr>
+        <p:txBody>
+          <a:bodyPr wrap="square">
+            <a:spAutoFit/>
+          </a:bodyPr>
+          <a:lstStyle/>
+          <a:p>
+            <a:r>
+              <a:rPr lang="en-US" altLang="zh-CN" sz="1400" dirty="0">
+                <a:solidFill>
+                  <a:schemeClr val="accent6">
+                    <a:lumMod val="50000"/>
+                  </a:schemeClr>
+                </a:solidFill>
+                <a:cs typeface="Times New Roman" panose="02020603050405020304" pitchFamily="18" charset="0"/>
+              </a:rPr>
+              <a:t>Dwell time</a:t>
+            </a:r>
+            <a:endParaRPr lang="zh-CN" altLang="en-US" sz="1400" dirty="0">
+              <a:solidFill>
+                <a:schemeClr val="accent6">
+                  <a:lumMod val="50000"/>
+                </a:schemeClr>
+              </a:solidFill>
+            </a:endParaRPr>
+          </a:p>
+        </p:txBody>
+      </p:sp>
+      <p:sp>
+        <p:nvSpPr>
+          <p:cNvPr id="150" name="文本框 149">
+            <a:extLst>
+              <a:ext uri="{FF2B5EF4-FFF2-40B4-BE49-F238E27FC236}">
+                <a16:creationId xmlns:a16="http://schemas.microsoft.com/office/drawing/2014/main" id="{8277EA62-5538-F2AD-C99E-6B7182961391}"/>
+              </a:ext>
+            </a:extLst>
+          </p:cNvPr>
+          <p:cNvSpPr txBox="1"/>
+          <p:nvPr/>
+        </p:nvSpPr>
+        <p:spPr>
+          <a:xfrm rot="16200000">
+            <a:off x="3890347" y="927964"/>
+            <a:ext cx="957145" cy="307777"/>
+          </a:xfrm>
+          <a:prstGeom prst="rect">
+            <a:avLst/>
+          </a:prstGeom>
+          <a:noFill/>
+        </p:spPr>
+        <p:txBody>
+          <a:bodyPr wrap="square">
+            <a:spAutoFit/>
+          </a:bodyPr>
+          <a:lstStyle/>
+          <a:p>
+            <a:r>
+              <a:rPr lang="en-US" altLang="zh-CN" sz="1400" dirty="0">
+                <a:solidFill>
+                  <a:schemeClr val="accent4">
+                    <a:lumMod val="75000"/>
+                  </a:schemeClr>
+                </a:solidFill>
+                <a:cs typeface="Times New Roman" panose="02020603050405020304" pitchFamily="18" charset="0"/>
+              </a:rPr>
+              <a:t>Feed rate</a:t>
+            </a:r>
+            <a:endParaRPr lang="zh-CN" altLang="en-US" sz="1400" dirty="0">
+              <a:solidFill>
+                <a:schemeClr val="accent4">
+                  <a:lumMod val="75000"/>
+                </a:schemeClr>
+              </a:solidFill>
+            </a:endParaRPr>
+          </a:p>
+        </p:txBody>
+      </p:sp>
+      <p:sp>
+        <p:nvSpPr>
+          <p:cNvPr id="151" name="文本框 150">
+            <a:extLst>
+              <a:ext uri="{FF2B5EF4-FFF2-40B4-BE49-F238E27FC236}">
+                <a16:creationId xmlns:a16="http://schemas.microsoft.com/office/drawing/2014/main" id="{FF8D2161-50A6-47B1-FAC5-3891AC888982}"/>
+              </a:ext>
+            </a:extLst>
+          </p:cNvPr>
+          <p:cNvSpPr txBox="1"/>
+          <p:nvPr/>
+        </p:nvSpPr>
+        <p:spPr>
+          <a:xfrm rot="16200000">
+            <a:off x="8284934" y="850890"/>
+            <a:ext cx="957145" cy="307777"/>
+          </a:xfrm>
+          <a:prstGeom prst="rect">
+            <a:avLst/>
+          </a:prstGeom>
+          <a:noFill/>
+        </p:spPr>
+        <p:txBody>
+          <a:bodyPr wrap="square">
+            <a:spAutoFit/>
+          </a:bodyPr>
+          <a:lstStyle/>
+          <a:p>
+            <a:r>
+              <a:rPr lang="en-US" altLang="zh-CN" sz="1400" dirty="0">
+                <a:solidFill>
+                  <a:schemeClr val="accent4">
+                    <a:lumMod val="75000"/>
+                  </a:schemeClr>
+                </a:solidFill>
+                <a:cs typeface="Times New Roman" panose="02020603050405020304" pitchFamily="18" charset="0"/>
+              </a:rPr>
+              <a:t>Feed rate</a:t>
+            </a:r>
+            <a:endParaRPr lang="zh-CN" altLang="en-US" sz="1400" dirty="0">
+              <a:solidFill>
+                <a:schemeClr val="accent4">
+                  <a:lumMod val="75000"/>
+                </a:schemeClr>
+              </a:solidFill>
+            </a:endParaRPr>
+          </a:p>
+        </p:txBody>
+      </p:sp>
+      <p:sp>
+        <p:nvSpPr>
+          <p:cNvPr id="152" name="文本框 151">
+            <a:extLst>
+              <a:ext uri="{FF2B5EF4-FFF2-40B4-BE49-F238E27FC236}">
+                <a16:creationId xmlns:a16="http://schemas.microsoft.com/office/drawing/2014/main" id="{C5E528C5-0AA1-F051-9BE7-470DFE051742}"/>
+              </a:ext>
+            </a:extLst>
+          </p:cNvPr>
+          <p:cNvSpPr txBox="1"/>
+          <p:nvPr/>
+        </p:nvSpPr>
+        <p:spPr>
+          <a:xfrm rot="16200000">
+            <a:off x="2309409" y="3540061"/>
+            <a:ext cx="940030" cy="307777"/>
+          </a:xfrm>
+          <a:prstGeom prst="rect">
+            <a:avLst/>
+          </a:prstGeom>
+          <a:noFill/>
+        </p:spPr>
+        <p:txBody>
+          <a:bodyPr wrap="square">
+            <a:spAutoFit/>
+          </a:bodyPr>
+          <a:lstStyle/>
+          <a:p>
+            <a:r>
+              <a:rPr lang="en-US" altLang="zh-CN" sz="1400" dirty="0">
+                <a:cs typeface="Times New Roman" panose="02020603050405020304" pitchFamily="18" charset="0"/>
+              </a:rPr>
+              <a:t>Feed rate</a:t>
+            </a:r>
+            <a:endParaRPr lang="zh-CN" altLang="en-US" sz="1400" dirty="0"/>
+          </a:p>
+        </p:txBody>
+      </p:sp>
+      <p:sp>
+        <p:nvSpPr>
+          <p:cNvPr id="153" name="文本框 152">
+            <a:extLst>
+              <a:ext uri="{FF2B5EF4-FFF2-40B4-BE49-F238E27FC236}">
+                <a16:creationId xmlns:a16="http://schemas.microsoft.com/office/drawing/2014/main" id="{4A98E36C-EE53-61B7-7D27-3FA239C4D758}"/>
+              </a:ext>
+            </a:extLst>
+          </p:cNvPr>
+          <p:cNvSpPr txBox="1"/>
+          <p:nvPr/>
+        </p:nvSpPr>
+        <p:spPr>
+          <a:xfrm rot="16200000">
+            <a:off x="2212653" y="6063767"/>
+            <a:ext cx="1031760" cy="307777"/>
+          </a:xfrm>
+          <a:prstGeom prst="rect">
+            <a:avLst/>
+          </a:prstGeom>
+          <a:noFill/>
+        </p:spPr>
+        <p:txBody>
+          <a:bodyPr wrap="square">
+            <a:spAutoFit/>
+          </a:bodyPr>
+          <a:lstStyle/>
+          <a:p>
+            <a:r>
+              <a:rPr lang="en-US" altLang="zh-CN" sz="1400" dirty="0">
+                <a:cs typeface="Times New Roman" panose="02020603050405020304" pitchFamily="18" charset="0"/>
+              </a:rPr>
+              <a:t>Accelerate</a:t>
+            </a:r>
+            <a:endParaRPr lang="zh-CN" altLang="en-US" sz="1400" dirty="0"/>
+          </a:p>
+        </p:txBody>
+      </p:sp>
+    </p:spTree>
+    <p:extLst>
+      <p:ext uri="{BB962C8B-B14F-4D97-AF65-F5344CB8AC3E}">
+        <p14:creationId xmlns:p14="http://schemas.microsoft.com/office/powerpoint/2010/main" val="1833310224"/>
+      </p:ext>
+    </p:extLst>
+  </p:cSld>
+  <p:clrMapOvr>
+    <a:masterClrMapping/>
+  </p:clrMapOvr>
+</p:sld>
+</file>
+
+<file path=ppt/slides/slide3.xml><?xml version="1.0" encoding="utf-8"?>
+<p:sld xmlns:a="http://schemas.openxmlformats.org/drawingml/2006/main" xmlns:r="http://schemas.openxmlformats.org/officeDocument/2006/relationships" xmlns:p="http://schemas.openxmlformats.org/presentationml/2006/main">
+  <p:cSld>
+    <p:spTree>
+      <p:nvGrpSpPr>
+        <p:cNvPr id="1" name=""/>
+        <p:cNvGrpSpPr/>
+        <p:nvPr/>
+      </p:nvGrpSpPr>
+      <p:grpSpPr>
+        <a:xfrm>
+          <a:off x="0" y="0"/>
+          <a:ext cx="0" cy="0"/>
+          <a:chOff x="0" y="0"/>
+          <a:chExt cx="0" cy="0"/>
+        </a:xfrm>
+      </p:grpSpPr>
+      <p:pic>
+        <p:nvPicPr>
           <p:cNvPr id="3" name="图片 2">
             <a:extLst>
               <a:ext uri="{FF2B5EF4-FFF2-40B4-BE49-F238E27FC236}">
@@ -2995,7 +6893,7 @@
         </p:blipFill>
         <p:spPr>
           <a:xfrm>
-            <a:off x="2244436" y="3006435"/>
+            <a:off x="136237" y="2400010"/>
             <a:ext cx="3532909" cy="2092038"/>
           </a:xfrm>
           <a:prstGeom prst="rect">
@@ -3024,7 +6922,7 @@
         </p:blipFill>
         <p:spPr>
           <a:xfrm>
-            <a:off x="6660356" y="3006435"/>
+            <a:off x="4552157" y="2400011"/>
             <a:ext cx="3675135" cy="2092037"/>
           </a:xfrm>
           <a:prstGeom prst="rect">
@@ -3046,7 +6944,7 @@
         </p:nvSpPr>
         <p:spPr>
           <a:xfrm>
-            <a:off x="2209026" y="5028501"/>
+            <a:off x="100826" y="4422076"/>
             <a:ext cx="441146" cy="338554"/>
           </a:xfrm>
           <a:prstGeom prst="rect">
@@ -3077,8 +6975,8 @@
           </a:p>
         </p:txBody>
       </p:sp>
-      <mc:AlternateContent xmlns:mc="http://schemas.openxmlformats.org/markup-compatibility/2006" xmlns:a14="http://schemas.microsoft.com/office/drawing/2010/main">
-        <mc:Choice Requires="a14">
+      <mc:AlternateContent xmlns:mc="http://schemas.openxmlformats.org/markup-compatibility/2006">
+        <mc:Choice xmlns:a14="http://schemas.microsoft.com/office/drawing/2010/main" Requires="a14">
           <p:sp>
             <p:nvSpPr>
               <p:cNvPr id="7" name="文本框 6">
@@ -3093,8 +6991,8 @@
             </p:nvSpPr>
             <p:spPr>
               <a:xfrm>
-                <a:off x="2272146" y="5297083"/>
-                <a:ext cx="306109" cy="276999"/>
+                <a:off x="163946" y="4690659"/>
+                <a:ext cx="228396" cy="207877"/>
               </a:xfrm>
               <a:prstGeom prst="rect">
                 <a:avLst/>
@@ -3117,20 +7015,14 @@
                       <m:sSub>
                         <m:sSubPr>
                           <m:ctrlPr>
-                            <a:rPr lang="en-US" altLang="zh-CN" b="1" i="1" smtClean="0">
-                              <a:solidFill>
-                                <a:schemeClr val="tx1"/>
-                              </a:solidFill>
+                            <a:rPr lang="en-US" altLang="zh-CN" b="1" i="1">
                               <a:latin typeface="Cambria Math" panose="02040503050406030204" pitchFamily="18" charset="0"/>
                             </a:rPr>
                           </m:ctrlPr>
                         </m:sSubPr>
                         <m:e>
                           <m:r>
-                            <a:rPr lang="en-US" altLang="zh-CN" b="1" i="1" smtClean="0">
-                              <a:solidFill>
-                                <a:schemeClr val="tx1"/>
-                              </a:solidFill>
+                            <a:rPr lang="en-US" altLang="zh-CN" b="1" i="1">
                               <a:latin typeface="Cambria Math" panose="02040503050406030204" pitchFamily="18" charset="0"/>
                             </a:rPr>
                             <m:t>𝒑</m:t>
@@ -3138,10 +7030,7 @@
                         </m:e>
                         <m:sub>
                           <m:r>
-                            <a:rPr lang="en-US" altLang="zh-CN" b="1" i="1" smtClean="0">
-                              <a:solidFill>
-                                <a:schemeClr val="tx1"/>
-                              </a:solidFill>
+                            <a:rPr lang="en-US" altLang="zh-CN" b="1" i="1">
                               <a:latin typeface="Cambria Math" panose="02040503050406030204" pitchFamily="18" charset="0"/>
                             </a:rPr>
                             <m:t>𝟎</m:t>
@@ -3151,16 +7040,12 @@
                     </m:oMath>
                   </m:oMathPara>
                 </a14:m>
-                <a:endParaRPr lang="zh-CN" altLang="en-US" b="1" dirty="0">
-                  <a:solidFill>
-                    <a:schemeClr val="tx1"/>
-                  </a:solidFill>
-                </a:endParaRPr>
+                <a:endParaRPr lang="zh-CN" altLang="en-US" b="1" dirty="0"/>
               </a:p>
             </p:txBody>
           </p:sp>
         </mc:Choice>
-        <mc:Fallback xmlns="">
+        <mc:Fallback>
           <p:sp>
             <p:nvSpPr>
               <p:cNvPr id="7" name="文本框 6">
@@ -3177,8 +7062,8 @@
             </p:nvSpPr>
             <p:spPr>
               <a:xfrm>
-                <a:off x="2272146" y="5297083"/>
-                <a:ext cx="306109" cy="276999"/>
+                <a:off x="163946" y="4690659"/>
+                <a:ext cx="228396" cy="207877"/>
               </a:xfrm>
               <a:prstGeom prst="rect">
                 <a:avLst/>
@@ -3186,7 +7071,7 @@
               <a:blipFill>
                 <a:blip r:embed="rId4"/>
                 <a:stretch>
-                  <a:fillRect l="-20000" r="-10000" b="-26667"/>
+                  <a:fillRect l="-37838" r="-37838" b="-62857"/>
                 </a:stretch>
               </a:blipFill>
             </p:spPr>
@@ -3205,8 +7090,8 @@
           </p:sp>
         </mc:Fallback>
       </mc:AlternateContent>
-      <mc:AlternateContent xmlns:mc="http://schemas.openxmlformats.org/markup-compatibility/2006" xmlns:a14="http://schemas.microsoft.com/office/drawing/2010/main">
-        <mc:Choice Requires="a14">
+      <mc:AlternateContent xmlns:mc="http://schemas.openxmlformats.org/markup-compatibility/2006">
+        <mc:Choice xmlns:a14="http://schemas.microsoft.com/office/drawing/2010/main" Requires="a14">
           <p:sp>
             <p:nvSpPr>
               <p:cNvPr id="8" name="文本框 7">
@@ -3221,8 +7106,8 @@
             </p:nvSpPr>
             <p:spPr>
               <a:xfrm>
-                <a:off x="3061856" y="5297083"/>
-                <a:ext cx="306109" cy="276999"/>
+                <a:off x="953656" y="4690659"/>
+                <a:ext cx="228396" cy="207877"/>
               </a:xfrm>
               <a:prstGeom prst="rect">
                 <a:avLst/>
@@ -3245,20 +7130,14 @@
                       <m:sSub>
                         <m:sSubPr>
                           <m:ctrlPr>
-                            <a:rPr lang="en-US" altLang="zh-CN" b="1" i="1" smtClean="0">
-                              <a:solidFill>
-                                <a:schemeClr val="tx1"/>
-                              </a:solidFill>
+                            <a:rPr lang="en-US" altLang="zh-CN" b="1" i="1">
                               <a:latin typeface="Cambria Math" panose="02040503050406030204" pitchFamily="18" charset="0"/>
                             </a:rPr>
                           </m:ctrlPr>
                         </m:sSubPr>
                         <m:e>
                           <m:r>
-                            <a:rPr lang="en-US" altLang="zh-CN" b="1" i="1" smtClean="0">
-                              <a:solidFill>
-                                <a:schemeClr val="tx1"/>
-                              </a:solidFill>
+                            <a:rPr lang="en-US" altLang="zh-CN" b="1" i="1">
                               <a:latin typeface="Cambria Math" panose="02040503050406030204" pitchFamily="18" charset="0"/>
                             </a:rPr>
                             <m:t>𝒑</m:t>
@@ -3266,10 +7145,7 @@
                         </m:e>
                         <m:sub>
                           <m:r>
-                            <a:rPr lang="en-US" altLang="zh-CN" b="1" i="1" smtClean="0">
-                              <a:solidFill>
-                                <a:schemeClr val="tx1"/>
-                              </a:solidFill>
+                            <a:rPr lang="en-US" altLang="zh-CN" b="1" i="1">
                               <a:latin typeface="Cambria Math" panose="02040503050406030204" pitchFamily="18" charset="0"/>
                             </a:rPr>
                             <m:t>𝟏</m:t>
@@ -3279,16 +7155,12 @@
                     </m:oMath>
                   </m:oMathPara>
                 </a14:m>
-                <a:endParaRPr lang="zh-CN" altLang="en-US" b="1" dirty="0">
-                  <a:solidFill>
-                    <a:schemeClr val="tx1"/>
-                  </a:solidFill>
-                </a:endParaRPr>
+                <a:endParaRPr lang="zh-CN" altLang="en-US" b="1" dirty="0"/>
               </a:p>
             </p:txBody>
           </p:sp>
         </mc:Choice>
-        <mc:Fallback xmlns="">
+        <mc:Fallback>
           <p:sp>
             <p:nvSpPr>
               <p:cNvPr id="8" name="文本框 7">
@@ -3305,8 +7177,8 @@
             </p:nvSpPr>
             <p:spPr>
               <a:xfrm>
-                <a:off x="3061856" y="5297083"/>
-                <a:ext cx="306109" cy="276999"/>
+                <a:off x="953656" y="4690659"/>
+                <a:ext cx="228396" cy="207877"/>
               </a:xfrm>
               <a:prstGeom prst="rect">
                 <a:avLst/>
@@ -3314,7 +7186,7 @@
               <a:blipFill>
                 <a:blip r:embed="rId5"/>
                 <a:stretch>
-                  <a:fillRect l="-20000" r="-10000" b="-26667"/>
+                  <a:fillRect l="-36842" r="-34211" b="-62857"/>
                 </a:stretch>
               </a:blipFill>
             </p:spPr>
@@ -3333,8 +7205,8 @@
           </p:sp>
         </mc:Fallback>
       </mc:AlternateContent>
-      <mc:AlternateContent xmlns:mc="http://schemas.openxmlformats.org/markup-compatibility/2006" xmlns:a14="http://schemas.microsoft.com/office/drawing/2010/main">
-        <mc:Choice Requires="a14">
+      <mc:AlternateContent xmlns:mc="http://schemas.openxmlformats.org/markup-compatibility/2006">
+        <mc:Choice xmlns:a14="http://schemas.microsoft.com/office/drawing/2010/main" Requires="a14">
           <p:sp>
             <p:nvSpPr>
               <p:cNvPr id="9" name="文本框 8">
@@ -3349,8 +7221,8 @@
             </p:nvSpPr>
             <p:spPr>
               <a:xfrm>
-                <a:off x="4281055" y="5297083"/>
-                <a:ext cx="306109" cy="276999"/>
+                <a:off x="2172855" y="4690659"/>
+                <a:ext cx="228396" cy="207877"/>
               </a:xfrm>
               <a:prstGeom prst="rect">
                 <a:avLst/>
@@ -3373,20 +7245,14 @@
                       <m:sSub>
                         <m:sSubPr>
                           <m:ctrlPr>
-                            <a:rPr lang="en-US" altLang="zh-CN" b="1" i="1" smtClean="0">
-                              <a:solidFill>
-                                <a:schemeClr val="tx1"/>
-                              </a:solidFill>
+                            <a:rPr lang="en-US" altLang="zh-CN" b="1" i="1">
                               <a:latin typeface="Cambria Math" panose="02040503050406030204" pitchFamily="18" charset="0"/>
                             </a:rPr>
                           </m:ctrlPr>
                         </m:sSubPr>
                         <m:e>
                           <m:r>
-                            <a:rPr lang="en-US" altLang="zh-CN" b="1" i="1" smtClean="0">
-                              <a:solidFill>
-                                <a:schemeClr val="tx1"/>
-                              </a:solidFill>
+                            <a:rPr lang="en-US" altLang="zh-CN" b="1" i="1">
                               <a:latin typeface="Cambria Math" panose="02040503050406030204" pitchFamily="18" charset="0"/>
                             </a:rPr>
                             <m:t>𝒑</m:t>
@@ -3394,10 +7260,7 @@
                         </m:e>
                         <m:sub>
                           <m:r>
-                            <a:rPr lang="en-US" altLang="zh-CN" b="1" i="1" smtClean="0">
-                              <a:solidFill>
-                                <a:schemeClr val="tx1"/>
-                              </a:solidFill>
+                            <a:rPr lang="en-US" altLang="zh-CN" b="1" i="1">
                               <a:latin typeface="Cambria Math" panose="02040503050406030204" pitchFamily="18" charset="0"/>
                             </a:rPr>
                             <m:t>𝟐</m:t>
@@ -3407,16 +7270,12 @@
                     </m:oMath>
                   </m:oMathPara>
                 </a14:m>
-                <a:endParaRPr lang="zh-CN" altLang="en-US" b="1" dirty="0">
-                  <a:solidFill>
-                    <a:schemeClr val="tx1"/>
-                  </a:solidFill>
-                </a:endParaRPr>
+                <a:endParaRPr lang="zh-CN" altLang="en-US" b="1" dirty="0"/>
               </a:p>
             </p:txBody>
           </p:sp>
         </mc:Choice>
-        <mc:Fallback xmlns="">
+        <mc:Fallback>
           <p:sp>
             <p:nvSpPr>
               <p:cNvPr id="9" name="文本框 8">
@@ -3433,8 +7292,8 @@
             </p:nvSpPr>
             <p:spPr>
               <a:xfrm>
-                <a:off x="4281055" y="5297083"/>
-                <a:ext cx="306109" cy="276999"/>
+                <a:off x="2172855" y="4690659"/>
+                <a:ext cx="228396" cy="207877"/>
               </a:xfrm>
               <a:prstGeom prst="rect">
                 <a:avLst/>
@@ -3442,7 +7301,7 @@
               <a:blipFill>
                 <a:blip r:embed="rId6"/>
                 <a:stretch>
-                  <a:fillRect l="-20000" r="-10000" b="-26667"/>
+                  <a:fillRect l="-36842" r="-34211" b="-62857"/>
                 </a:stretch>
               </a:blipFill>
             </p:spPr>
@@ -3461,8 +7320,8 @@
           </p:sp>
         </mc:Fallback>
       </mc:AlternateContent>
-      <mc:AlternateContent xmlns:mc="http://schemas.openxmlformats.org/markup-compatibility/2006" xmlns:a14="http://schemas.microsoft.com/office/drawing/2010/main">
-        <mc:Choice Requires="a14">
+      <mc:AlternateContent xmlns:mc="http://schemas.openxmlformats.org/markup-compatibility/2006">
+        <mc:Choice xmlns:a14="http://schemas.microsoft.com/office/drawing/2010/main" Requires="a14">
           <p:sp>
             <p:nvSpPr>
               <p:cNvPr id="10" name="文本框 9">
@@ -3477,8 +7336,8 @@
             </p:nvSpPr>
             <p:spPr>
               <a:xfrm>
-                <a:off x="5498946" y="5297083"/>
-                <a:ext cx="306109" cy="276999"/>
+                <a:off x="3390746" y="4690659"/>
+                <a:ext cx="228396" cy="207877"/>
               </a:xfrm>
               <a:prstGeom prst="rect">
                 <a:avLst/>
@@ -3501,20 +7360,14 @@
                       <m:sSub>
                         <m:sSubPr>
                           <m:ctrlPr>
-                            <a:rPr lang="en-US" altLang="zh-CN" b="1" i="1" smtClean="0">
-                              <a:solidFill>
-                                <a:schemeClr val="tx1"/>
-                              </a:solidFill>
+                            <a:rPr lang="en-US" altLang="zh-CN" b="1" i="1">
                               <a:latin typeface="Cambria Math" panose="02040503050406030204" pitchFamily="18" charset="0"/>
                             </a:rPr>
                           </m:ctrlPr>
                         </m:sSubPr>
                         <m:e>
                           <m:r>
-                            <a:rPr lang="en-US" altLang="zh-CN" b="1" i="1" smtClean="0">
-                              <a:solidFill>
-                                <a:schemeClr val="tx1"/>
-                              </a:solidFill>
+                            <a:rPr lang="en-US" altLang="zh-CN" b="1" i="1">
                               <a:latin typeface="Cambria Math" panose="02040503050406030204" pitchFamily="18" charset="0"/>
                             </a:rPr>
                             <m:t>𝒑</m:t>
@@ -3522,10 +7375,7 @@
                         </m:e>
                         <m:sub>
                           <m:r>
-                            <a:rPr lang="en-US" altLang="zh-CN" b="1" i="1" smtClean="0">
-                              <a:solidFill>
-                                <a:schemeClr val="tx1"/>
-                              </a:solidFill>
+                            <a:rPr lang="en-US" altLang="zh-CN" b="1" i="1">
                               <a:latin typeface="Cambria Math" panose="02040503050406030204" pitchFamily="18" charset="0"/>
                             </a:rPr>
                             <m:t>𝟑</m:t>
@@ -3535,16 +7385,12 @@
                     </m:oMath>
                   </m:oMathPara>
                 </a14:m>
-                <a:endParaRPr lang="zh-CN" altLang="en-US" b="1" dirty="0">
-                  <a:solidFill>
-                    <a:schemeClr val="tx1"/>
-                  </a:solidFill>
-                </a:endParaRPr>
+                <a:endParaRPr lang="zh-CN" altLang="en-US" b="1" dirty="0"/>
               </a:p>
             </p:txBody>
           </p:sp>
         </mc:Choice>
-        <mc:Fallback xmlns="">
+        <mc:Fallback>
           <p:sp>
             <p:nvSpPr>
               <p:cNvPr id="10" name="文本框 9">
@@ -3561,8 +7407,8 @@
             </p:nvSpPr>
             <p:spPr>
               <a:xfrm>
-                <a:off x="5498946" y="5297083"/>
-                <a:ext cx="306109" cy="276999"/>
+                <a:off x="3390746" y="4690659"/>
+                <a:ext cx="228396" cy="207877"/>
               </a:xfrm>
               <a:prstGeom prst="rect">
                 <a:avLst/>
@@ -3570,7 +7416,7 @@
               <a:blipFill>
                 <a:blip r:embed="rId7"/>
                 <a:stretch>
-                  <a:fillRect l="-20000" r="-10000" b="-26667"/>
+                  <a:fillRect l="-36842" r="-34211" b="-62857"/>
                 </a:stretch>
               </a:blipFill>
             </p:spPr>
@@ -3603,7 +7449,7 @@
         </p:nvSpPr>
         <p:spPr>
           <a:xfrm>
-            <a:off x="2985566" y="5028501"/>
+            <a:off x="877366" y="4422076"/>
             <a:ext cx="441146" cy="338554"/>
           </a:xfrm>
           <a:prstGeom prst="rect">
@@ -3648,7 +7494,7 @@
         </p:nvSpPr>
         <p:spPr>
           <a:xfrm>
-            <a:off x="4185826" y="5028501"/>
+            <a:off x="2077626" y="4422076"/>
             <a:ext cx="441146" cy="338554"/>
           </a:xfrm>
           <a:prstGeom prst="rect">
@@ -3693,7 +7539,7 @@
         </p:nvSpPr>
         <p:spPr>
           <a:xfrm>
-            <a:off x="5455624" y="5028501"/>
+            <a:off x="3347424" y="4422076"/>
             <a:ext cx="441146" cy="338554"/>
           </a:xfrm>
           <a:prstGeom prst="rect">
@@ -3738,7 +7584,7 @@
         </p:nvSpPr>
         <p:spPr>
           <a:xfrm>
-            <a:off x="3366371" y="5614947"/>
+            <a:off x="1258172" y="5008522"/>
             <a:ext cx="819455" cy="338554"/>
           </a:xfrm>
           <a:prstGeom prst="rect">
@@ -3783,7 +7629,7 @@
         </p:nvSpPr>
         <p:spPr>
           <a:xfrm rot="16200000">
-            <a:off x="1300649" y="3665885"/>
+            <a:off x="-807551" y="3059460"/>
             <a:ext cx="957313" cy="338554"/>
           </a:xfrm>
           <a:prstGeom prst="rect">
@@ -3828,7 +7674,7 @@
         </p:nvSpPr>
         <p:spPr>
           <a:xfrm>
-            <a:off x="2004008" y="4229894"/>
+            <a:off x="-104192" y="3623469"/>
             <a:ext cx="287258" cy="338554"/>
           </a:xfrm>
           <a:prstGeom prst="rect">
@@ -3873,7 +7719,7 @@
         </p:nvSpPr>
         <p:spPr>
           <a:xfrm>
-            <a:off x="1952712" y="2935502"/>
+            <a:off x="-155488" y="2329077"/>
             <a:ext cx="389850" cy="338554"/>
           </a:xfrm>
           <a:prstGeom prst="rect">
@@ -3918,7 +7764,7 @@
         </p:nvSpPr>
         <p:spPr>
           <a:xfrm>
-            <a:off x="1952712" y="3582698"/>
+            <a:off x="-155488" y="2976273"/>
             <a:ext cx="389850" cy="338554"/>
           </a:xfrm>
           <a:prstGeom prst="rect">
@@ -3963,7 +7809,7 @@
         </p:nvSpPr>
         <p:spPr>
           <a:xfrm>
-            <a:off x="6614765" y="5028496"/>
+            <a:off x="4506565" y="4422071"/>
             <a:ext cx="441146" cy="338554"/>
           </a:xfrm>
           <a:prstGeom prst="rect">
@@ -3994,8 +7840,8 @@
           </a:p>
         </p:txBody>
       </p:sp>
-      <mc:AlternateContent xmlns:mc="http://schemas.openxmlformats.org/markup-compatibility/2006" xmlns:a14="http://schemas.microsoft.com/office/drawing/2010/main">
-        <mc:Choice Requires="a14">
+      <mc:AlternateContent xmlns:mc="http://schemas.openxmlformats.org/markup-compatibility/2006">
+        <mc:Choice xmlns:a14="http://schemas.microsoft.com/office/drawing/2010/main" Requires="a14">
           <p:sp>
             <p:nvSpPr>
               <p:cNvPr id="20" name="文本框 19">
@@ -4010,8 +7856,8 @@
             </p:nvSpPr>
             <p:spPr>
               <a:xfrm>
-                <a:off x="6677885" y="5297078"/>
-                <a:ext cx="306109" cy="276999"/>
+                <a:off x="4569685" y="4690654"/>
+                <a:ext cx="228396" cy="207877"/>
               </a:xfrm>
               <a:prstGeom prst="rect">
                 <a:avLst/>
@@ -4034,20 +7880,14 @@
                       <m:sSub>
                         <m:sSubPr>
                           <m:ctrlPr>
-                            <a:rPr lang="en-US" altLang="zh-CN" b="1" i="1" smtClean="0">
-                              <a:solidFill>
-                                <a:schemeClr val="tx1"/>
-                              </a:solidFill>
+                            <a:rPr lang="en-US" altLang="zh-CN" b="1" i="1">
                               <a:latin typeface="Cambria Math" panose="02040503050406030204" pitchFamily="18" charset="0"/>
                             </a:rPr>
                           </m:ctrlPr>
                         </m:sSubPr>
                         <m:e>
                           <m:r>
-                            <a:rPr lang="en-US" altLang="zh-CN" b="1" i="1" smtClean="0">
-                              <a:solidFill>
-                                <a:schemeClr val="tx1"/>
-                              </a:solidFill>
+                            <a:rPr lang="en-US" altLang="zh-CN" b="1" i="1">
                               <a:latin typeface="Cambria Math" panose="02040503050406030204" pitchFamily="18" charset="0"/>
                             </a:rPr>
                             <m:t>𝒑</m:t>
@@ -4055,10 +7895,7 @@
                         </m:e>
                         <m:sub>
                           <m:r>
-                            <a:rPr lang="en-US" altLang="zh-CN" b="1" i="1" smtClean="0">
-                              <a:solidFill>
-                                <a:schemeClr val="tx1"/>
-                              </a:solidFill>
+                            <a:rPr lang="en-US" altLang="zh-CN" b="1" i="1">
                               <a:latin typeface="Cambria Math" panose="02040503050406030204" pitchFamily="18" charset="0"/>
                             </a:rPr>
                             <m:t>𝟎</m:t>
@@ -4068,16 +7905,12 @@
                     </m:oMath>
                   </m:oMathPara>
                 </a14:m>
-                <a:endParaRPr lang="zh-CN" altLang="en-US" b="1" dirty="0">
-                  <a:solidFill>
-                    <a:schemeClr val="tx1"/>
-                  </a:solidFill>
-                </a:endParaRPr>
+                <a:endParaRPr lang="zh-CN" altLang="en-US" b="1" dirty="0"/>
               </a:p>
             </p:txBody>
           </p:sp>
         </mc:Choice>
-        <mc:Fallback xmlns="">
+        <mc:Fallback>
           <p:sp>
             <p:nvSpPr>
               <p:cNvPr id="20" name="文本框 19">
@@ -4094,8 +7927,8 @@
             </p:nvSpPr>
             <p:spPr>
               <a:xfrm>
-                <a:off x="6677885" y="5297078"/>
-                <a:ext cx="306109" cy="276999"/>
+                <a:off x="4569685" y="4690654"/>
+                <a:ext cx="228396" cy="207877"/>
               </a:xfrm>
               <a:prstGeom prst="rect">
                 <a:avLst/>
@@ -4103,7 +7936,7 @@
               <a:blipFill>
                 <a:blip r:embed="rId8"/>
                 <a:stretch>
-                  <a:fillRect l="-19608" r="-7843" b="-26667"/>
+                  <a:fillRect l="-37838" r="-37838" b="-62857"/>
                 </a:stretch>
               </a:blipFill>
             </p:spPr>
@@ -4122,8 +7955,8 @@
           </p:sp>
         </mc:Fallback>
       </mc:AlternateContent>
-      <mc:AlternateContent xmlns:mc="http://schemas.openxmlformats.org/markup-compatibility/2006" xmlns:a14="http://schemas.microsoft.com/office/drawing/2010/main">
-        <mc:Choice Requires="a14">
+      <mc:AlternateContent xmlns:mc="http://schemas.openxmlformats.org/markup-compatibility/2006">
+        <mc:Choice xmlns:a14="http://schemas.microsoft.com/office/drawing/2010/main" Requires="a14">
           <p:sp>
             <p:nvSpPr>
               <p:cNvPr id="21" name="文本框 20">
@@ -4138,8 +7971,8 @@
             </p:nvSpPr>
             <p:spPr>
               <a:xfrm>
-                <a:off x="7467595" y="5297078"/>
-                <a:ext cx="306109" cy="276999"/>
+                <a:off x="5359395" y="4690654"/>
+                <a:ext cx="228396" cy="207877"/>
               </a:xfrm>
               <a:prstGeom prst="rect">
                 <a:avLst/>
@@ -4162,20 +7995,14 @@
                       <m:sSub>
                         <m:sSubPr>
                           <m:ctrlPr>
-                            <a:rPr lang="en-US" altLang="zh-CN" b="1" i="1" smtClean="0">
-                              <a:solidFill>
-                                <a:schemeClr val="tx1"/>
-                              </a:solidFill>
+                            <a:rPr lang="en-US" altLang="zh-CN" b="1" i="1">
                               <a:latin typeface="Cambria Math" panose="02040503050406030204" pitchFamily="18" charset="0"/>
                             </a:rPr>
                           </m:ctrlPr>
                         </m:sSubPr>
                         <m:e>
                           <m:r>
-                            <a:rPr lang="en-US" altLang="zh-CN" b="1" i="1" smtClean="0">
-                              <a:solidFill>
-                                <a:schemeClr val="tx1"/>
-                              </a:solidFill>
+                            <a:rPr lang="en-US" altLang="zh-CN" b="1" i="1">
                               <a:latin typeface="Cambria Math" panose="02040503050406030204" pitchFamily="18" charset="0"/>
                             </a:rPr>
                             <m:t>𝒑</m:t>
@@ -4183,10 +8010,7 @@
                         </m:e>
                         <m:sub>
                           <m:r>
-                            <a:rPr lang="en-US" altLang="zh-CN" b="1" i="1" smtClean="0">
-                              <a:solidFill>
-                                <a:schemeClr val="tx1"/>
-                              </a:solidFill>
+                            <a:rPr lang="en-US" altLang="zh-CN" b="1" i="1">
                               <a:latin typeface="Cambria Math" panose="02040503050406030204" pitchFamily="18" charset="0"/>
                             </a:rPr>
                             <m:t>𝟏</m:t>
@@ -4196,16 +8020,12 @@
                     </m:oMath>
                   </m:oMathPara>
                 </a14:m>
-                <a:endParaRPr lang="zh-CN" altLang="en-US" b="1" dirty="0">
-                  <a:solidFill>
-                    <a:schemeClr val="tx1"/>
-                  </a:solidFill>
-                </a:endParaRPr>
+                <a:endParaRPr lang="zh-CN" altLang="en-US" b="1" dirty="0"/>
               </a:p>
             </p:txBody>
           </p:sp>
         </mc:Choice>
-        <mc:Fallback xmlns="">
+        <mc:Fallback>
           <p:sp>
             <p:nvSpPr>
               <p:cNvPr id="21" name="文本框 20">
@@ -4222,8 +8042,8 @@
             </p:nvSpPr>
             <p:spPr>
               <a:xfrm>
-                <a:off x="7467595" y="5297078"/>
-                <a:ext cx="306109" cy="276999"/>
+                <a:off x="5359395" y="4690654"/>
+                <a:ext cx="228396" cy="207877"/>
               </a:xfrm>
               <a:prstGeom prst="rect">
                 <a:avLst/>
@@ -4231,7 +8051,7 @@
               <a:blipFill>
                 <a:blip r:embed="rId9"/>
                 <a:stretch>
-                  <a:fillRect l="-20000" r="-10000" b="-26667"/>
+                  <a:fillRect l="-36842" r="-34211" b="-62857"/>
                 </a:stretch>
               </a:blipFill>
             </p:spPr>
@@ -4250,8 +8070,8 @@
           </p:sp>
         </mc:Fallback>
       </mc:AlternateContent>
-      <mc:AlternateContent xmlns:mc="http://schemas.openxmlformats.org/markup-compatibility/2006" xmlns:a14="http://schemas.microsoft.com/office/drawing/2010/main">
-        <mc:Choice Requires="a14">
+      <mc:AlternateContent xmlns:mc="http://schemas.openxmlformats.org/markup-compatibility/2006">
+        <mc:Choice xmlns:a14="http://schemas.microsoft.com/office/drawing/2010/main" Requires="a14">
           <p:sp>
             <p:nvSpPr>
               <p:cNvPr id="22" name="文本框 21">
@@ -4266,8 +8086,8 @@
             </p:nvSpPr>
             <p:spPr>
               <a:xfrm>
-                <a:off x="8686794" y="5297078"/>
-                <a:ext cx="306109" cy="276999"/>
+                <a:off x="6578594" y="4690654"/>
+                <a:ext cx="228396" cy="207877"/>
               </a:xfrm>
               <a:prstGeom prst="rect">
                 <a:avLst/>
@@ -4290,20 +8110,14 @@
                       <m:sSub>
                         <m:sSubPr>
                           <m:ctrlPr>
-                            <a:rPr lang="en-US" altLang="zh-CN" b="1" i="1" smtClean="0">
-                              <a:solidFill>
-                                <a:schemeClr val="tx1"/>
-                              </a:solidFill>
+                            <a:rPr lang="en-US" altLang="zh-CN" b="1" i="1">
                               <a:latin typeface="Cambria Math" panose="02040503050406030204" pitchFamily="18" charset="0"/>
                             </a:rPr>
                           </m:ctrlPr>
                         </m:sSubPr>
                         <m:e>
                           <m:r>
-                            <a:rPr lang="en-US" altLang="zh-CN" b="1" i="1" smtClean="0">
-                              <a:solidFill>
-                                <a:schemeClr val="tx1"/>
-                              </a:solidFill>
+                            <a:rPr lang="en-US" altLang="zh-CN" b="1" i="1">
                               <a:latin typeface="Cambria Math" panose="02040503050406030204" pitchFamily="18" charset="0"/>
                             </a:rPr>
                             <m:t>𝒑</m:t>
@@ -4311,10 +8125,7 @@
                         </m:e>
                         <m:sub>
                           <m:r>
-                            <a:rPr lang="en-US" altLang="zh-CN" b="1" i="1" smtClean="0">
-                              <a:solidFill>
-                                <a:schemeClr val="tx1"/>
-                              </a:solidFill>
+                            <a:rPr lang="en-US" altLang="zh-CN" b="1" i="1">
                               <a:latin typeface="Cambria Math" panose="02040503050406030204" pitchFamily="18" charset="0"/>
                             </a:rPr>
                             <m:t>𝟐</m:t>
@@ -4324,16 +8135,12 @@
                     </m:oMath>
                   </m:oMathPara>
                 </a14:m>
-                <a:endParaRPr lang="zh-CN" altLang="en-US" b="1" dirty="0">
-                  <a:solidFill>
-                    <a:schemeClr val="tx1"/>
-                  </a:solidFill>
-                </a:endParaRPr>
+                <a:endParaRPr lang="zh-CN" altLang="en-US" b="1" dirty="0"/>
               </a:p>
             </p:txBody>
           </p:sp>
         </mc:Choice>
-        <mc:Fallback xmlns="">
+        <mc:Fallback>
           <p:sp>
             <p:nvSpPr>
               <p:cNvPr id="22" name="文本框 21">
@@ -4350,8 +8157,8 @@
             </p:nvSpPr>
             <p:spPr>
               <a:xfrm>
-                <a:off x="8686794" y="5297078"/>
-                <a:ext cx="306109" cy="276999"/>
+                <a:off x="6578594" y="4690654"/>
+                <a:ext cx="228396" cy="207877"/>
               </a:xfrm>
               <a:prstGeom prst="rect">
                 <a:avLst/>
@@ -4359,7 +8166,7 @@
               <a:blipFill>
                 <a:blip r:embed="rId10"/>
                 <a:stretch>
-                  <a:fillRect l="-20000" r="-10000" b="-26667"/>
+                  <a:fillRect l="-36842" r="-34211" b="-62857"/>
                 </a:stretch>
               </a:blipFill>
             </p:spPr>
@@ -4378,8 +8185,8 @@
           </p:sp>
         </mc:Fallback>
       </mc:AlternateContent>
-      <mc:AlternateContent xmlns:mc="http://schemas.openxmlformats.org/markup-compatibility/2006" xmlns:a14="http://schemas.microsoft.com/office/drawing/2010/main">
-        <mc:Choice Requires="a14">
+      <mc:AlternateContent xmlns:mc="http://schemas.openxmlformats.org/markup-compatibility/2006">
+        <mc:Choice xmlns:a14="http://schemas.microsoft.com/office/drawing/2010/main" Requires="a14">
           <p:sp>
             <p:nvSpPr>
               <p:cNvPr id="23" name="文本框 22">
@@ -4394,8 +8201,8 @@
             </p:nvSpPr>
             <p:spPr>
               <a:xfrm>
-                <a:off x="9904685" y="5297078"/>
-                <a:ext cx="306109" cy="276999"/>
+                <a:off x="7796485" y="4690654"/>
+                <a:ext cx="228396" cy="207877"/>
               </a:xfrm>
               <a:prstGeom prst="rect">
                 <a:avLst/>
@@ -4418,20 +8225,14 @@
                       <m:sSub>
                         <m:sSubPr>
                           <m:ctrlPr>
-                            <a:rPr lang="en-US" altLang="zh-CN" b="1" i="1" smtClean="0">
-                              <a:solidFill>
-                                <a:schemeClr val="tx1"/>
-                              </a:solidFill>
+                            <a:rPr lang="en-US" altLang="zh-CN" b="1" i="1">
                               <a:latin typeface="Cambria Math" panose="02040503050406030204" pitchFamily="18" charset="0"/>
                             </a:rPr>
                           </m:ctrlPr>
                         </m:sSubPr>
                         <m:e>
                           <m:r>
-                            <a:rPr lang="en-US" altLang="zh-CN" b="1" i="1" smtClean="0">
-                              <a:solidFill>
-                                <a:schemeClr val="tx1"/>
-                              </a:solidFill>
+                            <a:rPr lang="en-US" altLang="zh-CN" b="1" i="1">
                               <a:latin typeface="Cambria Math" panose="02040503050406030204" pitchFamily="18" charset="0"/>
                             </a:rPr>
                             <m:t>𝒑</m:t>
@@ -4439,10 +8240,7 @@
                         </m:e>
                         <m:sub>
                           <m:r>
-                            <a:rPr lang="en-US" altLang="zh-CN" b="1" i="1" smtClean="0">
-                              <a:solidFill>
-                                <a:schemeClr val="tx1"/>
-                              </a:solidFill>
+                            <a:rPr lang="en-US" altLang="zh-CN" b="1" i="1">
                               <a:latin typeface="Cambria Math" panose="02040503050406030204" pitchFamily="18" charset="0"/>
                             </a:rPr>
                             <m:t>𝟑</m:t>
@@ -4452,16 +8250,12 @@
                     </m:oMath>
                   </m:oMathPara>
                 </a14:m>
-                <a:endParaRPr lang="zh-CN" altLang="en-US" b="1" dirty="0">
-                  <a:solidFill>
-                    <a:schemeClr val="tx1"/>
-                  </a:solidFill>
-                </a:endParaRPr>
+                <a:endParaRPr lang="zh-CN" altLang="en-US" b="1" dirty="0"/>
               </a:p>
             </p:txBody>
           </p:sp>
         </mc:Choice>
-        <mc:Fallback xmlns="">
+        <mc:Fallback>
           <p:sp>
             <p:nvSpPr>
               <p:cNvPr id="23" name="文本框 22">
@@ -4478,8 +8272,8 @@
             </p:nvSpPr>
             <p:spPr>
               <a:xfrm>
-                <a:off x="9904685" y="5297078"/>
-                <a:ext cx="306109" cy="276999"/>
+                <a:off x="7796485" y="4690654"/>
+                <a:ext cx="228396" cy="207877"/>
               </a:xfrm>
               <a:prstGeom prst="rect">
                 <a:avLst/>
@@ -4487,7 +8281,7 @@
               <a:blipFill>
                 <a:blip r:embed="rId11"/>
                 <a:stretch>
-                  <a:fillRect l="-20000" r="-10000" b="-26667"/>
+                  <a:fillRect l="-37838" r="-37838" b="-62857"/>
                 </a:stretch>
               </a:blipFill>
             </p:spPr>
@@ -4520,7 +8314,7 @@
         </p:nvSpPr>
         <p:spPr>
           <a:xfrm>
-            <a:off x="7391305" y="5028496"/>
+            <a:off x="5283105" y="4422071"/>
             <a:ext cx="441146" cy="338554"/>
           </a:xfrm>
           <a:prstGeom prst="rect">
@@ -4565,7 +8359,7 @@
         </p:nvSpPr>
         <p:spPr>
           <a:xfrm>
-            <a:off x="8591565" y="5028496"/>
+            <a:off x="6483365" y="4422071"/>
             <a:ext cx="441146" cy="338554"/>
           </a:xfrm>
           <a:prstGeom prst="rect">
@@ -4610,7 +8404,7 @@
         </p:nvSpPr>
         <p:spPr>
           <a:xfrm>
-            <a:off x="9861363" y="5028496"/>
+            <a:off x="7753163" y="4422071"/>
             <a:ext cx="441146" cy="338554"/>
           </a:xfrm>
           <a:prstGeom prst="rect">
@@ -4655,7 +8449,7 @@
         </p:nvSpPr>
         <p:spPr>
           <a:xfrm>
-            <a:off x="7772110" y="5614942"/>
+            <a:off x="5663911" y="5008517"/>
             <a:ext cx="819455" cy="338554"/>
           </a:xfrm>
           <a:prstGeom prst="rect">
@@ -4700,7 +8494,7 @@
         </p:nvSpPr>
         <p:spPr>
           <a:xfrm rot="16200000">
-            <a:off x="5791323" y="3869218"/>
+            <a:off x="3683123" y="3262793"/>
             <a:ext cx="1059906" cy="338554"/>
           </a:xfrm>
           <a:prstGeom prst="rect">
@@ -4759,7 +8553,7 @@
         </p:nvSpPr>
         <p:spPr>
           <a:xfrm>
-            <a:off x="6272198" y="4769971"/>
+            <a:off x="4163998" y="4163546"/>
             <a:ext cx="510076" cy="338554"/>
           </a:xfrm>
           <a:prstGeom prst="rect">
@@ -4804,7 +8598,7 @@
         </p:nvSpPr>
         <p:spPr>
           <a:xfrm>
-            <a:off x="6427723" y="3032487"/>
+            <a:off x="4319523" y="2426062"/>
             <a:ext cx="441146" cy="338554"/>
           </a:xfrm>
           <a:prstGeom prst="rect">
@@ -4849,7 +8643,7 @@
         </p:nvSpPr>
         <p:spPr>
           <a:xfrm>
-            <a:off x="6455506" y="3848189"/>
+            <a:off x="4347306" y="3241764"/>
             <a:ext cx="287258" cy="338554"/>
           </a:xfrm>
           <a:prstGeom prst="rect">
@@ -4894,8 +8688,8 @@
         </p:nvSpPr>
         <p:spPr>
           <a:xfrm>
-            <a:off x="1943520" y="2336144"/>
-            <a:ext cx="453970" cy="369332"/>
+            <a:off x="-164680" y="1729719"/>
+            <a:ext cx="386644" cy="300210"/>
           </a:xfrm>
           <a:prstGeom prst="rect">
             <a:avLst/>
@@ -4936,8 +8730,8 @@
         </p:nvSpPr>
         <p:spPr>
           <a:xfrm>
-            <a:off x="6457362" y="2336144"/>
-            <a:ext cx="466794" cy="369332"/>
+            <a:off x="4349162" y="1729719"/>
+            <a:ext cx="396262" cy="300210"/>
           </a:xfrm>
           <a:prstGeom prst="rect">
             <a:avLst/>
@@ -4978,7 +8772,7 @@
         </p:nvSpPr>
         <p:spPr>
           <a:xfrm>
-            <a:off x="2342562" y="2385508"/>
+            <a:off x="234363" y="1779083"/>
             <a:ext cx="885563" cy="338554"/>
           </a:xfrm>
           <a:prstGeom prst="rect">
@@ -5023,7 +8817,7 @@
         </p:nvSpPr>
         <p:spPr>
           <a:xfrm>
-            <a:off x="6897244" y="2385508"/>
+            <a:off x="4789045" y="1779083"/>
             <a:ext cx="1292341" cy="338554"/>
           </a:xfrm>
           <a:prstGeom prst="rect">
@@ -5068,7 +8862,7 @@
         </p:nvGrpSpPr>
         <p:grpSpPr>
           <a:xfrm>
-            <a:off x="4434109" y="3131282"/>
+            <a:off x="2325910" y="2524858"/>
             <a:ext cx="1200923" cy="434129"/>
             <a:chOff x="4205008" y="1599073"/>
             <a:chExt cx="1200923" cy="434129"/>
@@ -5460,7 +9254,7 @@
         </p:nvGrpSpPr>
         <p:grpSpPr>
           <a:xfrm>
-            <a:off x="8910041" y="3139440"/>
+            <a:off x="6801842" y="2533016"/>
             <a:ext cx="1200923" cy="434129"/>
             <a:chOff x="4205008" y="1599073"/>
             <a:chExt cx="1200923" cy="434129"/>
@@ -5851,7 +9645,7 @@
 </p:sld>
 </file>
 
-<file path=ppt/slides/slide2.xml><?xml version="1.0" encoding="utf-8"?>
+<file path=ppt/slides/slide4.xml><?xml version="1.0" encoding="utf-8"?>
 <p:sld xmlns:a="http://schemas.openxmlformats.org/drawingml/2006/main" xmlns:r="http://schemas.openxmlformats.org/officeDocument/2006/relationships" xmlns:p="http://schemas.openxmlformats.org/presentationml/2006/main">
   <p:cSld>
     <p:spTree>
@@ -5889,7 +9683,7 @@
         </p:blipFill>
         <p:spPr>
           <a:xfrm>
-            <a:off x="750440" y="1430717"/>
+            <a:off x="-1357760" y="824293"/>
             <a:ext cx="2217853" cy="945869"/>
           </a:xfrm>
           <a:prstGeom prst="rect">
@@ -5919,7 +9713,7 @@
         </p:blipFill>
         <p:spPr>
           <a:xfrm>
-            <a:off x="964533" y="2541134"/>
+            <a:off x="-1143667" y="1934709"/>
             <a:ext cx="1752946" cy="1667916"/>
           </a:xfrm>
           <a:prstGeom prst="rect">
@@ -5941,7 +9735,7 @@
         </p:nvSpPr>
         <p:spPr>
           <a:xfrm>
-            <a:off x="661874" y="1043140"/>
+            <a:off x="-1446326" y="436715"/>
             <a:ext cx="2306419" cy="3225144"/>
           </a:xfrm>
           <a:prstGeom prst="rect">
@@ -6096,7 +9890,7 @@
         </p:nvSpPr>
         <p:spPr>
           <a:xfrm>
-            <a:off x="3443280" y="1929063"/>
+            <a:off x="1335081" y="1322638"/>
             <a:ext cx="2835373" cy="4583490"/>
           </a:xfrm>
           <a:prstGeom prst="rect">
@@ -6251,7 +10045,7 @@
         </p:nvSpPr>
         <p:spPr>
           <a:xfrm>
-            <a:off x="6660356" y="1235792"/>
+            <a:off x="4552157" y="629368"/>
             <a:ext cx="2814847" cy="4285157"/>
           </a:xfrm>
           <a:prstGeom prst="rect">
@@ -6410,7 +10204,7 @@
         </p:nvCxnSpPr>
         <p:spPr>
           <a:xfrm>
-            <a:off x="2968293" y="2655712"/>
+            <a:off x="860094" y="2049287"/>
             <a:ext cx="474987" cy="1565096"/>
           </a:xfrm>
           <a:prstGeom prst="bentConnector3">
@@ -6456,7 +10250,7 @@
         </p:blipFill>
         <p:spPr>
           <a:xfrm>
-            <a:off x="772714" y="5026088"/>
+            <a:off x="-1335486" y="4419663"/>
             <a:ext cx="2055688" cy="1041194"/>
           </a:xfrm>
           <a:prstGeom prst="rect">
@@ -6478,7 +10272,7 @@
         </p:nvSpPr>
         <p:spPr>
           <a:xfrm>
-            <a:off x="714346" y="6235554"/>
+            <a:off x="-1393854" y="5629130"/>
             <a:ext cx="1086212" cy="276999"/>
           </a:xfrm>
           <a:prstGeom prst="rect">
@@ -6522,7 +10316,7 @@
         </p:nvSpPr>
         <p:spPr>
           <a:xfrm>
-            <a:off x="1408740" y="6026585"/>
+            <a:off x="-699460" y="5420161"/>
             <a:ext cx="1086212" cy="276999"/>
           </a:xfrm>
           <a:prstGeom prst="rect">
@@ -6568,7 +10362,7 @@
         </p:nvCxnSpPr>
         <p:spPr>
           <a:xfrm flipH="1" flipV="1">
-            <a:off x="1325965" y="5996468"/>
+            <a:off x="-782235" y="5390044"/>
             <a:ext cx="154134" cy="98147"/>
           </a:xfrm>
           <a:prstGeom prst="straightConnector1">
@@ -6612,7 +10406,7 @@
         </p:nvCxnSpPr>
         <p:spPr>
           <a:xfrm flipV="1">
-            <a:off x="1035599" y="5996468"/>
+            <a:off x="-1072601" y="5390043"/>
             <a:ext cx="132791" cy="277106"/>
           </a:xfrm>
           <a:prstGeom prst="straightConnector1">
@@ -6662,7 +10456,7 @@
         </p:blipFill>
         <p:spPr>
           <a:xfrm>
-            <a:off x="3526930" y="2477073"/>
+            <a:off x="1418731" y="1870648"/>
             <a:ext cx="2751723" cy="1142792"/>
           </a:xfrm>
           <a:prstGeom prst="rect">
@@ -6692,7 +10486,7 @@
         </p:blipFill>
         <p:spPr>
           <a:xfrm>
-            <a:off x="3526929" y="4062039"/>
+            <a:off x="1418729" y="3455614"/>
             <a:ext cx="2740010" cy="966174"/>
           </a:xfrm>
           <a:prstGeom prst="rect">
@@ -6722,7 +10516,7 @@
         </p:blipFill>
         <p:spPr>
           <a:xfrm>
-            <a:off x="3569895" y="5299887"/>
+            <a:off x="1461695" y="4693462"/>
             <a:ext cx="2697044" cy="969478"/>
           </a:xfrm>
           <a:prstGeom prst="rect">
@@ -6748,7 +10542,7 @@
         </p:nvCxnSpPr>
         <p:spPr>
           <a:xfrm flipV="1">
-            <a:off x="6278653" y="3378371"/>
+            <a:off x="4170454" y="2771947"/>
             <a:ext cx="381703" cy="842437"/>
           </a:xfrm>
           <a:prstGeom prst="bentConnector3">
@@ -6797,7 +10591,7 @@
         </p:blipFill>
         <p:spPr>
           <a:xfrm>
-            <a:off x="6826585" y="1624323"/>
+            <a:off x="4718385" y="1017898"/>
             <a:ext cx="2591622" cy="1162050"/>
           </a:xfrm>
           <a:prstGeom prst="rect">
@@ -6827,7 +10621,7 @@
         </p:blipFill>
         <p:spPr>
           <a:xfrm>
-            <a:off x="6688932" y="2997101"/>
+            <a:off x="4580733" y="2390676"/>
             <a:ext cx="2729275" cy="1074102"/>
           </a:xfrm>
           <a:prstGeom prst="rect">
@@ -6857,7 +10651,7 @@
         </p:blipFill>
         <p:spPr>
           <a:xfrm>
-            <a:off x="6695631" y="4352260"/>
+            <a:off x="4587431" y="3745835"/>
             <a:ext cx="2742198" cy="1047974"/>
           </a:xfrm>
           <a:prstGeom prst="rect">
@@ -6879,7 +10673,7 @@
         </p:nvSpPr>
         <p:spPr>
           <a:xfrm>
-            <a:off x="9854807" y="1235792"/>
+            <a:off x="7746608" y="629368"/>
             <a:ext cx="2814847" cy="4285157"/>
           </a:xfrm>
           <a:prstGeom prst="rect">
@@ -7054,7 +10848,7 @@
         </p:nvCxnSpPr>
         <p:spPr>
           <a:xfrm>
-            <a:off x="9475203" y="3378371"/>
+            <a:off x="7367003" y="2771946"/>
             <a:ext cx="379604" cy="0"/>
           </a:xfrm>
           <a:prstGeom prst="straightConnector1">
@@ -7101,7 +10895,7 @@
         </p:blipFill>
         <p:spPr>
           <a:xfrm>
-            <a:off x="9951004" y="1581434"/>
+            <a:off x="7842805" y="975009"/>
             <a:ext cx="2635223" cy="1131466"/>
           </a:xfrm>
           <a:prstGeom prst="rect">
@@ -7131,7 +10925,7 @@
         </p:blipFill>
         <p:spPr>
           <a:xfrm>
-            <a:off x="9911803" y="3069168"/>
+            <a:off x="7803603" y="2462744"/>
             <a:ext cx="2674424" cy="942625"/>
           </a:xfrm>
           <a:prstGeom prst="rect">
@@ -7161,7 +10955,7 @@
         </p:blipFill>
         <p:spPr>
           <a:xfrm>
-            <a:off x="9898438" y="4389878"/>
+            <a:off x="7790238" y="3783453"/>
             <a:ext cx="2727584" cy="966174"/>
           </a:xfrm>
           <a:prstGeom prst="rect">
@@ -7183,7 +10977,7 @@
         </p:nvSpPr>
         <p:spPr>
           <a:xfrm>
-            <a:off x="651058" y="4373598"/>
+            <a:off x="-1457142" y="3767174"/>
             <a:ext cx="2317235" cy="2138955"/>
           </a:xfrm>
           <a:prstGeom prst="rect">

--- a/paper/fig-ppt/simulation_1d.pptx
+++ b/paper/fig-ppt/simulation_1d.pptx
@@ -8,7 +8,6 @@
     <p:sldId id="262" r:id="rId2"/>
     <p:sldId id="263" r:id="rId3"/>
     <p:sldId id="261" r:id="rId4"/>
-    <p:sldId id="260" r:id="rId5"/>
   </p:sldIdLst>
   <p:sldSz cx="9104313" cy="7246938"/>
   <p:notesSz cx="6858000" cy="9144000"/>
@@ -3001,7 +3000,7 @@
         </p:blipFill>
         <p:spPr>
           <a:xfrm>
-            <a:off x="4814625" y="376692"/>
+            <a:off x="4776525" y="376692"/>
             <a:ext cx="3895180" cy="1473831"/>
           </a:xfrm>
           <a:prstGeom prst="rect">
@@ -3036,7 +3035,7 @@
         </p:blipFill>
         <p:spPr>
           <a:xfrm>
-            <a:off x="456591" y="472632"/>
+            <a:off x="418491" y="472632"/>
             <a:ext cx="3836404" cy="1432322"/>
           </a:xfrm>
           <a:prstGeom prst="rect">
@@ -3071,7 +3070,7 @@
         </p:blipFill>
         <p:spPr>
           <a:xfrm>
-            <a:off x="2857564" y="2210436"/>
+            <a:off x="2819464" y="2210436"/>
             <a:ext cx="3468953" cy="2990811"/>
           </a:xfrm>
           <a:prstGeom prst="rect">
@@ -3100,7 +3099,7 @@
         </p:blipFill>
         <p:spPr>
           <a:xfrm>
-            <a:off x="2826825" y="5502549"/>
+            <a:off x="2788725" y="5502549"/>
             <a:ext cx="3430043" cy="1528182"/>
           </a:xfrm>
           <a:prstGeom prst="rect">
@@ -3122,7 +3121,7 @@
         </p:nvSpPr>
         <p:spPr>
           <a:xfrm>
-            <a:off x="511276" y="3409"/>
+            <a:off x="473176" y="3409"/>
             <a:ext cx="378630" cy="300210"/>
           </a:xfrm>
           <a:prstGeom prst="rect">
@@ -3162,7 +3161,7 @@
         </p:nvSpPr>
         <p:spPr>
           <a:xfrm>
-            <a:off x="4710067" y="7111"/>
+            <a:off x="4671967" y="7111"/>
             <a:ext cx="386644" cy="300210"/>
           </a:xfrm>
           <a:prstGeom prst="rect">
@@ -3202,7 +3201,7 @@
         </p:nvSpPr>
         <p:spPr>
           <a:xfrm>
-            <a:off x="889338" y="2520372"/>
+            <a:off x="851238" y="2520372"/>
             <a:ext cx="1102161" cy="338554"/>
           </a:xfrm>
           <a:prstGeom prst="rect">
@@ -3252,7 +3251,7 @@
         </p:blipFill>
         <p:spPr>
           <a:xfrm>
-            <a:off x="550216" y="2848244"/>
+            <a:off x="512116" y="2848244"/>
             <a:ext cx="1861325" cy="1813560"/>
           </a:xfrm>
           <a:prstGeom prst="rect">
@@ -3276,7 +3275,7 @@
         </p:nvCxnSpPr>
         <p:spPr>
           <a:xfrm>
-            <a:off x="606554" y="3840050"/>
+            <a:off x="568454" y="3840050"/>
             <a:ext cx="1704697" cy="0"/>
           </a:xfrm>
           <a:prstGeom prst="line">
@@ -3324,7 +3323,7 @@
         </p:blipFill>
         <p:spPr>
           <a:xfrm>
-            <a:off x="6771729" y="2817652"/>
+            <a:off x="6733629" y="2817652"/>
             <a:ext cx="1861325" cy="1813560"/>
           </a:xfrm>
           <a:prstGeom prst="rect">
@@ -3348,7 +3347,7 @@
         </p:nvCxnSpPr>
         <p:spPr>
           <a:xfrm>
-            <a:off x="6824062" y="3824254"/>
+            <a:off x="6785962" y="3824254"/>
             <a:ext cx="1704697" cy="0"/>
           </a:xfrm>
           <a:prstGeom prst="line">
@@ -3389,7 +3388,7 @@
         </p:nvSpPr>
         <p:spPr>
           <a:xfrm>
-            <a:off x="6831401" y="2479097"/>
+            <a:off x="6793301" y="2479097"/>
             <a:ext cx="1565750" cy="338554"/>
           </a:xfrm>
           <a:prstGeom prst="rect">
@@ -3432,7 +3431,7 @@
         </p:nvSpPr>
         <p:spPr>
           <a:xfrm>
-            <a:off x="850704" y="41408"/>
+            <a:off x="812604" y="41408"/>
             <a:ext cx="3177921" cy="338554"/>
           </a:xfrm>
           <a:prstGeom prst="rect">
@@ -3475,7 +3474,7 @@
         </p:nvSpPr>
         <p:spPr>
           <a:xfrm>
-            <a:off x="5089963" y="15279"/>
+            <a:off x="5051863" y="15279"/>
             <a:ext cx="3689600" cy="338554"/>
           </a:xfrm>
           <a:prstGeom prst="rect">
@@ -3518,17 +3517,18 @@
         </p:nvSpPr>
         <p:spPr>
           <a:xfrm>
-            <a:off x="1201063" y="3753007"/>
+            <a:off x="1162963" y="3753007"/>
             <a:ext cx="406400" cy="163782"/>
           </a:xfrm>
           <a:prstGeom prst="rect">
             <a:avLst/>
           </a:prstGeom>
           <a:noFill/>
-          <a:ln w="38100">
+          <a:ln w="25400">
             <a:solidFill>
               <a:schemeClr val="tx1"/>
             </a:solidFill>
+            <a:prstDash val="sysDash"/>
           </a:ln>
         </p:spPr>
         <p:style>
@@ -3570,17 +3570,18 @@
         </p:nvSpPr>
         <p:spPr>
           <a:xfrm>
-            <a:off x="7473209" y="3742363"/>
+            <a:off x="7435109" y="3742363"/>
             <a:ext cx="406400" cy="163782"/>
           </a:xfrm>
           <a:prstGeom prst="rect">
             <a:avLst/>
           </a:prstGeom>
           <a:noFill/>
-          <a:ln w="38100">
+          <a:ln w="25400">
             <a:solidFill>
               <a:schemeClr val="tx1"/>
             </a:solidFill>
+            <a:prstDash val="sysDash"/>
           </a:ln>
         </p:spPr>
         <p:style>
@@ -3624,7 +3625,7 @@
         </p:nvCxnSpPr>
         <p:spPr>
           <a:xfrm flipH="1" flipV="1">
-            <a:off x="6241002" y="3383339"/>
+            <a:off x="6202902" y="3383339"/>
             <a:ext cx="1225898" cy="434033"/>
           </a:xfrm>
           <a:prstGeom prst="straightConnector1">
@@ -3668,7 +3669,7 @@
         </p:nvCxnSpPr>
         <p:spPr>
           <a:xfrm flipH="1">
-            <a:off x="6143844" y="3824255"/>
+            <a:off x="6105744" y="3824255"/>
             <a:ext cx="1323056" cy="2307805"/>
           </a:xfrm>
           <a:prstGeom prst="straightConnector1">
@@ -3713,7 +3714,7 @@
         </p:nvCxnSpPr>
         <p:spPr>
           <a:xfrm flipV="1">
-            <a:off x="1607464" y="2687350"/>
+            <a:off x="1569364" y="2687350"/>
             <a:ext cx="1298297" cy="1147548"/>
           </a:xfrm>
           <a:prstGeom prst="straightConnector1">
@@ -3758,7 +3759,7 @@
         </p:nvCxnSpPr>
         <p:spPr>
           <a:xfrm>
-            <a:off x="1607464" y="3834898"/>
+            <a:off x="1569364" y="3834898"/>
             <a:ext cx="1572851" cy="1866876"/>
           </a:xfrm>
           <a:prstGeom prst="straightConnector1">
@@ -3800,7 +3801,7 @@
         </p:nvSpPr>
         <p:spPr>
           <a:xfrm>
-            <a:off x="3311111" y="1950895"/>
+            <a:off x="3273011" y="1950895"/>
             <a:ext cx="3054682" cy="338554"/>
           </a:xfrm>
           <a:prstGeom prst="rect">
@@ -3843,7 +3844,7 @@
         </p:nvSpPr>
         <p:spPr>
           <a:xfrm>
-            <a:off x="3526941" y="5277024"/>
+            <a:off x="3488841" y="5277024"/>
             <a:ext cx="2451569" cy="338554"/>
           </a:xfrm>
           <a:prstGeom prst="rect">
@@ -3886,7 +3887,7 @@
         </p:nvSpPr>
         <p:spPr>
           <a:xfrm>
-            <a:off x="2881229" y="1936597"/>
+            <a:off x="2843129" y="1936597"/>
             <a:ext cx="365806" cy="300210"/>
           </a:xfrm>
           <a:prstGeom prst="rect">
@@ -3926,7 +3927,7 @@
         </p:nvSpPr>
         <p:spPr>
           <a:xfrm>
-            <a:off x="3107884" y="5238925"/>
+            <a:off x="3069784" y="5238925"/>
             <a:ext cx="386644" cy="300210"/>
           </a:xfrm>
           <a:prstGeom prst="rect">
@@ -3968,7 +3969,7 @@
         </p:nvCxnSpPr>
         <p:spPr>
           <a:xfrm flipV="1">
-            <a:off x="8639498" y="1561732"/>
+            <a:off x="8601398" y="1561732"/>
             <a:ext cx="107950" cy="2260600"/>
           </a:xfrm>
           <a:prstGeom prst="bentConnector3">
@@ -4014,7 +4015,7 @@
         </p:nvCxnSpPr>
         <p:spPr>
           <a:xfrm rot="10800000">
-            <a:off x="432404" y="1574432"/>
+            <a:off x="394304" y="1574432"/>
             <a:ext cx="45085" cy="2266950"/>
           </a:xfrm>
           <a:prstGeom prst="bentConnector3">
@@ -4060,7 +4061,7 @@
             </p:nvSpPr>
             <p:spPr>
               <a:xfrm rot="16200000">
-                <a:off x="2602741" y="6143530"/>
+                <a:off x="2564641" y="6143530"/>
                 <a:ext cx="261032" cy="246221"/>
               </a:xfrm>
               <a:prstGeom prst="rect">
@@ -4138,7 +4139,7 @@
             </p:nvSpPr>
             <p:spPr>
               <a:xfrm rot="16200000">
-                <a:off x="2602741" y="6143530"/>
+                <a:off x="2564641" y="6143530"/>
                 <a:ext cx="261032" cy="246221"/>
               </a:xfrm>
               <a:prstGeom prst="rect">
@@ -4147,7 +4148,7 @@
               <a:blipFill>
                 <a:blip r:embed="rId8"/>
                 <a:stretch>
-                  <a:fillRect r="-9756" b="-11905"/>
+                  <a:fillRect r="-10000" b="-11905"/>
                 </a:stretch>
               </a:blipFill>
             </p:spPr>
@@ -4182,7 +4183,7 @@
             </p:nvSpPr>
             <p:spPr>
               <a:xfrm rot="16200000">
-                <a:off x="2628406" y="3754299"/>
+                <a:off x="2590306" y="3754299"/>
                 <a:ext cx="259237" cy="246221"/>
               </a:xfrm>
               <a:prstGeom prst="rect">
@@ -4260,7 +4261,7 @@
             </p:nvSpPr>
             <p:spPr>
               <a:xfrm rot="16200000">
-                <a:off x="2628406" y="3754299"/>
+                <a:off x="2590306" y="3754299"/>
                 <a:ext cx="259237" cy="246221"/>
               </a:xfrm>
               <a:prstGeom prst="rect">
@@ -4269,7 +4270,7 @@
               <a:blipFill>
                 <a:blip r:embed="rId9"/>
                 <a:stretch>
-                  <a:fillRect t="-2381" r="-9756" b="-11905"/>
+                  <a:fillRect t="-2381" r="-10000" b="-11905"/>
                 </a:stretch>
               </a:blipFill>
             </p:spPr>
@@ -4304,7 +4305,7 @@
             </p:nvSpPr>
             <p:spPr>
               <a:xfrm>
-                <a:off x="4350706" y="6990028"/>
+                <a:off x="4312606" y="6990028"/>
                 <a:ext cx="161711" cy="246221"/>
               </a:xfrm>
               <a:prstGeom prst="rect">
@@ -4355,7 +4356,7 @@
             </p:nvSpPr>
             <p:spPr>
               <a:xfrm>
-                <a:off x="4350706" y="6990028"/>
+                <a:off x="4312606" y="6990028"/>
                 <a:ext cx="161711" cy="246221"/>
               </a:xfrm>
               <a:prstGeom prst="rect">
@@ -4364,7 +4365,7 @@
               <a:blipFill>
                 <a:blip r:embed="rId10"/>
                 <a:stretch>
-                  <a:fillRect l="-19231" r="-15385"/>
+                  <a:fillRect l="-14815" r="-14815"/>
                 </a:stretch>
               </a:blipFill>
             </p:spPr>
@@ -4399,7 +4400,7 @@
             </p:nvSpPr>
             <p:spPr>
               <a:xfrm>
-                <a:off x="4350707" y="5112364"/>
+                <a:off x="4312607" y="5112364"/>
                 <a:ext cx="161711" cy="246221"/>
               </a:xfrm>
               <a:prstGeom prst="rect">
@@ -4450,7 +4451,7 @@
             </p:nvSpPr>
             <p:spPr>
               <a:xfrm>
-                <a:off x="4350707" y="5112364"/>
+                <a:off x="4312607" y="5112364"/>
                 <a:ext cx="161711" cy="246221"/>
               </a:xfrm>
               <a:prstGeom prst="rect">
@@ -4459,7 +4460,7 @@
               <a:blipFill>
                 <a:blip r:embed="rId11"/>
                 <a:stretch>
-                  <a:fillRect l="-19231" r="-15385"/>
+                  <a:fillRect l="-14815" r="-14815"/>
                 </a:stretch>
               </a:blipFill>
             </p:spPr>
@@ -4494,7 +4495,7 @@
             </p:nvSpPr>
             <p:spPr>
               <a:xfrm>
-                <a:off x="6555029" y="1797232"/>
+                <a:off x="6516929" y="1797232"/>
                 <a:ext cx="161711" cy="246221"/>
               </a:xfrm>
               <a:prstGeom prst="rect">
@@ -4545,7 +4546,7 @@
             </p:nvSpPr>
             <p:spPr>
               <a:xfrm>
-                <a:off x="6555029" y="1797232"/>
+                <a:off x="6516929" y="1797232"/>
                 <a:ext cx="161711" cy="246221"/>
               </a:xfrm>
               <a:prstGeom prst="rect">
@@ -4589,7 +4590,7 @@
             </p:nvSpPr>
             <p:spPr>
               <a:xfrm>
-                <a:off x="2198024" y="1820203"/>
+                <a:off x="2159924" y="1820203"/>
                 <a:ext cx="161711" cy="246221"/>
               </a:xfrm>
               <a:prstGeom prst="rect">
@@ -4640,7 +4641,7 @@
             </p:nvSpPr>
             <p:spPr>
               <a:xfrm>
-                <a:off x="2198024" y="1820203"/>
+                <a:off x="2159924" y="1820203"/>
                 <a:ext cx="161711" cy="246221"/>
               </a:xfrm>
               <a:prstGeom prst="rect">
@@ -4649,7 +4650,7 @@
               <a:blipFill>
                 <a:blip r:embed="rId13"/>
                 <a:stretch>
-                  <a:fillRect l="-19231" r="-15385"/>
+                  <a:fillRect l="-14815" r="-14815"/>
                 </a:stretch>
               </a:blipFill>
             </p:spPr>
@@ -4684,7 +4685,7 @@
             </p:nvSpPr>
             <p:spPr>
               <a:xfrm rot="16200000">
-                <a:off x="293017" y="1034085"/>
+                <a:off x="254917" y="1034085"/>
                 <a:ext cx="251864" cy="246221"/>
               </a:xfrm>
               <a:prstGeom prst="rect">
@@ -4746,7 +4747,7 @@
             </p:nvSpPr>
             <p:spPr>
               <a:xfrm rot="16200000">
-                <a:off x="293017" y="1034085"/>
+                <a:off x="254917" y="1034085"/>
                 <a:ext cx="251864" cy="246221"/>
               </a:xfrm>
               <a:prstGeom prst="rect">
@@ -4755,7 +4756,7 @@
               <a:blipFill>
                 <a:blip r:embed="rId14"/>
                 <a:stretch>
-                  <a:fillRect t="-17073" r="-7500" b="-19512"/>
+                  <a:fillRect t="-17073" r="-4878" b="-19512"/>
                 </a:stretch>
               </a:blipFill>
             </p:spPr>
@@ -4790,7 +4791,7 @@
             </p:nvSpPr>
             <p:spPr>
               <a:xfrm rot="16200000">
-                <a:off x="4626793" y="1008898"/>
+                <a:off x="4588693" y="1008898"/>
                 <a:ext cx="251864" cy="246221"/>
               </a:xfrm>
               <a:prstGeom prst="rect">
@@ -4852,7 +4853,7 @@
             </p:nvSpPr>
             <p:spPr>
               <a:xfrm rot="16200000">
-                <a:off x="4626793" y="1008898"/>
+                <a:off x="4588693" y="1008898"/>
                 <a:ext cx="251864" cy="246221"/>
               </a:xfrm>
               <a:prstGeom prst="rect">
@@ -4896,7 +4897,7 @@
             </p:nvSpPr>
             <p:spPr>
               <a:xfrm rot="16200000">
-                <a:off x="4193462" y="1034084"/>
+                <a:off x="4155362" y="1034084"/>
                 <a:ext cx="247440" cy="246221"/>
               </a:xfrm>
               <a:prstGeom prst="rect">
@@ -4987,7 +4988,7 @@
             </p:nvSpPr>
             <p:spPr>
               <a:xfrm rot="16200000">
-                <a:off x="4193462" y="1034084"/>
+                <a:off x="4155362" y="1034084"/>
                 <a:ext cx="247440" cy="246221"/>
               </a:xfrm>
               <a:prstGeom prst="rect">
@@ -4996,7 +4997,7 @@
               <a:blipFill>
                 <a:blip r:embed="rId16"/>
                 <a:stretch>
-                  <a:fillRect r="-12500" b="-12500"/>
+                  <a:fillRect r="-10000" b="-12500"/>
                 </a:stretch>
               </a:blipFill>
             </p:spPr>
@@ -5031,7 +5032,7 @@
             </p:nvSpPr>
             <p:spPr>
               <a:xfrm rot="16200000">
-                <a:off x="8540109" y="941962"/>
+                <a:off x="8502009" y="941962"/>
                 <a:ext cx="247440" cy="246221"/>
               </a:xfrm>
               <a:prstGeom prst="rect">
@@ -5122,7 +5123,7 @@
             </p:nvSpPr>
             <p:spPr>
               <a:xfrm rot="16200000">
-                <a:off x="8540109" y="941962"/>
+                <a:off x="8502009" y="941962"/>
                 <a:ext cx="247440" cy="246221"/>
               </a:xfrm>
               <a:prstGeom prst="rect">
@@ -5131,7 +5132,7 @@
               <a:blipFill>
                 <a:blip r:embed="rId17"/>
                 <a:stretch>
-                  <a:fillRect r="-12500" b="-12195"/>
+                  <a:fillRect r="-10000" b="-12195"/>
                 </a:stretch>
               </a:blipFill>
             </p:spPr>
@@ -5150,6 +5151,144 @@
           </p:sp>
         </mc:Fallback>
       </mc:AlternateContent>
+      <p:sp>
+        <p:nvSpPr>
+          <p:cNvPr id="179" name="文本框 9">
+            <a:extLst>
+              <a:ext uri="{FF2B5EF4-FFF2-40B4-BE49-F238E27FC236}">
+                <a16:creationId xmlns:a16="http://schemas.microsoft.com/office/drawing/2014/main" id="{88DAE252-D160-290B-C414-C93398B809A2}"/>
+              </a:ext>
+            </a:extLst>
+          </p:cNvPr>
+          <p:cNvSpPr txBox="1"/>
+          <p:nvPr/>
+        </p:nvSpPr>
+        <p:spPr>
+          <a:xfrm rot="16200000">
+            <a:off x="-307796" y="2518072"/>
+            <a:ext cx="1277914" cy="338554"/>
+          </a:xfrm>
+          <a:prstGeom prst="rect">
+            <a:avLst/>
+          </a:prstGeom>
+          <a:noFill/>
+          <a:ln>
+            <a:noFill/>
+          </a:ln>
+        </p:spPr>
+        <p:txBody>
+          <a:bodyPr wrap="none" rtlCol="0">
+            <a:spAutoFit/>
+          </a:bodyPr>
+          <a:lstStyle/>
+          <a:p>
+            <a:r>
+              <a:rPr lang="en-US" altLang="zh-CN" sz="1600" dirty="0">
+                <a:cs typeface="Times New Roman" panose="02020603050405020304" pitchFamily="18" charset="0"/>
+              </a:rPr>
+              <a:t>Pick up 1 line</a:t>
+            </a:r>
+            <a:endParaRPr lang="zh-CN" altLang="en-US" sz="1600" dirty="0">
+              <a:cs typeface="Times New Roman" panose="02020603050405020304" pitchFamily="18" charset="0"/>
+            </a:endParaRPr>
+          </a:p>
+        </p:txBody>
+      </p:sp>
+      <p:sp>
+        <p:nvSpPr>
+          <p:cNvPr id="180" name="文本框 9">
+            <a:extLst>
+              <a:ext uri="{FF2B5EF4-FFF2-40B4-BE49-F238E27FC236}">
+                <a16:creationId xmlns:a16="http://schemas.microsoft.com/office/drawing/2014/main" id="{C49B656A-E49B-8FEC-DCEB-9EA8EB119CB6}"/>
+              </a:ext>
+            </a:extLst>
+          </p:cNvPr>
+          <p:cNvSpPr txBox="1"/>
+          <p:nvPr/>
+        </p:nvSpPr>
+        <p:spPr>
+          <a:xfrm rot="16200000">
+            <a:off x="8145063" y="2538630"/>
+            <a:ext cx="1277914" cy="338554"/>
+          </a:xfrm>
+          <a:prstGeom prst="rect">
+            <a:avLst/>
+          </a:prstGeom>
+          <a:noFill/>
+          <a:ln>
+            <a:noFill/>
+          </a:ln>
+        </p:spPr>
+        <p:txBody>
+          <a:bodyPr wrap="none" rtlCol="0">
+            <a:spAutoFit/>
+          </a:bodyPr>
+          <a:lstStyle/>
+          <a:p>
+            <a:r>
+              <a:rPr lang="en-US" altLang="zh-CN" sz="1600" dirty="0">
+                <a:cs typeface="Times New Roman" panose="02020603050405020304" pitchFamily="18" charset="0"/>
+              </a:rPr>
+              <a:t>Pick up 1 line</a:t>
+            </a:r>
+            <a:endParaRPr lang="zh-CN" altLang="en-US" sz="1600" dirty="0">
+              <a:cs typeface="Times New Roman" panose="02020603050405020304" pitchFamily="18" charset="0"/>
+            </a:endParaRPr>
+          </a:p>
+        </p:txBody>
+      </p:sp>
+      <p:sp>
+        <p:nvSpPr>
+          <p:cNvPr id="183" name="矩形 182">
+            <a:extLst>
+              <a:ext uri="{FF2B5EF4-FFF2-40B4-BE49-F238E27FC236}">
+                <a16:creationId xmlns:a16="http://schemas.microsoft.com/office/drawing/2014/main" id="{32725646-B4EC-F2BE-BFDF-A646CF0529AC}"/>
+              </a:ext>
+            </a:extLst>
+          </p:cNvPr>
+          <p:cNvSpPr/>
+          <p:nvPr/>
+        </p:nvSpPr>
+        <p:spPr>
+          <a:xfrm>
+            <a:off x="49416" y="15279"/>
+            <a:ext cx="8991397" cy="7216380"/>
+          </a:xfrm>
+          <a:prstGeom prst="rect">
+            <a:avLst/>
+          </a:prstGeom>
+          <a:noFill/>
+          <a:ln>
+            <a:solidFill>
+              <a:schemeClr val="tx1"/>
+            </a:solidFill>
+          </a:ln>
+        </p:spPr>
+        <p:style>
+          <a:lnRef idx="2">
+            <a:schemeClr val="accent1">
+              <a:shade val="50000"/>
+            </a:schemeClr>
+          </a:lnRef>
+          <a:fillRef idx="1">
+            <a:schemeClr val="accent1"/>
+          </a:fillRef>
+          <a:effectRef idx="0">
+            <a:schemeClr val="accent1"/>
+          </a:effectRef>
+          <a:fontRef idx="minor">
+            <a:schemeClr val="lt1"/>
+          </a:fontRef>
+        </p:style>
+        <p:txBody>
+          <a:bodyPr rtlCol="0" anchor="ctr"/>
+          <a:lstStyle/>
+          <a:p>
+            <a:pPr algn="ctr"/>
+            <a:endParaRPr lang="zh-CN" altLang="en-US"/>
+          </a:p>
+        </p:txBody>
+      </p:sp>
     </p:spTree>
     <p:extLst>
       <p:ext uri="{BB962C8B-B14F-4D97-AF65-F5344CB8AC3E}">
@@ -6893,7 +7032,7 @@
         </p:blipFill>
         <p:spPr>
           <a:xfrm>
-            <a:off x="136237" y="2400010"/>
+            <a:off x="834737" y="2425410"/>
             <a:ext cx="3532909" cy="2092038"/>
           </a:xfrm>
           <a:prstGeom prst="rect">
@@ -6922,7 +7061,7 @@
         </p:blipFill>
         <p:spPr>
           <a:xfrm>
-            <a:off x="4552157" y="2400011"/>
+            <a:off x="5250657" y="2425411"/>
             <a:ext cx="3675135" cy="2092037"/>
           </a:xfrm>
           <a:prstGeom prst="rect">
@@ -6944,7 +7083,7 @@
         </p:nvSpPr>
         <p:spPr>
           <a:xfrm>
-            <a:off x="100826" y="4422076"/>
+            <a:off x="799326" y="4447476"/>
             <a:ext cx="441146" cy="338554"/>
           </a:xfrm>
           <a:prstGeom prst="rect">
@@ -6991,7 +7130,7 @@
             </p:nvSpPr>
             <p:spPr>
               <a:xfrm>
-                <a:off x="163946" y="4690659"/>
+                <a:off x="862446" y="4716059"/>
                 <a:ext cx="228396" cy="207877"/>
               </a:xfrm>
               <a:prstGeom prst="rect">
@@ -7062,7 +7201,7 @@
             </p:nvSpPr>
             <p:spPr>
               <a:xfrm>
-                <a:off x="163946" y="4690659"/>
+                <a:off x="862446" y="4716059"/>
                 <a:ext cx="228396" cy="207877"/>
               </a:xfrm>
               <a:prstGeom prst="rect">
@@ -7071,7 +7210,7 @@
               <a:blipFill>
                 <a:blip r:embed="rId4"/>
                 <a:stretch>
-                  <a:fillRect l="-37838" r="-37838" b="-62857"/>
+                  <a:fillRect l="-36842" r="-34211" b="-67647"/>
                 </a:stretch>
               </a:blipFill>
             </p:spPr>
@@ -7106,7 +7245,7 @@
             </p:nvSpPr>
             <p:spPr>
               <a:xfrm>
-                <a:off x="953656" y="4690659"/>
+                <a:off x="1652156" y="4716059"/>
                 <a:ext cx="228396" cy="207877"/>
               </a:xfrm>
               <a:prstGeom prst="rect">
@@ -7177,7 +7316,7 @@
             </p:nvSpPr>
             <p:spPr>
               <a:xfrm>
-                <a:off x="953656" y="4690659"/>
+                <a:off x="1652156" y="4716059"/>
                 <a:ext cx="228396" cy="207877"/>
               </a:xfrm>
               <a:prstGeom prst="rect">
@@ -7186,7 +7325,7 @@
               <a:blipFill>
                 <a:blip r:embed="rId5"/>
                 <a:stretch>
-                  <a:fillRect l="-36842" r="-34211" b="-62857"/>
+                  <a:fillRect l="-37838" r="-37838" b="-67647"/>
                 </a:stretch>
               </a:blipFill>
             </p:spPr>
@@ -7221,7 +7360,7 @@
             </p:nvSpPr>
             <p:spPr>
               <a:xfrm>
-                <a:off x="2172855" y="4690659"/>
+                <a:off x="2871355" y="4716059"/>
                 <a:ext cx="228396" cy="207877"/>
               </a:xfrm>
               <a:prstGeom prst="rect">
@@ -7292,7 +7431,7 @@
             </p:nvSpPr>
             <p:spPr>
               <a:xfrm>
-                <a:off x="2172855" y="4690659"/>
+                <a:off x="2871355" y="4716059"/>
                 <a:ext cx="228396" cy="207877"/>
               </a:xfrm>
               <a:prstGeom prst="rect">
@@ -7301,7 +7440,7 @@
               <a:blipFill>
                 <a:blip r:embed="rId6"/>
                 <a:stretch>
-                  <a:fillRect l="-36842" r="-34211" b="-62857"/>
+                  <a:fillRect l="-37838" r="-37838" b="-67647"/>
                 </a:stretch>
               </a:blipFill>
             </p:spPr>
@@ -7336,7 +7475,7 @@
             </p:nvSpPr>
             <p:spPr>
               <a:xfrm>
-                <a:off x="3390746" y="4690659"/>
+                <a:off x="4089246" y="4716059"/>
                 <a:ext cx="228396" cy="207877"/>
               </a:xfrm>
               <a:prstGeom prst="rect">
@@ -7407,7 +7546,7 @@
             </p:nvSpPr>
             <p:spPr>
               <a:xfrm>
-                <a:off x="3390746" y="4690659"/>
+                <a:off x="4089246" y="4716059"/>
                 <a:ext cx="228396" cy="207877"/>
               </a:xfrm>
               <a:prstGeom prst="rect">
@@ -7416,7 +7555,7 @@
               <a:blipFill>
                 <a:blip r:embed="rId7"/>
                 <a:stretch>
-                  <a:fillRect l="-36842" r="-34211" b="-62857"/>
+                  <a:fillRect l="-37838" r="-37838" b="-67647"/>
                 </a:stretch>
               </a:blipFill>
             </p:spPr>
@@ -7449,7 +7588,7 @@
         </p:nvSpPr>
         <p:spPr>
           <a:xfrm>
-            <a:off x="877366" y="4422076"/>
+            <a:off x="1575866" y="4447476"/>
             <a:ext cx="441146" cy="338554"/>
           </a:xfrm>
           <a:prstGeom prst="rect">
@@ -7494,7 +7633,7 @@
         </p:nvSpPr>
         <p:spPr>
           <a:xfrm>
-            <a:off x="2077626" y="4422076"/>
+            <a:off x="2776126" y="4447476"/>
             <a:ext cx="441146" cy="338554"/>
           </a:xfrm>
           <a:prstGeom prst="rect">
@@ -7539,7 +7678,7 @@
         </p:nvSpPr>
         <p:spPr>
           <a:xfrm>
-            <a:off x="3347424" y="4422076"/>
+            <a:off x="4045924" y="4447476"/>
             <a:ext cx="441146" cy="338554"/>
           </a:xfrm>
           <a:prstGeom prst="rect">
@@ -7584,7 +7723,7 @@
         </p:nvSpPr>
         <p:spPr>
           <a:xfrm>
-            <a:off x="1258172" y="5008522"/>
+            <a:off x="1956672" y="5033922"/>
             <a:ext cx="819455" cy="338554"/>
           </a:xfrm>
           <a:prstGeom prst="rect">
@@ -7629,7 +7768,7 @@
         </p:nvSpPr>
         <p:spPr>
           <a:xfrm rot="16200000">
-            <a:off x="-807551" y="3059460"/>
+            <a:off x="-109051" y="3084860"/>
             <a:ext cx="957313" cy="338554"/>
           </a:xfrm>
           <a:prstGeom prst="rect">
@@ -7674,7 +7813,7 @@
         </p:nvSpPr>
         <p:spPr>
           <a:xfrm>
-            <a:off x="-104192" y="3623469"/>
+            <a:off x="594308" y="3648869"/>
             <a:ext cx="287258" cy="338554"/>
           </a:xfrm>
           <a:prstGeom prst="rect">
@@ -7719,7 +7858,7 @@
         </p:nvSpPr>
         <p:spPr>
           <a:xfrm>
-            <a:off x="-155488" y="2329077"/>
+            <a:off x="543012" y="2354477"/>
             <a:ext cx="389850" cy="338554"/>
           </a:xfrm>
           <a:prstGeom prst="rect">
@@ -7764,7 +7903,7 @@
         </p:nvSpPr>
         <p:spPr>
           <a:xfrm>
-            <a:off x="-155488" y="2976273"/>
+            <a:off x="543012" y="3001673"/>
             <a:ext cx="389850" cy="338554"/>
           </a:xfrm>
           <a:prstGeom prst="rect">
@@ -7809,7 +7948,7 @@
         </p:nvSpPr>
         <p:spPr>
           <a:xfrm>
-            <a:off x="4506565" y="4422071"/>
+            <a:off x="5205065" y="4447471"/>
             <a:ext cx="441146" cy="338554"/>
           </a:xfrm>
           <a:prstGeom prst="rect">
@@ -7856,7 +7995,7 @@
             </p:nvSpPr>
             <p:spPr>
               <a:xfrm>
-                <a:off x="4569685" y="4690654"/>
+                <a:off x="5268185" y="4716054"/>
                 <a:ext cx="228396" cy="207877"/>
               </a:xfrm>
               <a:prstGeom prst="rect">
@@ -7927,7 +8066,7 @@
             </p:nvSpPr>
             <p:spPr>
               <a:xfrm>
-                <a:off x="4569685" y="4690654"/>
+                <a:off x="5268185" y="4716054"/>
                 <a:ext cx="228396" cy="207877"/>
               </a:xfrm>
               <a:prstGeom prst="rect">
@@ -7936,7 +8075,7 @@
               <a:blipFill>
                 <a:blip r:embed="rId8"/>
                 <a:stretch>
-                  <a:fillRect l="-37838" r="-37838" b="-62857"/>
+                  <a:fillRect l="-36842" r="-34211" b="-67647"/>
                 </a:stretch>
               </a:blipFill>
             </p:spPr>
@@ -7971,7 +8110,7 @@
             </p:nvSpPr>
             <p:spPr>
               <a:xfrm>
-                <a:off x="5359395" y="4690654"/>
+                <a:off x="6057895" y="4716054"/>
                 <a:ext cx="228396" cy="207877"/>
               </a:xfrm>
               <a:prstGeom prst="rect">
@@ -8042,7 +8181,7 @@
             </p:nvSpPr>
             <p:spPr>
               <a:xfrm>
-                <a:off x="5359395" y="4690654"/>
+                <a:off x="6057895" y="4716054"/>
                 <a:ext cx="228396" cy="207877"/>
               </a:xfrm>
               <a:prstGeom prst="rect">
@@ -8051,7 +8190,7 @@
               <a:blipFill>
                 <a:blip r:embed="rId9"/>
                 <a:stretch>
-                  <a:fillRect l="-36842" r="-34211" b="-62857"/>
+                  <a:fillRect l="-37838" r="-37838" b="-67647"/>
                 </a:stretch>
               </a:blipFill>
             </p:spPr>
@@ -8086,7 +8225,7 @@
             </p:nvSpPr>
             <p:spPr>
               <a:xfrm>
-                <a:off x="6578594" y="4690654"/>
+                <a:off x="7277094" y="4716054"/>
                 <a:ext cx="228396" cy="207877"/>
               </a:xfrm>
               <a:prstGeom prst="rect">
@@ -8157,7 +8296,7 @@
             </p:nvSpPr>
             <p:spPr>
               <a:xfrm>
-                <a:off x="6578594" y="4690654"/>
+                <a:off x="7277094" y="4716054"/>
                 <a:ext cx="228396" cy="207877"/>
               </a:xfrm>
               <a:prstGeom prst="rect">
@@ -8166,7 +8305,7 @@
               <a:blipFill>
                 <a:blip r:embed="rId10"/>
                 <a:stretch>
-                  <a:fillRect l="-36842" r="-34211" b="-62857"/>
+                  <a:fillRect l="-37838" r="-37838" b="-67647"/>
                 </a:stretch>
               </a:blipFill>
             </p:spPr>
@@ -8201,7 +8340,7 @@
             </p:nvSpPr>
             <p:spPr>
               <a:xfrm>
-                <a:off x="7796485" y="4690654"/>
+                <a:off x="8494985" y="4716054"/>
                 <a:ext cx="228396" cy="207877"/>
               </a:xfrm>
               <a:prstGeom prst="rect">
@@ -8272,7 +8411,7 @@
             </p:nvSpPr>
             <p:spPr>
               <a:xfrm>
-                <a:off x="7796485" y="4690654"/>
+                <a:off x="8494985" y="4716054"/>
                 <a:ext cx="228396" cy="207877"/>
               </a:xfrm>
               <a:prstGeom prst="rect">
@@ -8281,7 +8420,7 @@
               <a:blipFill>
                 <a:blip r:embed="rId11"/>
                 <a:stretch>
-                  <a:fillRect l="-37838" r="-37838" b="-62857"/>
+                  <a:fillRect l="-37838" r="-37838" b="-67647"/>
                 </a:stretch>
               </a:blipFill>
             </p:spPr>
@@ -8314,7 +8453,7 @@
         </p:nvSpPr>
         <p:spPr>
           <a:xfrm>
-            <a:off x="5283105" y="4422071"/>
+            <a:off x="5981605" y="4447471"/>
             <a:ext cx="441146" cy="338554"/>
           </a:xfrm>
           <a:prstGeom prst="rect">
@@ -8359,7 +8498,7 @@
         </p:nvSpPr>
         <p:spPr>
           <a:xfrm>
-            <a:off x="6483365" y="4422071"/>
+            <a:off x="7181865" y="4447471"/>
             <a:ext cx="441146" cy="338554"/>
           </a:xfrm>
           <a:prstGeom prst="rect">
@@ -8404,7 +8543,7 @@
         </p:nvSpPr>
         <p:spPr>
           <a:xfrm>
-            <a:off x="7753163" y="4422071"/>
+            <a:off x="8451663" y="4447471"/>
             <a:ext cx="441146" cy="338554"/>
           </a:xfrm>
           <a:prstGeom prst="rect">
@@ -8449,7 +8588,7 @@
         </p:nvSpPr>
         <p:spPr>
           <a:xfrm>
-            <a:off x="5663911" y="5008517"/>
+            <a:off x="6362411" y="5033917"/>
             <a:ext cx="819455" cy="338554"/>
           </a:xfrm>
           <a:prstGeom prst="rect">
@@ -8494,7 +8633,7 @@
         </p:nvSpPr>
         <p:spPr>
           <a:xfrm rot="16200000">
-            <a:off x="3683123" y="3262793"/>
+            <a:off x="4381623" y="3288193"/>
             <a:ext cx="1059906" cy="338554"/>
           </a:xfrm>
           <a:prstGeom prst="rect">
@@ -8553,7 +8692,7 @@
         </p:nvSpPr>
         <p:spPr>
           <a:xfrm>
-            <a:off x="4163998" y="4163546"/>
+            <a:off x="4862498" y="4188946"/>
             <a:ext cx="510076" cy="338554"/>
           </a:xfrm>
           <a:prstGeom prst="rect">
@@ -8598,7 +8737,7 @@
         </p:nvSpPr>
         <p:spPr>
           <a:xfrm>
-            <a:off x="4319523" y="2426062"/>
+            <a:off x="5018023" y="2451462"/>
             <a:ext cx="441146" cy="338554"/>
           </a:xfrm>
           <a:prstGeom prst="rect">
@@ -8643,7 +8782,7 @@
         </p:nvSpPr>
         <p:spPr>
           <a:xfrm>
-            <a:off x="4347306" y="3241764"/>
+            <a:off x="5045806" y="3267164"/>
             <a:ext cx="287258" cy="338554"/>
           </a:xfrm>
           <a:prstGeom prst="rect">
@@ -8688,7 +8827,7 @@
         </p:nvSpPr>
         <p:spPr>
           <a:xfrm>
-            <a:off x="-164680" y="1729719"/>
+            <a:off x="533820" y="1755119"/>
             <a:ext cx="386644" cy="300210"/>
           </a:xfrm>
           <a:prstGeom prst="rect">
@@ -8730,7 +8869,7 @@
         </p:nvSpPr>
         <p:spPr>
           <a:xfrm>
-            <a:off x="4349162" y="1729719"/>
+            <a:off x="5047662" y="1755119"/>
             <a:ext cx="396262" cy="300210"/>
           </a:xfrm>
           <a:prstGeom prst="rect">
@@ -8772,7 +8911,7 @@
         </p:nvSpPr>
         <p:spPr>
           <a:xfrm>
-            <a:off x="234363" y="1779083"/>
+            <a:off x="932863" y="1804483"/>
             <a:ext cx="885563" cy="338554"/>
           </a:xfrm>
           <a:prstGeom prst="rect">
@@ -8817,7 +8956,7 @@
         </p:nvSpPr>
         <p:spPr>
           <a:xfrm>
-            <a:off x="4789045" y="1779083"/>
+            <a:off x="5487545" y="1804483"/>
             <a:ext cx="1292341" cy="338554"/>
           </a:xfrm>
           <a:prstGeom prst="rect">
@@ -8862,7 +9001,7 @@
         </p:nvGrpSpPr>
         <p:grpSpPr>
           <a:xfrm>
-            <a:off x="2325910" y="2524858"/>
+            <a:off x="3024410" y="2550258"/>
             <a:ext cx="1200923" cy="434129"/>
             <a:chOff x="4205008" y="1599073"/>
             <a:chExt cx="1200923" cy="434129"/>
@@ -9254,7 +9393,7 @@
         </p:nvGrpSpPr>
         <p:grpSpPr>
           <a:xfrm>
-            <a:off x="6801842" y="2533016"/>
+            <a:off x="7500342" y="2558416"/>
             <a:ext cx="1200923" cy="434129"/>
             <a:chOff x="4205008" y="1599073"/>
             <a:chExt cx="1200923" cy="434129"/>
@@ -9645,1492 +9784,6 @@
 </p:sld>
 </file>
 
-<file path=ppt/slides/slide4.xml><?xml version="1.0" encoding="utf-8"?>
-<p:sld xmlns:a="http://schemas.openxmlformats.org/drawingml/2006/main" xmlns:r="http://schemas.openxmlformats.org/officeDocument/2006/relationships" xmlns:p="http://schemas.openxmlformats.org/presentationml/2006/main">
-  <p:cSld>
-    <p:spTree>
-      <p:nvGrpSpPr>
-        <p:cNvPr id="1" name=""/>
-        <p:cNvGrpSpPr/>
-        <p:nvPr/>
-      </p:nvGrpSpPr>
-      <p:grpSpPr>
-        <a:xfrm>
-          <a:off x="0" y="0"/>
-          <a:ext cx="0" cy="0"/>
-          <a:chOff x="0" y="0"/>
-          <a:chExt cx="0" cy="0"/>
-        </a:xfrm>
-      </p:grpSpPr>
-      <p:pic>
-        <p:nvPicPr>
-          <p:cNvPr id="2" name="图片 1">
-            <a:extLst>
-              <a:ext uri="{FF2B5EF4-FFF2-40B4-BE49-F238E27FC236}">
-                <a16:creationId xmlns:a16="http://schemas.microsoft.com/office/drawing/2014/main" id="{83B2CBDB-316A-9369-2F7B-3389D506E892}"/>
-              </a:ext>
-            </a:extLst>
-          </p:cNvPr>
-          <p:cNvPicPr>
-            <a:picLocks noChangeAspect="1"/>
-          </p:cNvPicPr>
-          <p:nvPr/>
-        </p:nvPicPr>
-        <p:blipFill rotWithShape="1">
-          <a:blip r:embed="rId2"/>
-          <a:srcRect r="5307"/>
-          <a:stretch/>
-        </p:blipFill>
-        <p:spPr>
-          <a:xfrm>
-            <a:off x="-1357760" y="824293"/>
-            <a:ext cx="2217853" cy="945869"/>
-          </a:xfrm>
-          <a:prstGeom prst="rect">
-            <a:avLst/>
-          </a:prstGeom>
-        </p:spPr>
-      </p:pic>
-      <p:pic>
-        <p:nvPicPr>
-          <p:cNvPr id="3" name="图片 2">
-            <a:extLst>
-              <a:ext uri="{FF2B5EF4-FFF2-40B4-BE49-F238E27FC236}">
-                <a16:creationId xmlns:a16="http://schemas.microsoft.com/office/drawing/2014/main" id="{121F6400-945A-C0B5-0164-DF1EBAC80AE5}"/>
-              </a:ext>
-            </a:extLst>
-          </p:cNvPr>
-          <p:cNvPicPr>
-            <a:picLocks noChangeAspect="1"/>
-          </p:cNvPicPr>
-          <p:nvPr/>
-        </p:nvPicPr>
-        <p:blipFill>
-          <a:blip r:embed="rId3"/>
-          <a:stretch>
-            <a:fillRect/>
-          </a:stretch>
-        </p:blipFill>
-        <p:spPr>
-          <a:xfrm>
-            <a:off x="-1143667" y="1934709"/>
-            <a:ext cx="1752946" cy="1667916"/>
-          </a:xfrm>
-          <a:prstGeom prst="rect">
-            <a:avLst/>
-          </a:prstGeom>
-        </p:spPr>
-      </p:pic>
-      <p:sp>
-        <p:nvSpPr>
-          <p:cNvPr id="4" name="Rectangle 14">
-            <a:extLst>
-              <a:ext uri="{FF2B5EF4-FFF2-40B4-BE49-F238E27FC236}">
-                <a16:creationId xmlns:a16="http://schemas.microsoft.com/office/drawing/2014/main" id="{6720678F-C3C4-EB7B-42E9-5515C26F6477}"/>
-              </a:ext>
-            </a:extLst>
-          </p:cNvPr>
-          <p:cNvSpPr/>
-          <p:nvPr/>
-        </p:nvSpPr>
-        <p:spPr>
-          <a:xfrm>
-            <a:off x="-1446326" y="436715"/>
-            <a:ext cx="2306419" cy="3225144"/>
-          </a:xfrm>
-          <a:prstGeom prst="rect">
-            <a:avLst/>
-          </a:prstGeom>
-          <a:noFill/>
-          <a:ln>
-            <a:solidFill>
-              <a:schemeClr val="accent1">
-                <a:lumMod val="75000"/>
-              </a:schemeClr>
-            </a:solidFill>
-          </a:ln>
-        </p:spPr>
-        <p:style>
-          <a:lnRef idx="2">
-            <a:schemeClr val="accent1">
-              <a:shade val="50000"/>
-            </a:schemeClr>
-          </a:lnRef>
-          <a:fillRef idx="1">
-            <a:schemeClr val="accent1"/>
-          </a:fillRef>
-          <a:effectRef idx="0">
-            <a:schemeClr val="accent1"/>
-          </a:effectRef>
-          <a:fontRef idx="minor">
-            <a:schemeClr val="lt1"/>
-          </a:fontRef>
-        </p:style>
-        <p:txBody>
-          <a:bodyPr rtlCol="0" anchor="t"/>
-          <a:lstStyle>
-            <a:defPPr>
-              <a:defRPr lang="en-US"/>
-            </a:defPPr>
-            <a:lvl1pPr marL="0" algn="l" defTabSz="914400" rtl="0" eaLnBrk="1" latinLnBrk="0" hangingPunct="1">
-              <a:defRPr sz="1800" kern="1200">
-                <a:solidFill>
-                  <a:schemeClr val="lt1"/>
-                </a:solidFill>
-                <a:latin typeface="+mn-lt"/>
-                <a:ea typeface="+mn-ea"/>
-                <a:cs typeface="+mn-cs"/>
-              </a:defRPr>
-            </a:lvl1pPr>
-            <a:lvl2pPr marL="457200" algn="l" defTabSz="914400" rtl="0" eaLnBrk="1" latinLnBrk="0" hangingPunct="1">
-              <a:defRPr sz="1800" kern="1200">
-                <a:solidFill>
-                  <a:schemeClr val="lt1"/>
-                </a:solidFill>
-                <a:latin typeface="+mn-lt"/>
-                <a:ea typeface="+mn-ea"/>
-                <a:cs typeface="+mn-cs"/>
-              </a:defRPr>
-            </a:lvl2pPr>
-            <a:lvl3pPr marL="914400" algn="l" defTabSz="914400" rtl="0" eaLnBrk="1" latinLnBrk="0" hangingPunct="1">
-              <a:defRPr sz="1800" kern="1200">
-                <a:solidFill>
-                  <a:schemeClr val="lt1"/>
-                </a:solidFill>
-                <a:latin typeface="+mn-lt"/>
-                <a:ea typeface="+mn-ea"/>
-                <a:cs typeface="+mn-cs"/>
-              </a:defRPr>
-            </a:lvl3pPr>
-            <a:lvl4pPr marL="1371600" algn="l" defTabSz="914400" rtl="0" eaLnBrk="1" latinLnBrk="0" hangingPunct="1">
-              <a:defRPr sz="1800" kern="1200">
-                <a:solidFill>
-                  <a:schemeClr val="lt1"/>
-                </a:solidFill>
-                <a:latin typeface="+mn-lt"/>
-                <a:ea typeface="+mn-ea"/>
-                <a:cs typeface="+mn-cs"/>
-              </a:defRPr>
-            </a:lvl4pPr>
-            <a:lvl5pPr marL="1828800" algn="l" defTabSz="914400" rtl="0" eaLnBrk="1" latinLnBrk="0" hangingPunct="1">
-              <a:defRPr sz="1800" kern="1200">
-                <a:solidFill>
-                  <a:schemeClr val="lt1"/>
-                </a:solidFill>
-                <a:latin typeface="+mn-lt"/>
-                <a:ea typeface="+mn-ea"/>
-                <a:cs typeface="+mn-cs"/>
-              </a:defRPr>
-            </a:lvl5pPr>
-            <a:lvl6pPr marL="2286000" algn="l" defTabSz="914400" rtl="0" eaLnBrk="1" latinLnBrk="0" hangingPunct="1">
-              <a:defRPr sz="1800" kern="1200">
-                <a:solidFill>
-                  <a:schemeClr val="lt1"/>
-                </a:solidFill>
-                <a:latin typeface="+mn-lt"/>
-                <a:ea typeface="+mn-ea"/>
-                <a:cs typeface="+mn-cs"/>
-              </a:defRPr>
-            </a:lvl6pPr>
-            <a:lvl7pPr marL="2743200" algn="l" defTabSz="914400" rtl="0" eaLnBrk="1" latinLnBrk="0" hangingPunct="1">
-              <a:defRPr sz="1800" kern="1200">
-                <a:solidFill>
-                  <a:schemeClr val="lt1"/>
-                </a:solidFill>
-                <a:latin typeface="+mn-lt"/>
-                <a:ea typeface="+mn-ea"/>
-                <a:cs typeface="+mn-cs"/>
-              </a:defRPr>
-            </a:lvl7pPr>
-            <a:lvl8pPr marL="3200400" algn="l" defTabSz="914400" rtl="0" eaLnBrk="1" latinLnBrk="0" hangingPunct="1">
-              <a:defRPr sz="1800" kern="1200">
-                <a:solidFill>
-                  <a:schemeClr val="lt1"/>
-                </a:solidFill>
-                <a:latin typeface="+mn-lt"/>
-                <a:ea typeface="+mn-ea"/>
-                <a:cs typeface="+mn-cs"/>
-              </a:defRPr>
-            </a:lvl8pPr>
-            <a:lvl9pPr marL="3657600" algn="l" defTabSz="914400" rtl="0" eaLnBrk="1" latinLnBrk="0" hangingPunct="1">
-              <a:defRPr sz="1800" kern="1200">
-                <a:solidFill>
-                  <a:schemeClr val="lt1"/>
-                </a:solidFill>
-                <a:latin typeface="+mn-lt"/>
-                <a:ea typeface="+mn-ea"/>
-                <a:cs typeface="+mn-cs"/>
-              </a:defRPr>
-            </a:lvl9pPr>
-          </a:lstStyle>
-          <a:p>
-            <a:pPr algn="ctr"/>
-            <a:r>
-              <a:rPr lang="en-US" b="1" dirty="0">
-                <a:solidFill>
-                  <a:schemeClr val="tx1"/>
-                </a:solidFill>
-              </a:rPr>
-              <a:t>Surface &amp; TIF</a:t>
-            </a:r>
-          </a:p>
-        </p:txBody>
-      </p:sp>
-      <p:sp>
-        <p:nvSpPr>
-          <p:cNvPr id="5" name="Rectangle 14">
-            <a:extLst>
-              <a:ext uri="{FF2B5EF4-FFF2-40B4-BE49-F238E27FC236}">
-                <a16:creationId xmlns:a16="http://schemas.microsoft.com/office/drawing/2014/main" id="{F47E1024-FC1A-289A-6E9C-BC06E823548C}"/>
-              </a:ext>
-            </a:extLst>
-          </p:cNvPr>
-          <p:cNvSpPr/>
-          <p:nvPr/>
-        </p:nvSpPr>
-        <p:spPr>
-          <a:xfrm>
-            <a:off x="1335081" y="1322638"/>
-            <a:ext cx="2835373" cy="4583490"/>
-          </a:xfrm>
-          <a:prstGeom prst="rect">
-            <a:avLst/>
-          </a:prstGeom>
-          <a:noFill/>
-          <a:ln>
-            <a:solidFill>
-              <a:schemeClr val="accent1">
-                <a:lumMod val="75000"/>
-              </a:schemeClr>
-            </a:solidFill>
-          </a:ln>
-        </p:spPr>
-        <p:style>
-          <a:lnRef idx="2">
-            <a:schemeClr val="accent1">
-              <a:shade val="50000"/>
-            </a:schemeClr>
-          </a:lnRef>
-          <a:fillRef idx="1">
-            <a:schemeClr val="accent1"/>
-          </a:fillRef>
-          <a:effectRef idx="0">
-            <a:schemeClr val="accent1"/>
-          </a:effectRef>
-          <a:fontRef idx="minor">
-            <a:schemeClr val="lt1"/>
-          </a:fontRef>
-        </p:style>
-        <p:txBody>
-          <a:bodyPr rtlCol="0" anchor="t"/>
-          <a:lstStyle>
-            <a:defPPr>
-              <a:defRPr lang="en-US"/>
-            </a:defPPr>
-            <a:lvl1pPr marL="0" algn="l" defTabSz="914400" rtl="0" eaLnBrk="1" latinLnBrk="0" hangingPunct="1">
-              <a:defRPr sz="1800" kern="1200">
-                <a:solidFill>
-                  <a:schemeClr val="lt1"/>
-                </a:solidFill>
-                <a:latin typeface="+mn-lt"/>
-                <a:ea typeface="+mn-ea"/>
-                <a:cs typeface="+mn-cs"/>
-              </a:defRPr>
-            </a:lvl1pPr>
-            <a:lvl2pPr marL="457200" algn="l" defTabSz="914400" rtl="0" eaLnBrk="1" latinLnBrk="0" hangingPunct="1">
-              <a:defRPr sz="1800" kern="1200">
-                <a:solidFill>
-                  <a:schemeClr val="lt1"/>
-                </a:solidFill>
-                <a:latin typeface="+mn-lt"/>
-                <a:ea typeface="+mn-ea"/>
-                <a:cs typeface="+mn-cs"/>
-              </a:defRPr>
-            </a:lvl2pPr>
-            <a:lvl3pPr marL="914400" algn="l" defTabSz="914400" rtl="0" eaLnBrk="1" latinLnBrk="0" hangingPunct="1">
-              <a:defRPr sz="1800" kern="1200">
-                <a:solidFill>
-                  <a:schemeClr val="lt1"/>
-                </a:solidFill>
-                <a:latin typeface="+mn-lt"/>
-                <a:ea typeface="+mn-ea"/>
-                <a:cs typeface="+mn-cs"/>
-              </a:defRPr>
-            </a:lvl3pPr>
-            <a:lvl4pPr marL="1371600" algn="l" defTabSz="914400" rtl="0" eaLnBrk="1" latinLnBrk="0" hangingPunct="1">
-              <a:defRPr sz="1800" kern="1200">
-                <a:solidFill>
-                  <a:schemeClr val="lt1"/>
-                </a:solidFill>
-                <a:latin typeface="+mn-lt"/>
-                <a:ea typeface="+mn-ea"/>
-                <a:cs typeface="+mn-cs"/>
-              </a:defRPr>
-            </a:lvl4pPr>
-            <a:lvl5pPr marL="1828800" algn="l" defTabSz="914400" rtl="0" eaLnBrk="1" latinLnBrk="0" hangingPunct="1">
-              <a:defRPr sz="1800" kern="1200">
-                <a:solidFill>
-                  <a:schemeClr val="lt1"/>
-                </a:solidFill>
-                <a:latin typeface="+mn-lt"/>
-                <a:ea typeface="+mn-ea"/>
-                <a:cs typeface="+mn-cs"/>
-              </a:defRPr>
-            </a:lvl5pPr>
-            <a:lvl6pPr marL="2286000" algn="l" defTabSz="914400" rtl="0" eaLnBrk="1" latinLnBrk="0" hangingPunct="1">
-              <a:defRPr sz="1800" kern="1200">
-                <a:solidFill>
-                  <a:schemeClr val="lt1"/>
-                </a:solidFill>
-                <a:latin typeface="+mn-lt"/>
-                <a:ea typeface="+mn-ea"/>
-                <a:cs typeface="+mn-cs"/>
-              </a:defRPr>
-            </a:lvl6pPr>
-            <a:lvl7pPr marL="2743200" algn="l" defTabSz="914400" rtl="0" eaLnBrk="1" latinLnBrk="0" hangingPunct="1">
-              <a:defRPr sz="1800" kern="1200">
-                <a:solidFill>
-                  <a:schemeClr val="lt1"/>
-                </a:solidFill>
-                <a:latin typeface="+mn-lt"/>
-                <a:ea typeface="+mn-ea"/>
-                <a:cs typeface="+mn-cs"/>
-              </a:defRPr>
-            </a:lvl7pPr>
-            <a:lvl8pPr marL="3200400" algn="l" defTabSz="914400" rtl="0" eaLnBrk="1" latinLnBrk="0" hangingPunct="1">
-              <a:defRPr sz="1800" kern="1200">
-                <a:solidFill>
-                  <a:schemeClr val="lt1"/>
-                </a:solidFill>
-                <a:latin typeface="+mn-lt"/>
-                <a:ea typeface="+mn-ea"/>
-                <a:cs typeface="+mn-cs"/>
-              </a:defRPr>
-            </a:lvl8pPr>
-            <a:lvl9pPr marL="3657600" algn="l" defTabSz="914400" rtl="0" eaLnBrk="1" latinLnBrk="0" hangingPunct="1">
-              <a:defRPr sz="1800" kern="1200">
-                <a:solidFill>
-                  <a:schemeClr val="lt1"/>
-                </a:solidFill>
-                <a:latin typeface="+mn-lt"/>
-                <a:ea typeface="+mn-ea"/>
-                <a:cs typeface="+mn-cs"/>
-              </a:defRPr>
-            </a:lvl9pPr>
-          </a:lstStyle>
-          <a:p>
-            <a:pPr algn="ctr"/>
-            <a:r>
-              <a:rPr lang="en-US" b="1" dirty="0">
-                <a:solidFill>
-                  <a:schemeClr val="tx1"/>
-                </a:solidFill>
-              </a:rPr>
-              <a:t>Position mode: UDO</a:t>
-            </a:r>
-          </a:p>
-        </p:txBody>
-      </p:sp>
-      <p:sp>
-        <p:nvSpPr>
-          <p:cNvPr id="6" name="Rectangle 14">
-            <a:extLst>
-              <a:ext uri="{FF2B5EF4-FFF2-40B4-BE49-F238E27FC236}">
-                <a16:creationId xmlns:a16="http://schemas.microsoft.com/office/drawing/2014/main" id="{6008C4B5-9363-F075-5FA0-34045494EC30}"/>
-              </a:ext>
-            </a:extLst>
-          </p:cNvPr>
-          <p:cNvSpPr/>
-          <p:nvPr/>
-        </p:nvSpPr>
-        <p:spPr>
-          <a:xfrm>
-            <a:off x="4552157" y="629368"/>
-            <a:ext cx="2814847" cy="4285157"/>
-          </a:xfrm>
-          <a:prstGeom prst="rect">
-            <a:avLst/>
-          </a:prstGeom>
-          <a:noFill/>
-          <a:ln>
-            <a:solidFill>
-              <a:schemeClr val="accent1">
-                <a:lumMod val="75000"/>
-              </a:schemeClr>
-            </a:solidFill>
-          </a:ln>
-        </p:spPr>
-        <p:style>
-          <a:lnRef idx="2">
-            <a:schemeClr val="accent1">
-              <a:shade val="50000"/>
-            </a:schemeClr>
-          </a:lnRef>
-          <a:fillRef idx="1">
-            <a:schemeClr val="accent1"/>
-          </a:fillRef>
-          <a:effectRef idx="0">
-            <a:schemeClr val="accent1"/>
-          </a:effectRef>
-          <a:fontRef idx="minor">
-            <a:schemeClr val="lt1"/>
-          </a:fontRef>
-        </p:style>
-        <p:txBody>
-          <a:bodyPr rtlCol="0" anchor="t"/>
-          <a:lstStyle>
-            <a:defPPr>
-              <a:defRPr lang="en-US"/>
-            </a:defPPr>
-            <a:lvl1pPr marL="0" algn="l" defTabSz="914400" rtl="0" eaLnBrk="1" latinLnBrk="0" hangingPunct="1">
-              <a:defRPr sz="1800" kern="1200">
-                <a:solidFill>
-                  <a:schemeClr val="lt1"/>
-                </a:solidFill>
-                <a:latin typeface="+mn-lt"/>
-                <a:ea typeface="+mn-ea"/>
-                <a:cs typeface="+mn-cs"/>
-              </a:defRPr>
-            </a:lvl1pPr>
-            <a:lvl2pPr marL="457200" algn="l" defTabSz="914400" rtl="0" eaLnBrk="1" latinLnBrk="0" hangingPunct="1">
-              <a:defRPr sz="1800" kern="1200">
-                <a:solidFill>
-                  <a:schemeClr val="lt1"/>
-                </a:solidFill>
-                <a:latin typeface="+mn-lt"/>
-                <a:ea typeface="+mn-ea"/>
-                <a:cs typeface="+mn-cs"/>
-              </a:defRPr>
-            </a:lvl2pPr>
-            <a:lvl3pPr marL="914400" algn="l" defTabSz="914400" rtl="0" eaLnBrk="1" latinLnBrk="0" hangingPunct="1">
-              <a:defRPr sz="1800" kern="1200">
-                <a:solidFill>
-                  <a:schemeClr val="lt1"/>
-                </a:solidFill>
-                <a:latin typeface="+mn-lt"/>
-                <a:ea typeface="+mn-ea"/>
-                <a:cs typeface="+mn-cs"/>
-              </a:defRPr>
-            </a:lvl3pPr>
-            <a:lvl4pPr marL="1371600" algn="l" defTabSz="914400" rtl="0" eaLnBrk="1" latinLnBrk="0" hangingPunct="1">
-              <a:defRPr sz="1800" kern="1200">
-                <a:solidFill>
-                  <a:schemeClr val="lt1"/>
-                </a:solidFill>
-                <a:latin typeface="+mn-lt"/>
-                <a:ea typeface="+mn-ea"/>
-                <a:cs typeface="+mn-cs"/>
-              </a:defRPr>
-            </a:lvl4pPr>
-            <a:lvl5pPr marL="1828800" algn="l" defTabSz="914400" rtl="0" eaLnBrk="1" latinLnBrk="0" hangingPunct="1">
-              <a:defRPr sz="1800" kern="1200">
-                <a:solidFill>
-                  <a:schemeClr val="lt1"/>
-                </a:solidFill>
-                <a:latin typeface="+mn-lt"/>
-                <a:ea typeface="+mn-ea"/>
-                <a:cs typeface="+mn-cs"/>
-              </a:defRPr>
-            </a:lvl5pPr>
-            <a:lvl6pPr marL="2286000" algn="l" defTabSz="914400" rtl="0" eaLnBrk="1" latinLnBrk="0" hangingPunct="1">
-              <a:defRPr sz="1800" kern="1200">
-                <a:solidFill>
-                  <a:schemeClr val="lt1"/>
-                </a:solidFill>
-                <a:latin typeface="+mn-lt"/>
-                <a:ea typeface="+mn-ea"/>
-                <a:cs typeface="+mn-cs"/>
-              </a:defRPr>
-            </a:lvl6pPr>
-            <a:lvl7pPr marL="2743200" algn="l" defTabSz="914400" rtl="0" eaLnBrk="1" latinLnBrk="0" hangingPunct="1">
-              <a:defRPr sz="1800" kern="1200">
-                <a:solidFill>
-                  <a:schemeClr val="lt1"/>
-                </a:solidFill>
-                <a:latin typeface="+mn-lt"/>
-                <a:ea typeface="+mn-ea"/>
-                <a:cs typeface="+mn-cs"/>
-              </a:defRPr>
-            </a:lvl7pPr>
-            <a:lvl8pPr marL="3200400" algn="l" defTabSz="914400" rtl="0" eaLnBrk="1" latinLnBrk="0" hangingPunct="1">
-              <a:defRPr sz="1800" kern="1200">
-                <a:solidFill>
-                  <a:schemeClr val="lt1"/>
-                </a:solidFill>
-                <a:latin typeface="+mn-lt"/>
-                <a:ea typeface="+mn-ea"/>
-                <a:cs typeface="+mn-cs"/>
-              </a:defRPr>
-            </a:lvl8pPr>
-            <a:lvl9pPr marL="3657600" algn="l" defTabSz="914400" rtl="0" eaLnBrk="1" latinLnBrk="0" hangingPunct="1">
-              <a:defRPr sz="1800" kern="1200">
-                <a:solidFill>
-                  <a:schemeClr val="lt1"/>
-                </a:solidFill>
-                <a:latin typeface="+mn-lt"/>
-                <a:ea typeface="+mn-ea"/>
-                <a:cs typeface="+mn-cs"/>
-              </a:defRPr>
-            </a:lvl9pPr>
-          </a:lstStyle>
-          <a:p>
-            <a:pPr algn="ctr"/>
-            <a:r>
-              <a:rPr lang="en-US" b="1" dirty="0">
-                <a:solidFill>
-                  <a:schemeClr val="tx1"/>
-                </a:solidFill>
-              </a:rPr>
-              <a:t>PVT scheduler</a:t>
-            </a:r>
-          </a:p>
-        </p:txBody>
-      </p:sp>
-      <p:cxnSp>
-        <p:nvCxnSpPr>
-          <p:cNvPr id="7" name="连接符: 肘形 6">
-            <a:extLst>
-              <a:ext uri="{FF2B5EF4-FFF2-40B4-BE49-F238E27FC236}">
-                <a16:creationId xmlns:a16="http://schemas.microsoft.com/office/drawing/2014/main" id="{EF055F01-50BF-9712-9F05-FE1E963C6F7D}"/>
-              </a:ext>
-            </a:extLst>
-          </p:cNvPr>
-          <p:cNvCxnSpPr>
-            <a:cxnSpLocks/>
-            <a:stCxn id="4" idx="3"/>
-            <a:endCxn id="5" idx="1"/>
-          </p:cNvCxnSpPr>
-          <p:nvPr/>
-        </p:nvCxnSpPr>
-        <p:spPr>
-          <a:xfrm>
-            <a:off x="860094" y="2049287"/>
-            <a:ext cx="474987" cy="1565096"/>
-          </a:xfrm>
-          <a:prstGeom prst="bentConnector3">
-            <a:avLst/>
-          </a:prstGeom>
-          <a:ln>
-            <a:tailEnd type="triangle"/>
-          </a:ln>
-        </p:spPr>
-        <p:style>
-          <a:lnRef idx="1">
-            <a:schemeClr val="dk1"/>
-          </a:lnRef>
-          <a:fillRef idx="0">
-            <a:schemeClr val="dk1"/>
-          </a:fillRef>
-          <a:effectRef idx="0">
-            <a:schemeClr val="dk1"/>
-          </a:effectRef>
-          <a:fontRef idx="minor">
-            <a:schemeClr val="tx1"/>
-          </a:fontRef>
-        </p:style>
-      </p:cxnSp>
-      <p:pic>
-        <p:nvPicPr>
-          <p:cNvPr id="8" name="图片 7">
-            <a:extLst>
-              <a:ext uri="{FF2B5EF4-FFF2-40B4-BE49-F238E27FC236}">
-                <a16:creationId xmlns:a16="http://schemas.microsoft.com/office/drawing/2014/main" id="{E9C2B9DE-1474-D7F3-A1FC-85A2509C177C}"/>
-              </a:ext>
-            </a:extLst>
-          </p:cNvPr>
-          <p:cNvPicPr>
-            <a:picLocks noChangeAspect="1"/>
-          </p:cNvPicPr>
-          <p:nvPr/>
-        </p:nvPicPr>
-        <p:blipFill rotWithShape="1">
-          <a:blip r:embed="rId4"/>
-          <a:srcRect l="1" t="49801" r="33012" b="-1"/>
-          <a:stretch/>
-        </p:blipFill>
-        <p:spPr>
-          <a:xfrm>
-            <a:off x="-1335486" y="4419663"/>
-            <a:ext cx="2055688" cy="1041194"/>
-          </a:xfrm>
-          <a:prstGeom prst="rect">
-            <a:avLst/>
-          </a:prstGeom>
-        </p:spPr>
-      </p:pic>
-      <p:sp>
-        <p:nvSpPr>
-          <p:cNvPr id="9" name="文本框 8">
-            <a:extLst>
-              <a:ext uri="{FF2B5EF4-FFF2-40B4-BE49-F238E27FC236}">
-                <a16:creationId xmlns:a16="http://schemas.microsoft.com/office/drawing/2014/main" id="{99678FAC-0BB5-9187-EAC6-FC59AC05E184}"/>
-              </a:ext>
-            </a:extLst>
-          </p:cNvPr>
-          <p:cNvSpPr txBox="1"/>
-          <p:nvPr/>
-        </p:nvSpPr>
-        <p:spPr>
-          <a:xfrm>
-            <a:off x="-1393854" y="5629130"/>
-            <a:ext cx="1086212" cy="276999"/>
-          </a:xfrm>
-          <a:prstGeom prst="rect">
-            <a:avLst/>
-          </a:prstGeom>
-          <a:noFill/>
-        </p:spPr>
-        <p:txBody>
-          <a:bodyPr wrap="square">
-            <a:spAutoFit/>
-          </a:bodyPr>
-          <a:lstStyle/>
-          <a:p>
-            <a:r>
-              <a:rPr lang="en-US" altLang="zh-CN" sz="1200" b="1" dirty="0">
-                <a:solidFill>
-                  <a:srgbClr val="003FBC"/>
-                </a:solidFill>
-              </a:rPr>
-              <a:t>path points</a:t>
-            </a:r>
-            <a:endParaRPr lang="zh-CN" altLang="en-US" sz="1200" b="1" dirty="0">
-              <a:solidFill>
-                <a:srgbClr val="003FBC"/>
-              </a:solidFill>
-            </a:endParaRPr>
-          </a:p>
-        </p:txBody>
-      </p:sp>
-      <p:sp>
-        <p:nvSpPr>
-          <p:cNvPr id="10" name="文本框 9">
-            <a:extLst>
-              <a:ext uri="{FF2B5EF4-FFF2-40B4-BE49-F238E27FC236}">
-                <a16:creationId xmlns:a16="http://schemas.microsoft.com/office/drawing/2014/main" id="{7C3264ED-7A3F-588E-F815-5A3F8DB07432}"/>
-              </a:ext>
-            </a:extLst>
-          </p:cNvPr>
-          <p:cNvSpPr txBox="1"/>
-          <p:nvPr/>
-        </p:nvSpPr>
-        <p:spPr>
-          <a:xfrm>
-            <a:off x="-699460" y="5420161"/>
-            <a:ext cx="1086212" cy="276999"/>
-          </a:xfrm>
-          <a:prstGeom prst="rect">
-            <a:avLst/>
-          </a:prstGeom>
-          <a:noFill/>
-        </p:spPr>
-        <p:txBody>
-          <a:bodyPr wrap="square">
-            <a:spAutoFit/>
-          </a:bodyPr>
-          <a:lstStyle/>
-          <a:p>
-            <a:r>
-              <a:rPr lang="en-US" altLang="zh-CN" sz="1200" b="1" dirty="0">
-                <a:solidFill>
-                  <a:srgbClr val="FF0000"/>
-                </a:solidFill>
-              </a:rPr>
-              <a:t>dwell points</a:t>
-            </a:r>
-            <a:endParaRPr lang="zh-CN" altLang="en-US" sz="1200" b="1" dirty="0">
-              <a:solidFill>
-                <a:srgbClr val="FF0000"/>
-              </a:solidFill>
-            </a:endParaRPr>
-          </a:p>
-        </p:txBody>
-      </p:sp>
-      <p:cxnSp>
-        <p:nvCxnSpPr>
-          <p:cNvPr id="11" name="直接箭头连接符 10">
-            <a:extLst>
-              <a:ext uri="{FF2B5EF4-FFF2-40B4-BE49-F238E27FC236}">
-                <a16:creationId xmlns:a16="http://schemas.microsoft.com/office/drawing/2014/main" id="{691E0EAC-D36C-63BC-455C-1A0FA0515297}"/>
-              </a:ext>
-            </a:extLst>
-          </p:cNvPr>
-          <p:cNvCxnSpPr>
-            <a:cxnSpLocks/>
-          </p:cNvCxnSpPr>
-          <p:nvPr/>
-        </p:nvCxnSpPr>
-        <p:spPr>
-          <a:xfrm flipH="1" flipV="1">
-            <a:off x="-782235" y="5390044"/>
-            <a:ext cx="154134" cy="98147"/>
-          </a:xfrm>
-          <a:prstGeom prst="straightConnector1">
-            <a:avLst/>
-          </a:prstGeom>
-          <a:ln w="25400">
-            <a:solidFill>
-              <a:srgbClr val="FF0000"/>
-            </a:solidFill>
-            <a:tailEnd type="triangle"/>
-          </a:ln>
-        </p:spPr>
-        <p:style>
-          <a:lnRef idx="1">
-            <a:schemeClr val="accent2"/>
-          </a:lnRef>
-          <a:fillRef idx="0">
-            <a:schemeClr val="accent2"/>
-          </a:fillRef>
-          <a:effectRef idx="0">
-            <a:schemeClr val="accent2"/>
-          </a:effectRef>
-          <a:fontRef idx="minor">
-            <a:schemeClr val="tx1"/>
-          </a:fontRef>
-        </p:style>
-      </p:cxnSp>
-      <p:cxnSp>
-        <p:nvCxnSpPr>
-          <p:cNvPr id="14" name="直接箭头连接符 13">
-            <a:extLst>
-              <a:ext uri="{FF2B5EF4-FFF2-40B4-BE49-F238E27FC236}">
-                <a16:creationId xmlns:a16="http://schemas.microsoft.com/office/drawing/2014/main" id="{B9ADE528-5901-0012-685F-5B861CB87DFE}"/>
-              </a:ext>
-            </a:extLst>
-          </p:cNvPr>
-          <p:cNvCxnSpPr>
-            <a:cxnSpLocks/>
-          </p:cNvCxnSpPr>
-          <p:nvPr/>
-        </p:nvCxnSpPr>
-        <p:spPr>
-          <a:xfrm flipV="1">
-            <a:off x="-1072601" y="5390043"/>
-            <a:ext cx="132791" cy="277106"/>
-          </a:xfrm>
-          <a:prstGeom prst="straightConnector1">
-            <a:avLst/>
-          </a:prstGeom>
-          <a:ln w="25400">
-            <a:solidFill>
-              <a:srgbClr val="003FBC"/>
-            </a:solidFill>
-            <a:tailEnd type="triangle"/>
-          </a:ln>
-        </p:spPr>
-        <p:style>
-          <a:lnRef idx="1">
-            <a:schemeClr val="accent2"/>
-          </a:lnRef>
-          <a:fillRef idx="0">
-            <a:schemeClr val="accent2"/>
-          </a:fillRef>
-          <a:effectRef idx="0">
-            <a:schemeClr val="accent2"/>
-          </a:effectRef>
-          <a:fontRef idx="minor">
-            <a:schemeClr val="tx1"/>
-          </a:fontRef>
-        </p:style>
-      </p:cxnSp>
-      <p:pic>
-        <p:nvPicPr>
-          <p:cNvPr id="15" name="图片 14">
-            <a:extLst>
-              <a:ext uri="{FF2B5EF4-FFF2-40B4-BE49-F238E27FC236}">
-                <a16:creationId xmlns:a16="http://schemas.microsoft.com/office/drawing/2014/main" id="{47C85961-244F-E01B-EE8B-B3C83BFE3FC5}"/>
-              </a:ext>
-            </a:extLst>
-          </p:cNvPr>
-          <p:cNvPicPr>
-            <a:picLocks noChangeAspect="1"/>
-          </p:cNvPicPr>
-          <p:nvPr/>
-        </p:nvPicPr>
-        <p:blipFill>
-          <a:blip r:embed="rId5"/>
-          <a:stretch>
-            <a:fillRect/>
-          </a:stretch>
-        </p:blipFill>
-        <p:spPr>
-          <a:xfrm>
-            <a:off x="1418731" y="1870648"/>
-            <a:ext cx="2751723" cy="1142792"/>
-          </a:xfrm>
-          <a:prstGeom prst="rect">
-            <a:avLst/>
-          </a:prstGeom>
-        </p:spPr>
-      </p:pic>
-      <p:pic>
-        <p:nvPicPr>
-          <p:cNvPr id="17" name="图片 16">
-            <a:extLst>
-              <a:ext uri="{FF2B5EF4-FFF2-40B4-BE49-F238E27FC236}">
-                <a16:creationId xmlns:a16="http://schemas.microsoft.com/office/drawing/2014/main" id="{0B1CA097-8899-79E7-2780-D28A0FB5B35E}"/>
-              </a:ext>
-            </a:extLst>
-          </p:cNvPr>
-          <p:cNvPicPr>
-            <a:picLocks noChangeAspect="1"/>
-          </p:cNvPicPr>
-          <p:nvPr/>
-        </p:nvPicPr>
-        <p:blipFill>
-          <a:blip r:embed="rId6"/>
-          <a:stretch>
-            <a:fillRect/>
-          </a:stretch>
-        </p:blipFill>
-        <p:spPr>
-          <a:xfrm>
-            <a:off x="1418729" y="3455614"/>
-            <a:ext cx="2740010" cy="966174"/>
-          </a:xfrm>
-          <a:prstGeom prst="rect">
-            <a:avLst/>
-          </a:prstGeom>
-        </p:spPr>
-      </p:pic>
-      <p:pic>
-        <p:nvPicPr>
-          <p:cNvPr id="19" name="图片 18">
-            <a:extLst>
-              <a:ext uri="{FF2B5EF4-FFF2-40B4-BE49-F238E27FC236}">
-                <a16:creationId xmlns:a16="http://schemas.microsoft.com/office/drawing/2014/main" id="{C107C34F-1C50-213E-2EE7-540DE92FA3D1}"/>
-              </a:ext>
-            </a:extLst>
-          </p:cNvPr>
-          <p:cNvPicPr>
-            <a:picLocks noChangeAspect="1"/>
-          </p:cNvPicPr>
-          <p:nvPr/>
-        </p:nvPicPr>
-        <p:blipFill>
-          <a:blip r:embed="rId7"/>
-          <a:stretch>
-            <a:fillRect/>
-          </a:stretch>
-        </p:blipFill>
-        <p:spPr>
-          <a:xfrm>
-            <a:off x="1461695" y="4693462"/>
-            <a:ext cx="2697044" cy="969478"/>
-          </a:xfrm>
-          <a:prstGeom prst="rect">
-            <a:avLst/>
-          </a:prstGeom>
-        </p:spPr>
-      </p:pic>
-      <p:cxnSp>
-        <p:nvCxnSpPr>
-          <p:cNvPr id="24" name="连接符: 肘形 23">
-            <a:extLst>
-              <a:ext uri="{FF2B5EF4-FFF2-40B4-BE49-F238E27FC236}">
-                <a16:creationId xmlns:a16="http://schemas.microsoft.com/office/drawing/2014/main" id="{DD7B4A55-0AAF-0825-7C18-5C256D154CCF}"/>
-              </a:ext>
-            </a:extLst>
-          </p:cNvPr>
-          <p:cNvCxnSpPr>
-            <a:cxnSpLocks/>
-            <a:stCxn id="5" idx="3"/>
-            <a:endCxn id="6" idx="1"/>
-          </p:cNvCxnSpPr>
-          <p:nvPr/>
-        </p:nvCxnSpPr>
-        <p:spPr>
-          <a:xfrm flipV="1">
-            <a:off x="4170454" y="2771947"/>
-            <a:ext cx="381703" cy="842437"/>
-          </a:xfrm>
-          <a:prstGeom prst="bentConnector3">
-            <a:avLst>
-              <a:gd name="adj1" fmla="val 50000"/>
-            </a:avLst>
-          </a:prstGeom>
-          <a:ln>
-            <a:tailEnd type="triangle"/>
-          </a:ln>
-        </p:spPr>
-        <p:style>
-          <a:lnRef idx="1">
-            <a:schemeClr val="dk1"/>
-          </a:lnRef>
-          <a:fillRef idx="0">
-            <a:schemeClr val="dk1"/>
-          </a:fillRef>
-          <a:effectRef idx="0">
-            <a:schemeClr val="dk1"/>
-          </a:effectRef>
-          <a:fontRef idx="minor">
-            <a:schemeClr val="tx1"/>
-          </a:fontRef>
-        </p:style>
-      </p:cxnSp>
-      <p:pic>
-        <p:nvPicPr>
-          <p:cNvPr id="28" name="图片 27">
-            <a:extLst>
-              <a:ext uri="{FF2B5EF4-FFF2-40B4-BE49-F238E27FC236}">
-                <a16:creationId xmlns:a16="http://schemas.microsoft.com/office/drawing/2014/main" id="{9CCB84E6-02B2-A22F-AA9E-E31CAAD1E8B0}"/>
-              </a:ext>
-            </a:extLst>
-          </p:cNvPr>
-          <p:cNvPicPr>
-            <a:picLocks noChangeAspect="1"/>
-          </p:cNvPicPr>
-          <p:nvPr/>
-        </p:nvPicPr>
-        <p:blipFill>
-          <a:blip r:embed="rId8"/>
-          <a:stretch>
-            <a:fillRect/>
-          </a:stretch>
-        </p:blipFill>
-        <p:spPr>
-          <a:xfrm>
-            <a:off x="4718385" y="1017898"/>
-            <a:ext cx="2591622" cy="1162050"/>
-          </a:xfrm>
-          <a:prstGeom prst="rect">
-            <a:avLst/>
-          </a:prstGeom>
-        </p:spPr>
-      </p:pic>
-      <p:pic>
-        <p:nvPicPr>
-          <p:cNvPr id="30" name="图片 29">
-            <a:extLst>
-              <a:ext uri="{FF2B5EF4-FFF2-40B4-BE49-F238E27FC236}">
-                <a16:creationId xmlns:a16="http://schemas.microsoft.com/office/drawing/2014/main" id="{B8B30591-0814-9873-E656-3A2C9DB7244E}"/>
-              </a:ext>
-            </a:extLst>
-          </p:cNvPr>
-          <p:cNvPicPr>
-            <a:picLocks noChangeAspect="1"/>
-          </p:cNvPicPr>
-          <p:nvPr/>
-        </p:nvPicPr>
-        <p:blipFill>
-          <a:blip r:embed="rId9"/>
-          <a:stretch>
-            <a:fillRect/>
-          </a:stretch>
-        </p:blipFill>
-        <p:spPr>
-          <a:xfrm>
-            <a:off x="4580733" y="2390676"/>
-            <a:ext cx="2729275" cy="1074102"/>
-          </a:xfrm>
-          <a:prstGeom prst="rect">
-            <a:avLst/>
-          </a:prstGeom>
-        </p:spPr>
-      </p:pic>
-      <p:pic>
-        <p:nvPicPr>
-          <p:cNvPr id="31" name="图片 30">
-            <a:extLst>
-              <a:ext uri="{FF2B5EF4-FFF2-40B4-BE49-F238E27FC236}">
-                <a16:creationId xmlns:a16="http://schemas.microsoft.com/office/drawing/2014/main" id="{A98316B1-DC74-1E20-E2F4-DC376F6FA73D}"/>
-              </a:ext>
-            </a:extLst>
-          </p:cNvPr>
-          <p:cNvPicPr>
-            <a:picLocks noChangeAspect="1"/>
-          </p:cNvPicPr>
-          <p:nvPr/>
-        </p:nvPicPr>
-        <p:blipFill>
-          <a:blip r:embed="rId10"/>
-          <a:stretch>
-            <a:fillRect/>
-          </a:stretch>
-        </p:blipFill>
-        <p:spPr>
-          <a:xfrm>
-            <a:off x="4587431" y="3745835"/>
-            <a:ext cx="2742198" cy="1047974"/>
-          </a:xfrm>
-          <a:prstGeom prst="rect">
-            <a:avLst/>
-          </a:prstGeom>
-        </p:spPr>
-      </p:pic>
-      <p:sp>
-        <p:nvSpPr>
-          <p:cNvPr id="256" name="Rectangle 14">
-            <a:extLst>
-              <a:ext uri="{FF2B5EF4-FFF2-40B4-BE49-F238E27FC236}">
-                <a16:creationId xmlns:a16="http://schemas.microsoft.com/office/drawing/2014/main" id="{B92F6DB9-BB40-07F1-3ABA-35488DC93DB8}"/>
-              </a:ext>
-            </a:extLst>
-          </p:cNvPr>
-          <p:cNvSpPr/>
-          <p:nvPr/>
-        </p:nvSpPr>
-        <p:spPr>
-          <a:xfrm>
-            <a:off x="7746608" y="629368"/>
-            <a:ext cx="2814847" cy="4285157"/>
-          </a:xfrm>
-          <a:prstGeom prst="rect">
-            <a:avLst/>
-          </a:prstGeom>
-          <a:noFill/>
-          <a:ln>
-            <a:solidFill>
-              <a:schemeClr val="accent1">
-                <a:lumMod val="75000"/>
-              </a:schemeClr>
-            </a:solidFill>
-          </a:ln>
-        </p:spPr>
-        <p:style>
-          <a:lnRef idx="2">
-            <a:schemeClr val="accent1">
-              <a:shade val="50000"/>
-            </a:schemeClr>
-          </a:lnRef>
-          <a:fillRef idx="1">
-            <a:schemeClr val="accent1"/>
-          </a:fillRef>
-          <a:effectRef idx="0">
-            <a:schemeClr val="accent1"/>
-          </a:effectRef>
-          <a:fontRef idx="minor">
-            <a:schemeClr val="lt1"/>
-          </a:fontRef>
-        </p:style>
-        <p:txBody>
-          <a:bodyPr rtlCol="0" anchor="t"/>
-          <a:lstStyle>
-            <a:defPPr>
-              <a:defRPr lang="en-US"/>
-            </a:defPPr>
-            <a:lvl1pPr marL="0" algn="l" defTabSz="914400" rtl="0" eaLnBrk="1" latinLnBrk="0" hangingPunct="1">
-              <a:defRPr sz="1800" kern="1200">
-                <a:solidFill>
-                  <a:schemeClr val="lt1"/>
-                </a:solidFill>
-                <a:latin typeface="+mn-lt"/>
-                <a:ea typeface="+mn-ea"/>
-                <a:cs typeface="+mn-cs"/>
-              </a:defRPr>
-            </a:lvl1pPr>
-            <a:lvl2pPr marL="457200" algn="l" defTabSz="914400" rtl="0" eaLnBrk="1" latinLnBrk="0" hangingPunct="1">
-              <a:defRPr sz="1800" kern="1200">
-                <a:solidFill>
-                  <a:schemeClr val="lt1"/>
-                </a:solidFill>
-                <a:latin typeface="+mn-lt"/>
-                <a:ea typeface="+mn-ea"/>
-                <a:cs typeface="+mn-cs"/>
-              </a:defRPr>
-            </a:lvl2pPr>
-            <a:lvl3pPr marL="914400" algn="l" defTabSz="914400" rtl="0" eaLnBrk="1" latinLnBrk="0" hangingPunct="1">
-              <a:defRPr sz="1800" kern="1200">
-                <a:solidFill>
-                  <a:schemeClr val="lt1"/>
-                </a:solidFill>
-                <a:latin typeface="+mn-lt"/>
-                <a:ea typeface="+mn-ea"/>
-                <a:cs typeface="+mn-cs"/>
-              </a:defRPr>
-            </a:lvl3pPr>
-            <a:lvl4pPr marL="1371600" algn="l" defTabSz="914400" rtl="0" eaLnBrk="1" latinLnBrk="0" hangingPunct="1">
-              <a:defRPr sz="1800" kern="1200">
-                <a:solidFill>
-                  <a:schemeClr val="lt1"/>
-                </a:solidFill>
-                <a:latin typeface="+mn-lt"/>
-                <a:ea typeface="+mn-ea"/>
-                <a:cs typeface="+mn-cs"/>
-              </a:defRPr>
-            </a:lvl4pPr>
-            <a:lvl5pPr marL="1828800" algn="l" defTabSz="914400" rtl="0" eaLnBrk="1" latinLnBrk="0" hangingPunct="1">
-              <a:defRPr sz="1800" kern="1200">
-                <a:solidFill>
-                  <a:schemeClr val="lt1"/>
-                </a:solidFill>
-                <a:latin typeface="+mn-lt"/>
-                <a:ea typeface="+mn-ea"/>
-                <a:cs typeface="+mn-cs"/>
-              </a:defRPr>
-            </a:lvl5pPr>
-            <a:lvl6pPr marL="2286000" algn="l" defTabSz="914400" rtl="0" eaLnBrk="1" latinLnBrk="0" hangingPunct="1">
-              <a:defRPr sz="1800" kern="1200">
-                <a:solidFill>
-                  <a:schemeClr val="lt1"/>
-                </a:solidFill>
-                <a:latin typeface="+mn-lt"/>
-                <a:ea typeface="+mn-ea"/>
-                <a:cs typeface="+mn-cs"/>
-              </a:defRPr>
-            </a:lvl6pPr>
-            <a:lvl7pPr marL="2743200" algn="l" defTabSz="914400" rtl="0" eaLnBrk="1" latinLnBrk="0" hangingPunct="1">
-              <a:defRPr sz="1800" kern="1200">
-                <a:solidFill>
-                  <a:schemeClr val="lt1"/>
-                </a:solidFill>
-                <a:latin typeface="+mn-lt"/>
-                <a:ea typeface="+mn-ea"/>
-                <a:cs typeface="+mn-cs"/>
-              </a:defRPr>
-            </a:lvl7pPr>
-            <a:lvl8pPr marL="3200400" algn="l" defTabSz="914400" rtl="0" eaLnBrk="1" latinLnBrk="0" hangingPunct="1">
-              <a:defRPr sz="1800" kern="1200">
-                <a:solidFill>
-                  <a:schemeClr val="lt1"/>
-                </a:solidFill>
-                <a:latin typeface="+mn-lt"/>
-                <a:ea typeface="+mn-ea"/>
-                <a:cs typeface="+mn-cs"/>
-              </a:defRPr>
-            </a:lvl8pPr>
-            <a:lvl9pPr marL="3657600" algn="l" defTabSz="914400" rtl="0" eaLnBrk="1" latinLnBrk="0" hangingPunct="1">
-              <a:defRPr sz="1800" kern="1200">
-                <a:solidFill>
-                  <a:schemeClr val="lt1"/>
-                </a:solidFill>
-                <a:latin typeface="+mn-lt"/>
-                <a:ea typeface="+mn-ea"/>
-                <a:cs typeface="+mn-cs"/>
-              </a:defRPr>
-            </a:lvl9pPr>
-          </a:lstStyle>
-          <a:p>
-            <a:pPr algn="ctr"/>
-            <a:r>
-              <a:rPr lang="en-US" b="1" dirty="0">
-                <a:solidFill>
-                  <a:schemeClr val="tx1"/>
-                </a:solidFill>
-              </a:rPr>
-              <a:t>C</a:t>
-            </a:r>
-            <a:r>
-              <a:rPr lang="en-US" altLang="zh-CN" b="1" dirty="0">
-                <a:solidFill>
-                  <a:schemeClr val="tx1"/>
-                </a:solidFill>
-              </a:rPr>
-              <a:t>onst-acc</a:t>
-            </a:r>
-            <a:r>
-              <a:rPr lang="en-US" b="1" dirty="0">
-                <a:solidFill>
-                  <a:schemeClr val="tx1"/>
-                </a:solidFill>
-              </a:rPr>
-              <a:t> scheduler</a:t>
-            </a:r>
-          </a:p>
-        </p:txBody>
-      </p:sp>
-      <p:cxnSp>
-        <p:nvCxnSpPr>
-          <p:cNvPr id="258" name="直接箭头连接符 257">
-            <a:extLst>
-              <a:ext uri="{FF2B5EF4-FFF2-40B4-BE49-F238E27FC236}">
-                <a16:creationId xmlns:a16="http://schemas.microsoft.com/office/drawing/2014/main" id="{8BC5866B-4436-8E44-7096-F0049EBFE8F9}"/>
-              </a:ext>
-            </a:extLst>
-          </p:cNvPr>
-          <p:cNvCxnSpPr>
-            <a:cxnSpLocks/>
-            <a:stCxn id="6" idx="3"/>
-            <a:endCxn id="256" idx="1"/>
-          </p:cNvCxnSpPr>
-          <p:nvPr/>
-        </p:nvCxnSpPr>
-        <p:spPr>
-          <a:xfrm>
-            <a:off x="7367003" y="2771946"/>
-            <a:ext cx="379604" cy="0"/>
-          </a:xfrm>
-          <a:prstGeom prst="straightConnector1">
-            <a:avLst/>
-          </a:prstGeom>
-          <a:ln>
-            <a:tailEnd type="triangle"/>
-          </a:ln>
-        </p:spPr>
-        <p:style>
-          <a:lnRef idx="1">
-            <a:schemeClr val="dk1"/>
-          </a:lnRef>
-          <a:fillRef idx="0">
-            <a:schemeClr val="dk1"/>
-          </a:fillRef>
-          <a:effectRef idx="0">
-            <a:schemeClr val="dk1"/>
-          </a:effectRef>
-          <a:fontRef idx="minor">
-            <a:schemeClr val="tx1"/>
-          </a:fontRef>
-        </p:style>
-      </p:cxnSp>
-      <p:pic>
-        <p:nvPicPr>
-          <p:cNvPr id="259" name="图片 258">
-            <a:extLst>
-              <a:ext uri="{FF2B5EF4-FFF2-40B4-BE49-F238E27FC236}">
-                <a16:creationId xmlns:a16="http://schemas.microsoft.com/office/drawing/2014/main" id="{A8BF579C-0602-5D0A-38DF-47C40552EAC1}"/>
-              </a:ext>
-            </a:extLst>
-          </p:cNvPr>
-          <p:cNvPicPr>
-            <a:picLocks noChangeAspect="1"/>
-          </p:cNvPicPr>
-          <p:nvPr/>
-        </p:nvPicPr>
-        <p:blipFill>
-          <a:blip r:embed="rId11"/>
-          <a:stretch>
-            <a:fillRect/>
-          </a:stretch>
-        </p:blipFill>
-        <p:spPr>
-          <a:xfrm>
-            <a:off x="7842805" y="975009"/>
-            <a:ext cx="2635223" cy="1131466"/>
-          </a:xfrm>
-          <a:prstGeom prst="rect">
-            <a:avLst/>
-          </a:prstGeom>
-        </p:spPr>
-      </p:pic>
-      <p:pic>
-        <p:nvPicPr>
-          <p:cNvPr id="261" name="图片 260">
-            <a:extLst>
-              <a:ext uri="{FF2B5EF4-FFF2-40B4-BE49-F238E27FC236}">
-                <a16:creationId xmlns:a16="http://schemas.microsoft.com/office/drawing/2014/main" id="{1EBD36BA-B098-F66A-F275-28F8854747BE}"/>
-              </a:ext>
-            </a:extLst>
-          </p:cNvPr>
-          <p:cNvPicPr>
-            <a:picLocks noChangeAspect="1"/>
-          </p:cNvPicPr>
-          <p:nvPr/>
-        </p:nvPicPr>
-        <p:blipFill>
-          <a:blip r:embed="rId12"/>
-          <a:stretch>
-            <a:fillRect/>
-          </a:stretch>
-        </p:blipFill>
-        <p:spPr>
-          <a:xfrm>
-            <a:off x="7803603" y="2462744"/>
-            <a:ext cx="2674424" cy="942625"/>
-          </a:xfrm>
-          <a:prstGeom prst="rect">
-            <a:avLst/>
-          </a:prstGeom>
-        </p:spPr>
-      </p:pic>
-      <p:pic>
-        <p:nvPicPr>
-          <p:cNvPr id="263" name="图片 262">
-            <a:extLst>
-              <a:ext uri="{FF2B5EF4-FFF2-40B4-BE49-F238E27FC236}">
-                <a16:creationId xmlns:a16="http://schemas.microsoft.com/office/drawing/2014/main" id="{906C34F5-1BF4-1200-CEE4-28A7EB7CC685}"/>
-              </a:ext>
-            </a:extLst>
-          </p:cNvPr>
-          <p:cNvPicPr>
-            <a:picLocks noChangeAspect="1"/>
-          </p:cNvPicPr>
-          <p:nvPr/>
-        </p:nvPicPr>
-        <p:blipFill>
-          <a:blip r:embed="rId13"/>
-          <a:stretch>
-            <a:fillRect/>
-          </a:stretch>
-        </p:blipFill>
-        <p:spPr>
-          <a:xfrm>
-            <a:off x="7790238" y="3783453"/>
-            <a:ext cx="2727584" cy="966174"/>
-          </a:xfrm>
-          <a:prstGeom prst="rect">
-            <a:avLst/>
-          </a:prstGeom>
-        </p:spPr>
-      </p:pic>
-      <p:sp>
-        <p:nvSpPr>
-          <p:cNvPr id="268" name="Rectangle 14">
-            <a:extLst>
-              <a:ext uri="{FF2B5EF4-FFF2-40B4-BE49-F238E27FC236}">
-                <a16:creationId xmlns:a16="http://schemas.microsoft.com/office/drawing/2014/main" id="{6A3A97E1-8AE2-54E8-24A1-4D912F1F3617}"/>
-              </a:ext>
-            </a:extLst>
-          </p:cNvPr>
-          <p:cNvSpPr/>
-          <p:nvPr/>
-        </p:nvSpPr>
-        <p:spPr>
-          <a:xfrm>
-            <a:off x="-1457142" y="3767174"/>
-            <a:ext cx="2317235" cy="2138955"/>
-          </a:xfrm>
-          <a:prstGeom prst="rect">
-            <a:avLst/>
-          </a:prstGeom>
-          <a:noFill/>
-          <a:ln>
-            <a:solidFill>
-              <a:schemeClr val="accent1">
-                <a:lumMod val="75000"/>
-              </a:schemeClr>
-            </a:solidFill>
-          </a:ln>
-        </p:spPr>
-        <p:style>
-          <a:lnRef idx="2">
-            <a:schemeClr val="accent1">
-              <a:shade val="50000"/>
-            </a:schemeClr>
-          </a:lnRef>
-          <a:fillRef idx="1">
-            <a:schemeClr val="accent1"/>
-          </a:fillRef>
-          <a:effectRef idx="0">
-            <a:schemeClr val="accent1"/>
-          </a:effectRef>
-          <a:fontRef idx="minor">
-            <a:schemeClr val="lt1"/>
-          </a:fontRef>
-        </p:style>
-        <p:txBody>
-          <a:bodyPr rtlCol="0" anchor="t"/>
-          <a:lstStyle>
-            <a:defPPr>
-              <a:defRPr lang="en-US"/>
-            </a:defPPr>
-            <a:lvl1pPr marL="0" algn="l" defTabSz="914400" rtl="0" eaLnBrk="1" latinLnBrk="0" hangingPunct="1">
-              <a:defRPr sz="1800" kern="1200">
-                <a:solidFill>
-                  <a:schemeClr val="lt1"/>
-                </a:solidFill>
-                <a:latin typeface="+mn-lt"/>
-                <a:ea typeface="+mn-ea"/>
-                <a:cs typeface="+mn-cs"/>
-              </a:defRPr>
-            </a:lvl1pPr>
-            <a:lvl2pPr marL="457200" algn="l" defTabSz="914400" rtl="0" eaLnBrk="1" latinLnBrk="0" hangingPunct="1">
-              <a:defRPr sz="1800" kern="1200">
-                <a:solidFill>
-                  <a:schemeClr val="lt1"/>
-                </a:solidFill>
-                <a:latin typeface="+mn-lt"/>
-                <a:ea typeface="+mn-ea"/>
-                <a:cs typeface="+mn-cs"/>
-              </a:defRPr>
-            </a:lvl2pPr>
-            <a:lvl3pPr marL="914400" algn="l" defTabSz="914400" rtl="0" eaLnBrk="1" latinLnBrk="0" hangingPunct="1">
-              <a:defRPr sz="1800" kern="1200">
-                <a:solidFill>
-                  <a:schemeClr val="lt1"/>
-                </a:solidFill>
-                <a:latin typeface="+mn-lt"/>
-                <a:ea typeface="+mn-ea"/>
-                <a:cs typeface="+mn-cs"/>
-              </a:defRPr>
-            </a:lvl3pPr>
-            <a:lvl4pPr marL="1371600" algn="l" defTabSz="914400" rtl="0" eaLnBrk="1" latinLnBrk="0" hangingPunct="1">
-              <a:defRPr sz="1800" kern="1200">
-                <a:solidFill>
-                  <a:schemeClr val="lt1"/>
-                </a:solidFill>
-                <a:latin typeface="+mn-lt"/>
-                <a:ea typeface="+mn-ea"/>
-                <a:cs typeface="+mn-cs"/>
-              </a:defRPr>
-            </a:lvl4pPr>
-            <a:lvl5pPr marL="1828800" algn="l" defTabSz="914400" rtl="0" eaLnBrk="1" latinLnBrk="0" hangingPunct="1">
-              <a:defRPr sz="1800" kern="1200">
-                <a:solidFill>
-                  <a:schemeClr val="lt1"/>
-                </a:solidFill>
-                <a:latin typeface="+mn-lt"/>
-                <a:ea typeface="+mn-ea"/>
-                <a:cs typeface="+mn-cs"/>
-              </a:defRPr>
-            </a:lvl5pPr>
-            <a:lvl6pPr marL="2286000" algn="l" defTabSz="914400" rtl="0" eaLnBrk="1" latinLnBrk="0" hangingPunct="1">
-              <a:defRPr sz="1800" kern="1200">
-                <a:solidFill>
-                  <a:schemeClr val="lt1"/>
-                </a:solidFill>
-                <a:latin typeface="+mn-lt"/>
-                <a:ea typeface="+mn-ea"/>
-                <a:cs typeface="+mn-cs"/>
-              </a:defRPr>
-            </a:lvl6pPr>
-            <a:lvl7pPr marL="2743200" algn="l" defTabSz="914400" rtl="0" eaLnBrk="1" latinLnBrk="0" hangingPunct="1">
-              <a:defRPr sz="1800" kern="1200">
-                <a:solidFill>
-                  <a:schemeClr val="lt1"/>
-                </a:solidFill>
-                <a:latin typeface="+mn-lt"/>
-                <a:ea typeface="+mn-ea"/>
-                <a:cs typeface="+mn-cs"/>
-              </a:defRPr>
-            </a:lvl7pPr>
-            <a:lvl8pPr marL="3200400" algn="l" defTabSz="914400" rtl="0" eaLnBrk="1" latinLnBrk="0" hangingPunct="1">
-              <a:defRPr sz="1800" kern="1200">
-                <a:solidFill>
-                  <a:schemeClr val="lt1"/>
-                </a:solidFill>
-                <a:latin typeface="+mn-lt"/>
-                <a:ea typeface="+mn-ea"/>
-                <a:cs typeface="+mn-cs"/>
-              </a:defRPr>
-            </a:lvl8pPr>
-            <a:lvl9pPr marL="3657600" algn="l" defTabSz="914400" rtl="0" eaLnBrk="1" latinLnBrk="0" hangingPunct="1">
-              <a:defRPr sz="1800" kern="1200">
-                <a:solidFill>
-                  <a:schemeClr val="lt1"/>
-                </a:solidFill>
-                <a:latin typeface="+mn-lt"/>
-                <a:ea typeface="+mn-ea"/>
-                <a:cs typeface="+mn-cs"/>
-              </a:defRPr>
-            </a:lvl9pPr>
-          </a:lstStyle>
-          <a:p>
-            <a:pPr algn="ctr"/>
-            <a:r>
-              <a:rPr lang="en-US" sz="1600" b="1" dirty="0">
-                <a:solidFill>
-                  <a:schemeClr val="tx1"/>
-                </a:solidFill>
-              </a:rPr>
-              <a:t>Dwell points &amp; Path points</a:t>
-            </a:r>
-          </a:p>
-        </p:txBody>
-      </p:sp>
-    </p:spTree>
-    <p:extLst>
-      <p:ext uri="{BB962C8B-B14F-4D97-AF65-F5344CB8AC3E}">
-        <p14:creationId xmlns:p14="http://schemas.microsoft.com/office/powerpoint/2010/main" val="3654655425"/>
-      </p:ext>
-    </p:extLst>
-  </p:cSld>
-  <p:clrMapOvr>
-    <a:masterClrMapping/>
-  </p:clrMapOvr>
-</p:sld>
-</file>
-
 <file path=ppt/theme/theme1.xml><?xml version="1.0" encoding="utf-8"?>
 <a:theme xmlns:a="http://schemas.openxmlformats.org/drawingml/2006/main" name="Office 主题​​">
   <a:themeElements>
